--- a/Deep Q-Learning Aided Networking, Caching, and Computing Resources Allocation in Software-Defined Satellite-Terrestrial Networks.pptx
+++ b/Deep Q-Learning Aided Networking, Caching, and Computing Resources Allocation in Software-Defined Satellite-Terrestrial Networks.pptx
@@ -5,17 +5,30 @@
     <p:sldMasterId id="2147483648" r:id="rId1"/>
   </p:sldMasterIdLst>
   <p:notesMasterIdLst>
-    <p:notesMasterId r:id="rId10"/>
+    <p:notesMasterId r:id="rId23"/>
   </p:notesMasterIdLst>
   <p:sldIdLst>
     <p:sldId id="268" r:id="rId2"/>
     <p:sldId id="262" r:id="rId3"/>
-    <p:sldId id="270" r:id="rId4"/>
-    <p:sldId id="263" r:id="rId5"/>
+    <p:sldId id="263" r:id="rId4"/>
+    <p:sldId id="270" r:id="rId5"/>
     <p:sldId id="264" r:id="rId6"/>
     <p:sldId id="265" r:id="rId7"/>
     <p:sldId id="271" r:id="rId8"/>
     <p:sldId id="272" r:id="rId9"/>
+    <p:sldId id="273" r:id="rId10"/>
+    <p:sldId id="274" r:id="rId11"/>
+    <p:sldId id="275" r:id="rId12"/>
+    <p:sldId id="276" r:id="rId13"/>
+    <p:sldId id="277" r:id="rId14"/>
+    <p:sldId id="278" r:id="rId15"/>
+    <p:sldId id="279" r:id="rId16"/>
+    <p:sldId id="280" r:id="rId17"/>
+    <p:sldId id="281" r:id="rId18"/>
+    <p:sldId id="282" r:id="rId19"/>
+    <p:sldId id="283" r:id="rId20"/>
+    <p:sldId id="284" r:id="rId21"/>
+    <p:sldId id="285" r:id="rId22"/>
   </p:sldIdLst>
   <p:sldSz cx="9144000" cy="6858000" type="screen4x3"/>
   <p:notesSz cx="6858000" cy="9144000"/>
@@ -955,7 +968,35 @@
           <a:lstStyle/>
           <a:p>
             <a:pPr eaLnBrk="1" hangingPunct="1"/>
-            <a:endParaRPr lang="en-GB" altLang="en-US"/>
+            <a:r>
+              <a:rPr lang="zh-TW" altLang="en-US" dirty="0"/>
+              <a:t>這篇作者將</a:t>
+            </a:r>
+            <a:r>
+              <a:rPr lang="en-US" altLang="zh-TW" dirty="0"/>
+              <a:t>DQN</a:t>
+            </a:r>
+            <a:r>
+              <a:rPr lang="zh-TW" altLang="en-US" dirty="0"/>
+              <a:t>運用在</a:t>
+            </a:r>
+            <a:r>
+              <a:rPr lang="en-US" altLang="zh-TW" dirty="0"/>
+              <a:t>SDN</a:t>
+            </a:r>
+            <a:r>
+              <a:rPr lang="zh-TW" altLang="en-US" dirty="0"/>
+              <a:t>的衛星地面網路上，那主要是使用</a:t>
+            </a:r>
+            <a:r>
+              <a:rPr lang="en-US" altLang="zh-TW" dirty="0"/>
+              <a:t>DQN</a:t>
+            </a:r>
+            <a:r>
+              <a:rPr lang="zh-TW" altLang="en-US" dirty="0"/>
+              <a:t>進行資源分配</a:t>
+            </a:r>
+            <a:endParaRPr lang="en-GB" altLang="en-US" dirty="0"/>
           </a:p>
         </p:txBody>
       </p:sp>
@@ -963,6 +1004,1072 @@
     <p:extLst>
       <p:ext uri="{BB962C8B-B14F-4D97-AF65-F5344CB8AC3E}">
         <p14:creationId xmlns:p14="http://schemas.microsoft.com/office/powerpoint/2010/main" val="4038459841"/>
+      </p:ext>
+    </p:extLst>
+  </p:cSld>
+  <p:clrMapOvr>
+    <a:masterClrMapping/>
+  </p:clrMapOvr>
+</p:notes>
+</file>
+
+<file path=ppt/notesSlides/notesSlide10.xml><?xml version="1.0" encoding="utf-8"?>
+<p:notes xmlns:a="http://schemas.openxmlformats.org/drawingml/2006/main" xmlns:r="http://schemas.openxmlformats.org/officeDocument/2006/relationships" xmlns:p="http://schemas.openxmlformats.org/presentationml/2006/main">
+  <p:cSld>
+    <p:spTree>
+      <p:nvGrpSpPr>
+        <p:cNvPr id="1" name=""/>
+        <p:cNvGrpSpPr/>
+        <p:nvPr/>
+      </p:nvGrpSpPr>
+      <p:grpSpPr>
+        <a:xfrm>
+          <a:off x="0" y="0"/>
+          <a:ext cx="0" cy="0"/>
+          <a:chOff x="0" y="0"/>
+          <a:chExt cx="0" cy="0"/>
+        </a:xfrm>
+      </p:grpSpPr>
+      <p:sp>
+        <p:nvSpPr>
+          <p:cNvPr id="2" name="投影片影像版面配置區 1"/>
+          <p:cNvSpPr>
+            <a:spLocks noGrp="1" noRot="1" noChangeAspect="1"/>
+          </p:cNvSpPr>
+          <p:nvPr>
+            <p:ph type="sldImg"/>
+          </p:nvPr>
+        </p:nvSpPr>
+        <p:spPr/>
+      </p:sp>
+      <p:sp>
+        <p:nvSpPr>
+          <p:cNvPr id="3" name="備忘稿版面配置區 2"/>
+          <p:cNvSpPr>
+            <a:spLocks noGrp="1"/>
+          </p:cNvSpPr>
+          <p:nvPr>
+            <p:ph type="body" idx="1"/>
+          </p:nvPr>
+        </p:nvSpPr>
+        <p:spPr/>
+        <p:txBody>
+          <a:bodyPr/>
+          <a:lstStyle/>
+          <a:p>
+            <a:r>
+              <a:rPr lang="en-US" altLang="zh-TW" dirty="0"/>
+              <a:t>User u </a:t>
+            </a:r>
+            <a:r>
+              <a:rPr lang="zh-TW" altLang="en-US" dirty="0"/>
+              <a:t>與</a:t>
+            </a:r>
+            <a:r>
+              <a:rPr lang="en-US" altLang="zh-TW" dirty="0"/>
+              <a:t>LEO l</a:t>
+            </a:r>
+            <a:r>
+              <a:rPr lang="zh-TW" altLang="en-US" dirty="0"/>
+              <a:t> 的最大角度</a:t>
+            </a:r>
+            <a:r>
+              <a:rPr lang="en-US" altLang="zh-TW" dirty="0"/>
+              <a:t>(</a:t>
+            </a:r>
+            <a:r>
+              <a:rPr lang="zh-TW" altLang="en-US" dirty="0"/>
+              <a:t>因為有</a:t>
+            </a:r>
+            <a:r>
+              <a:rPr lang="en-US" altLang="zh-TW" dirty="0"/>
+              <a:t>Light of sight</a:t>
+            </a:r>
+            <a:r>
+              <a:rPr lang="zh-TW" altLang="en-US" dirty="0"/>
+              <a:t>的限制</a:t>
+            </a:r>
+            <a:r>
+              <a:rPr lang="en-US" altLang="zh-TW" dirty="0"/>
+              <a:t>,</a:t>
+            </a:r>
+          </a:p>
+          <a:p>
+            <a:r>
+              <a:rPr lang="en-US" altLang="zh-TW" dirty="0"/>
+              <a:t>State </a:t>
+            </a:r>
+            <a:r>
+              <a:rPr lang="en-US" altLang="zh-TW" dirty="0" err="1"/>
+              <a:t>Xs</a:t>
+            </a:r>
+            <a:r>
+              <a:rPr lang="en-US" altLang="zh-TW" dirty="0"/>
+              <a:t> -&gt;Bs</a:t>
+            </a:r>
+            <a:r>
+              <a:rPr lang="zh-TW" altLang="en-US" dirty="0"/>
+              <a:t>的機率為</a:t>
+            </a:r>
+            <a:r>
+              <a:rPr lang="en-US" altLang="zh-TW" dirty="0" err="1"/>
+              <a:t>KXsBs</a:t>
+            </a:r>
+            <a:r>
+              <a:rPr lang="en-US" altLang="zh-TW" dirty="0"/>
+              <a:t>(t)</a:t>
+            </a:r>
+            <a:endParaRPr lang="zh-TW" altLang="en-US" dirty="0"/>
+          </a:p>
+        </p:txBody>
+      </p:sp>
+      <p:sp>
+        <p:nvSpPr>
+          <p:cNvPr id="4" name="投影片編號版面配置區 3"/>
+          <p:cNvSpPr>
+            <a:spLocks noGrp="1"/>
+          </p:cNvSpPr>
+          <p:nvPr>
+            <p:ph type="sldNum" sz="quarter" idx="5"/>
+          </p:nvPr>
+        </p:nvSpPr>
+        <p:spPr/>
+        <p:txBody>
+          <a:bodyPr/>
+          <a:lstStyle/>
+          <a:p>
+            <a:pPr>
+              <a:defRPr/>
+            </a:pPr>
+            <a:fld id="{8EEEF6CB-C50F-488A-99E7-79215D4B1CC0}" type="slidenum">
+              <a:rPr lang="en-GB" altLang="en-US" smtClean="0"/>
+              <a:pPr>
+                <a:defRPr/>
+              </a:pPr>
+              <a:t>10</a:t>
+            </a:fld>
+            <a:endParaRPr lang="en-GB" altLang="en-US"/>
+          </a:p>
+        </p:txBody>
+      </p:sp>
+    </p:spTree>
+    <p:extLst>
+      <p:ext uri="{BB962C8B-B14F-4D97-AF65-F5344CB8AC3E}">
+        <p14:creationId xmlns:p14="http://schemas.microsoft.com/office/powerpoint/2010/main" val="1446829690"/>
+      </p:ext>
+    </p:extLst>
+  </p:cSld>
+  <p:clrMapOvr>
+    <a:masterClrMapping/>
+  </p:clrMapOvr>
+</p:notes>
+</file>
+
+<file path=ppt/notesSlides/notesSlide11.xml><?xml version="1.0" encoding="utf-8"?>
+<p:notes xmlns:a="http://schemas.openxmlformats.org/drawingml/2006/main" xmlns:r="http://schemas.openxmlformats.org/officeDocument/2006/relationships" xmlns:p="http://schemas.openxmlformats.org/presentationml/2006/main">
+  <p:cSld>
+    <p:spTree>
+      <p:nvGrpSpPr>
+        <p:cNvPr id="1" name=""/>
+        <p:cNvGrpSpPr/>
+        <p:nvPr/>
+      </p:nvGrpSpPr>
+      <p:grpSpPr>
+        <a:xfrm>
+          <a:off x="0" y="0"/>
+          <a:ext cx="0" cy="0"/>
+          <a:chOff x="0" y="0"/>
+          <a:chExt cx="0" cy="0"/>
+        </a:xfrm>
+      </p:grpSpPr>
+      <p:sp>
+        <p:nvSpPr>
+          <p:cNvPr id="2" name="投影片影像版面配置區 1"/>
+          <p:cNvSpPr>
+            <a:spLocks noGrp="1" noRot="1" noChangeAspect="1"/>
+          </p:cNvSpPr>
+          <p:nvPr>
+            <p:ph type="sldImg"/>
+          </p:nvPr>
+        </p:nvSpPr>
+        <p:spPr/>
+      </p:sp>
+      <mc:AlternateContent xmlns:mc="http://schemas.openxmlformats.org/markup-compatibility/2006">
+        <mc:Choice xmlns:a14="http://schemas.microsoft.com/office/drawing/2010/main" Requires="a14">
+          <p:sp>
+            <p:nvSpPr>
+              <p:cNvPr id="3" name="備忘稿版面配置區 2"/>
+              <p:cNvSpPr>
+                <a:spLocks noGrp="1"/>
+              </p:cNvSpPr>
+              <p:nvPr>
+                <p:ph type="body" idx="1"/>
+              </p:nvPr>
+            </p:nvSpPr>
+            <p:spPr/>
+            <p:txBody>
+              <a:bodyPr/>
+              <a:lstStyle/>
+              <a:p>
+                <a:r>
+                  <a:rPr lang="zh-TW" altLang="en-US" dirty="0"/>
+                  <a:t>這邊也跟剛剛一樣，但這邊是根據頻道中的</a:t>
+                </a:r>
+                <a:r>
+                  <a:rPr lang="en-US" altLang="zh-TW" dirty="0"/>
+                  <a:t>SNR</a:t>
+                </a:r>
+                <a:r>
+                  <a:rPr lang="zh-TW" altLang="en-US" dirty="0"/>
+                  <a:t>來做切割， </a:t>
+                </a:r>
+                <a14:m>
+                  <m:oMath xmlns:m="http://schemas.openxmlformats.org/officeDocument/2006/math">
+                    <m:sSubSup>
+                      <m:sSubSupPr>
+                        <m:ctrlPr>
+                          <a:rPr lang="en-US" altLang="zh-TW" i="1" smtClean="0">
+                            <a:latin typeface="Cambria Math" panose="02040503050406030204" pitchFamily="18" charset="0"/>
+                          </a:rPr>
+                        </m:ctrlPr>
+                      </m:sSubSupPr>
+                      <m:e>
+                        <m:r>
+                          <a:rPr lang="en-US" altLang="zh-TW" b="0" i="1" smtClean="0">
+                            <a:latin typeface="Cambria Math" panose="02040503050406030204" pitchFamily="18" charset="0"/>
+                          </a:rPr>
+                          <m:t>h</m:t>
+                        </m:r>
+                      </m:e>
+                      <m:sub>
+                        <m:r>
+                          <a:rPr lang="en-US" altLang="zh-TW" b="0" i="1" smtClean="0">
+                            <a:latin typeface="Cambria Math" panose="02040503050406030204" pitchFamily="18" charset="0"/>
+                          </a:rPr>
+                          <m:t>𝑢</m:t>
+                        </m:r>
+                      </m:sub>
+                      <m:sup>
+                        <m:r>
+                          <a:rPr lang="en-US" altLang="zh-TW" b="0" i="1" smtClean="0">
+                            <a:latin typeface="Cambria Math" panose="02040503050406030204" pitchFamily="18" charset="0"/>
+                          </a:rPr>
+                          <m:t>𝑙</m:t>
+                        </m:r>
+                      </m:sup>
+                    </m:sSubSup>
+                    <m:r>
+                      <a:rPr lang="en-US" altLang="zh-TW" b="0" i="1" smtClean="0">
+                        <a:latin typeface="Cambria Math" panose="02040503050406030204" pitchFamily="18" charset="0"/>
+                      </a:rPr>
+                      <m:t> </m:t>
+                    </m:r>
+                    <m:r>
+                      <a:rPr lang="zh-TW" altLang="en-US" b="0" i="1" smtClean="0">
+                        <a:latin typeface="Cambria Math" panose="02040503050406030204" pitchFamily="18" charset="0"/>
+                      </a:rPr>
+                      <m:t>就是</m:t>
+                    </m:r>
+                  </m:oMath>
+                </a14:m>
+                <a:r>
+                  <a:rPr lang="zh-TW" altLang="en-US" dirty="0"/>
+                  <a:t> </a:t>
+                </a:r>
+                <a:r>
+                  <a:rPr lang="en-US" altLang="zh-TW" dirty="0"/>
+                  <a:t>user u </a:t>
+                </a:r>
+                <a:r>
+                  <a:rPr lang="zh-TW" altLang="en-US" dirty="0"/>
+                  <a:t>收到</a:t>
+                </a:r>
+                <a:r>
+                  <a:rPr lang="en-US" altLang="zh-TW" dirty="0"/>
+                  <a:t>LEO</a:t>
+                </a:r>
+                <a:r>
+                  <a:rPr lang="zh-TW" altLang="en-US" dirty="0"/>
+                  <a:t> </a:t>
+                </a:r>
+                <a:r>
+                  <a:rPr lang="en-US" altLang="zh-TW" dirty="0"/>
+                  <a:t>u</a:t>
+                </a:r>
+                <a:r>
+                  <a:rPr lang="en-US" altLang="zh-TW" baseline="0" dirty="0"/>
+                  <a:t> </a:t>
+                </a:r>
+                <a:r>
+                  <a:rPr lang="zh-TW" altLang="en-US" baseline="0" dirty="0"/>
+                  <a:t>的 </a:t>
+                </a:r>
+                <a:r>
+                  <a:rPr lang="en-US" altLang="zh-TW" baseline="0" dirty="0"/>
+                  <a:t>SNR</a:t>
+                </a:r>
+                <a:r>
+                  <a:rPr lang="zh-TW" altLang="en-US" baseline="0" dirty="0"/>
+                  <a:t> 所建置的一個隨機變數</a:t>
+                </a:r>
+                <a:endParaRPr lang="en-US" altLang="zh-TW" baseline="0" dirty="0"/>
+              </a:p>
+              <a:p>
+                <a:endParaRPr lang="en-US" altLang="zh-TW" baseline="0" dirty="0"/>
+              </a:p>
+              <a:p>
+                <a:endParaRPr lang="en-US" altLang="zh-TW" baseline="0" dirty="0"/>
+              </a:p>
+            </p:txBody>
+          </p:sp>
+        </mc:Choice>
+        <mc:Fallback>
+          <p:sp>
+            <p:nvSpPr>
+              <p:cNvPr id="3" name="備忘稿版面配置區 2"/>
+              <p:cNvSpPr>
+                <a:spLocks noGrp="1"/>
+              </p:cNvSpPr>
+              <p:nvPr>
+                <p:ph type="body" idx="1"/>
+              </p:nvPr>
+            </p:nvSpPr>
+            <p:spPr/>
+            <p:txBody>
+              <a:bodyPr/>
+              <a:lstStyle/>
+              <a:p>
+                <a:r>
+                  <a:rPr lang="zh-TW" altLang="en-US" dirty="0"/>
+                  <a:t>這邊也跟剛剛一樣，但這邊是根據頻道中的</a:t>
+                </a:r>
+                <a:r>
+                  <a:rPr lang="en-US" altLang="zh-TW" dirty="0"/>
+                  <a:t>SNR</a:t>
+                </a:r>
+                <a:r>
+                  <a:rPr lang="zh-TW" altLang="en-US" dirty="0"/>
+                  <a:t>來做切割， </a:t>
+                </a:r>
+                <a:r>
+                  <a:rPr lang="en-US" altLang="zh-TW" b="0" i="0">
+                    <a:latin typeface="Cambria Math" panose="02040503050406030204" pitchFamily="18" charset="0"/>
+                  </a:rPr>
+                  <a:t>ℎ_𝑢^𝑙  </a:t>
+                </a:r>
+                <a:r>
+                  <a:rPr lang="zh-TW" altLang="en-US" b="0" i="0">
+                    <a:latin typeface="Cambria Math" panose="02040503050406030204" pitchFamily="18" charset="0"/>
+                  </a:rPr>
+                  <a:t>就是</a:t>
+                </a:r>
+                <a:r>
+                  <a:rPr lang="zh-TW" altLang="en-US" dirty="0"/>
+                  <a:t> </a:t>
+                </a:r>
+                <a:r>
+                  <a:rPr lang="en-US" altLang="zh-TW" dirty="0"/>
+                  <a:t>user u </a:t>
+                </a:r>
+                <a:r>
+                  <a:rPr lang="zh-TW" altLang="en-US" dirty="0"/>
+                  <a:t>收到</a:t>
+                </a:r>
+                <a:r>
+                  <a:rPr lang="en-US" altLang="zh-TW" dirty="0"/>
+                  <a:t>LEO</a:t>
+                </a:r>
+                <a:r>
+                  <a:rPr lang="zh-TW" altLang="en-US" dirty="0"/>
+                  <a:t> </a:t>
+                </a:r>
+                <a:r>
+                  <a:rPr lang="en-US" altLang="zh-TW" dirty="0"/>
+                  <a:t>u</a:t>
+                </a:r>
+                <a:r>
+                  <a:rPr lang="en-US" altLang="zh-TW" baseline="0" dirty="0"/>
+                  <a:t> </a:t>
+                </a:r>
+                <a:r>
+                  <a:rPr lang="zh-TW" altLang="en-US" baseline="0" dirty="0"/>
+                  <a:t>的 </a:t>
+                </a:r>
+                <a:r>
+                  <a:rPr lang="en-US" altLang="zh-TW" baseline="0" dirty="0"/>
+                  <a:t>SNR</a:t>
+                </a:r>
+                <a:r>
+                  <a:rPr lang="zh-TW" altLang="en-US" baseline="0" dirty="0"/>
+                  <a:t> 所建置的一個隨機變數</a:t>
+                </a:r>
+                <a:endParaRPr lang="en-US" altLang="zh-TW" baseline="0" dirty="0"/>
+              </a:p>
+              <a:p>
+                <a:endParaRPr lang="en-US" altLang="zh-TW" baseline="0" dirty="0"/>
+              </a:p>
+              <a:p>
+                <a:endParaRPr lang="en-US" altLang="zh-TW" baseline="0" dirty="0"/>
+              </a:p>
+            </p:txBody>
+          </p:sp>
+        </mc:Fallback>
+      </mc:AlternateContent>
+      <p:sp>
+        <p:nvSpPr>
+          <p:cNvPr id="4" name="投影片編號版面配置區 3"/>
+          <p:cNvSpPr>
+            <a:spLocks noGrp="1"/>
+          </p:cNvSpPr>
+          <p:nvPr>
+            <p:ph type="sldNum" sz="quarter" idx="5"/>
+          </p:nvPr>
+        </p:nvSpPr>
+        <p:spPr/>
+        <p:txBody>
+          <a:bodyPr/>
+          <a:lstStyle/>
+          <a:p>
+            <a:pPr>
+              <a:defRPr/>
+            </a:pPr>
+            <a:fld id="{8EEEF6CB-C50F-488A-99E7-79215D4B1CC0}" type="slidenum">
+              <a:rPr lang="en-GB" altLang="en-US" smtClean="0"/>
+              <a:pPr>
+                <a:defRPr/>
+              </a:pPr>
+              <a:t>11</a:t>
+            </a:fld>
+            <a:endParaRPr lang="en-GB" altLang="en-US"/>
+          </a:p>
+        </p:txBody>
+      </p:sp>
+    </p:spTree>
+    <p:extLst>
+      <p:ext uri="{BB962C8B-B14F-4D97-AF65-F5344CB8AC3E}">
+        <p14:creationId xmlns:p14="http://schemas.microsoft.com/office/powerpoint/2010/main" val="3895868460"/>
+      </p:ext>
+    </p:extLst>
+  </p:cSld>
+  <p:clrMapOvr>
+    <a:masterClrMapping/>
+  </p:clrMapOvr>
+</p:notes>
+</file>
+
+<file path=ppt/notesSlides/notesSlide12.xml><?xml version="1.0" encoding="utf-8"?>
+<p:notes xmlns:a="http://schemas.openxmlformats.org/drawingml/2006/main" xmlns:r="http://schemas.openxmlformats.org/officeDocument/2006/relationships" xmlns:p="http://schemas.openxmlformats.org/presentationml/2006/main">
+  <p:cSld>
+    <p:spTree>
+      <p:nvGrpSpPr>
+        <p:cNvPr id="1" name=""/>
+        <p:cNvGrpSpPr/>
+        <p:nvPr/>
+      </p:nvGrpSpPr>
+      <p:grpSpPr>
+        <a:xfrm>
+          <a:off x="0" y="0"/>
+          <a:ext cx="0" cy="0"/>
+          <a:chOff x="0" y="0"/>
+          <a:chExt cx="0" cy="0"/>
+        </a:xfrm>
+      </p:grpSpPr>
+      <p:sp>
+        <p:nvSpPr>
+          <p:cNvPr id="2" name="投影片影像版面配置區 1"/>
+          <p:cNvSpPr>
+            <a:spLocks noGrp="1" noRot="1" noChangeAspect="1"/>
+          </p:cNvSpPr>
+          <p:nvPr>
+            <p:ph type="sldImg"/>
+          </p:nvPr>
+        </p:nvSpPr>
+        <p:spPr/>
+      </p:sp>
+      <p:sp>
+        <p:nvSpPr>
+          <p:cNvPr id="3" name="備忘稿版面配置區 2"/>
+          <p:cNvSpPr>
+            <a:spLocks noGrp="1"/>
+          </p:cNvSpPr>
+          <p:nvPr>
+            <p:ph type="body" idx="1"/>
+          </p:nvPr>
+        </p:nvSpPr>
+        <p:spPr/>
+        <p:txBody>
+          <a:bodyPr/>
+          <a:lstStyle/>
+          <a:p>
+            <a:endParaRPr lang="zh-TW" altLang="en-US" dirty="0"/>
+          </a:p>
+        </p:txBody>
+      </p:sp>
+      <p:sp>
+        <p:nvSpPr>
+          <p:cNvPr id="4" name="投影片編號版面配置區 3"/>
+          <p:cNvSpPr>
+            <a:spLocks noGrp="1"/>
+          </p:cNvSpPr>
+          <p:nvPr>
+            <p:ph type="sldNum" sz="quarter" idx="5"/>
+          </p:nvPr>
+        </p:nvSpPr>
+        <p:spPr/>
+        <p:txBody>
+          <a:bodyPr/>
+          <a:lstStyle/>
+          <a:p>
+            <a:pPr>
+              <a:defRPr/>
+            </a:pPr>
+            <a:fld id="{8EEEF6CB-C50F-488A-99E7-79215D4B1CC0}" type="slidenum">
+              <a:rPr lang="en-GB" altLang="en-US" smtClean="0"/>
+              <a:pPr>
+                <a:defRPr/>
+              </a:pPr>
+              <a:t>12</a:t>
+            </a:fld>
+            <a:endParaRPr lang="en-GB" altLang="en-US"/>
+          </a:p>
+        </p:txBody>
+      </p:sp>
+    </p:spTree>
+    <p:extLst>
+      <p:ext uri="{BB962C8B-B14F-4D97-AF65-F5344CB8AC3E}">
+        <p14:creationId xmlns:p14="http://schemas.microsoft.com/office/powerpoint/2010/main" val="2303502312"/>
+      </p:ext>
+    </p:extLst>
+  </p:cSld>
+  <p:clrMapOvr>
+    <a:masterClrMapping/>
+  </p:clrMapOvr>
+</p:notes>
+</file>
+
+<file path=ppt/notesSlides/notesSlide13.xml><?xml version="1.0" encoding="utf-8"?>
+<p:notes xmlns:a="http://schemas.openxmlformats.org/drawingml/2006/main" xmlns:r="http://schemas.openxmlformats.org/officeDocument/2006/relationships" xmlns:p="http://schemas.openxmlformats.org/presentationml/2006/main">
+  <p:cSld>
+    <p:spTree>
+      <p:nvGrpSpPr>
+        <p:cNvPr id="1" name=""/>
+        <p:cNvGrpSpPr/>
+        <p:nvPr/>
+      </p:nvGrpSpPr>
+      <p:grpSpPr>
+        <a:xfrm>
+          <a:off x="0" y="0"/>
+          <a:ext cx="0" cy="0"/>
+          <a:chOff x="0" y="0"/>
+          <a:chExt cx="0" cy="0"/>
+        </a:xfrm>
+      </p:grpSpPr>
+      <p:sp>
+        <p:nvSpPr>
+          <p:cNvPr id="2" name="投影片影像版面配置區 1"/>
+          <p:cNvSpPr>
+            <a:spLocks noGrp="1" noRot="1" noChangeAspect="1"/>
+          </p:cNvSpPr>
+          <p:nvPr>
+            <p:ph type="sldImg"/>
+          </p:nvPr>
+        </p:nvSpPr>
+        <p:spPr/>
+      </p:sp>
+      <mc:AlternateContent xmlns:mc="http://schemas.openxmlformats.org/markup-compatibility/2006">
+        <mc:Choice xmlns:a14="http://schemas.microsoft.com/office/drawing/2010/main" Requires="a14">
+          <p:sp>
+            <p:nvSpPr>
+              <p:cNvPr id="3" name="備忘稿版面配置區 2"/>
+              <p:cNvSpPr>
+                <a:spLocks noGrp="1"/>
+              </p:cNvSpPr>
+              <p:nvPr>
+                <p:ph type="body" idx="1"/>
+              </p:nvPr>
+            </p:nvSpPr>
+            <p:spPr/>
+            <p:txBody>
+              <a:bodyPr/>
+              <a:lstStyle/>
+              <a:p>
+                <a:pPr/>
+                <a14:m>
+                  <m:oMath xmlns:m="http://schemas.openxmlformats.org/officeDocument/2006/math">
+                    <m:sSub>
+                      <m:sSubPr>
+                        <m:ctrlPr>
+                          <a:rPr lang="en-US" altLang="zh-TW" i="1" smtClean="0">
+                            <a:latin typeface="Cambria Math" panose="02040503050406030204" pitchFamily="18" charset="0"/>
+                          </a:rPr>
+                        </m:ctrlPr>
+                      </m:sSubPr>
+                      <m:e>
+                        <m:r>
+                          <a:rPr lang="en-US" altLang="zh-TW" b="0" i="1" smtClean="0">
+                            <a:latin typeface="Cambria Math" panose="02040503050406030204" pitchFamily="18" charset="0"/>
+                          </a:rPr>
+                          <m:t>𝑜</m:t>
+                        </m:r>
+                      </m:e>
+                      <m:sub>
+                        <m:r>
+                          <a:rPr lang="en-US" altLang="zh-TW" b="0" i="1" smtClean="0">
+                            <a:latin typeface="Cambria Math" panose="02040503050406030204" pitchFamily="18" charset="0"/>
+                          </a:rPr>
+                          <m:t>𝑢</m:t>
+                        </m:r>
+                      </m:sub>
+                    </m:sSub>
+                  </m:oMath>
+                </a14:m>
+                <a:r>
+                  <a:rPr lang="zh-TW" altLang="en-US" dirty="0"/>
+                  <a:t>代表</a:t>
+                </a:r>
+                <a:r>
+                  <a:rPr lang="en-US" altLang="zh-TW" dirty="0"/>
+                  <a:t>content</a:t>
+                </a:r>
+                <a:r>
+                  <a:rPr lang="zh-TW" altLang="en-US" dirty="0"/>
+                  <a:t>大小</a:t>
+                </a:r>
+                <a14:m>
+                  <m:oMath xmlns:m="http://schemas.openxmlformats.org/officeDocument/2006/math">
+                    <m:r>
+                      <a:rPr lang="en-US" altLang="zh-TW" b="0" i="0" smtClean="0">
+                        <a:latin typeface="Cambria Math" panose="02040503050406030204" pitchFamily="18" charset="0"/>
+                      </a:rPr>
+                      <m:t>,</m:t>
+                    </m:r>
+                    <m:sSub>
+                      <m:sSubPr>
+                        <m:ctrlPr>
+                          <a:rPr lang="en-US" altLang="zh-TW" i="1" smtClean="0">
+                            <a:latin typeface="Cambria Math" panose="02040503050406030204" pitchFamily="18" charset="0"/>
+                          </a:rPr>
+                        </m:ctrlPr>
+                      </m:sSubPr>
+                      <m:e>
+                        <m:r>
+                          <a:rPr lang="en-US" altLang="zh-TW" b="0" i="1" smtClean="0">
+                            <a:latin typeface="Cambria Math" panose="02040503050406030204" pitchFamily="18" charset="0"/>
+                          </a:rPr>
+                          <m:t>𝑛</m:t>
+                        </m:r>
+                      </m:e>
+                      <m:sub>
+                        <m:r>
+                          <a:rPr lang="en-US" altLang="zh-TW" b="0" i="1" smtClean="0">
+                            <a:latin typeface="Cambria Math" panose="02040503050406030204" pitchFamily="18" charset="0"/>
+                          </a:rPr>
+                          <m:t>𝑢</m:t>
+                        </m:r>
+                      </m:sub>
+                    </m:sSub>
+                  </m:oMath>
+                </a14:m>
+                <a:r>
+                  <a:rPr lang="zh-TW" altLang="en-US" dirty="0"/>
+                  <a:t>代表要幾個</a:t>
+                </a:r>
+                <a:r>
+                  <a:rPr lang="en-US" altLang="zh-TW" dirty="0"/>
+                  <a:t>cycles </a:t>
+                </a:r>
+                <a:r>
+                  <a:rPr lang="zh-TW" altLang="en-US" dirty="0"/>
+                  <a:t>，這邊也是跟剛剛一樣 做一個機率矩陣 去存他的</a:t>
+                </a:r>
+                <a:r>
+                  <a:rPr lang="en-US" altLang="zh-TW" baseline="0" dirty="0"/>
+                  <a:t> </a:t>
+                </a:r>
+                <a14:m>
+                  <m:oMath xmlns:m="http://schemas.openxmlformats.org/officeDocument/2006/math">
+                    <m:sSubSup>
+                      <m:sSubSupPr>
+                        <m:ctrlPr>
+                          <a:rPr lang="en-US" altLang="zh-TW" i="1" smtClean="0">
+                            <a:latin typeface="Cambria Math" panose="02040503050406030204" pitchFamily="18" charset="0"/>
+                          </a:rPr>
+                        </m:ctrlPr>
+                      </m:sSubSupPr>
+                      <m:e>
+                        <m:r>
+                          <a:rPr lang="en-US" altLang="zh-TW" b="0" i="1" smtClean="0">
+                            <a:latin typeface="Cambria Math" panose="02040503050406030204" pitchFamily="18" charset="0"/>
+                          </a:rPr>
+                          <m:t>𝑄</m:t>
+                        </m:r>
+                      </m:e>
+                      <m:sub>
+                        <m:r>
+                          <a:rPr lang="en-US" altLang="zh-TW" b="0" i="1" smtClean="0">
+                            <a:latin typeface="Cambria Math" panose="02040503050406030204" pitchFamily="18" charset="0"/>
+                          </a:rPr>
+                          <m:t>𝑢</m:t>
+                        </m:r>
+                      </m:sub>
+                      <m:sup>
+                        <m:r>
+                          <a:rPr lang="en-US" altLang="zh-TW" b="0" i="1" smtClean="0">
+                            <a:latin typeface="Cambria Math" panose="02040503050406030204" pitchFamily="18" charset="0"/>
+                          </a:rPr>
+                          <m:t>𝑚</m:t>
+                        </m:r>
+                      </m:sup>
+                    </m:sSubSup>
+                    <m:r>
+                      <a:rPr lang="en-US" altLang="zh-TW" b="0" i="0" smtClean="0">
+                        <a:latin typeface="Cambria Math" panose="02040503050406030204" pitchFamily="18" charset="0"/>
+                      </a:rPr>
+                      <m:t>(</m:t>
+                    </m:r>
+                  </m:oMath>
+                </a14:m>
+                <a:r>
+                  <a:rPr lang="en-US" altLang="zh-TW" dirty="0"/>
+                  <a:t>computation capability)</a:t>
+                </a:r>
+                <a:endParaRPr lang="zh-TW" altLang="en-US" dirty="0"/>
+              </a:p>
+            </p:txBody>
+          </p:sp>
+        </mc:Choice>
+        <mc:Fallback>
+          <p:sp>
+            <p:nvSpPr>
+              <p:cNvPr id="3" name="備忘稿版面配置區 2"/>
+              <p:cNvSpPr>
+                <a:spLocks noGrp="1"/>
+              </p:cNvSpPr>
+              <p:nvPr>
+                <p:ph type="body" idx="1"/>
+              </p:nvPr>
+            </p:nvSpPr>
+            <p:spPr/>
+            <p:txBody>
+              <a:bodyPr/>
+              <a:lstStyle/>
+              <a:p>
+                <a:pPr/>
+                <a:r>
+                  <a:rPr lang="en-US" altLang="zh-TW" b="0" i="0">
+                    <a:latin typeface="Cambria Math" panose="02040503050406030204" pitchFamily="18" charset="0"/>
+                  </a:rPr>
+                  <a:t>𝑜_𝑢</a:t>
+                </a:r>
+                <a:r>
+                  <a:rPr lang="zh-TW" altLang="en-US" dirty="0"/>
+                  <a:t>代表</a:t>
+                </a:r>
+                <a:r>
+                  <a:rPr lang="en-US" altLang="zh-TW" dirty="0"/>
+                  <a:t>content</a:t>
+                </a:r>
+                <a:r>
+                  <a:rPr lang="zh-TW" altLang="en-US" dirty="0"/>
+                  <a:t>大小</a:t>
+                </a:r>
+                <a:r>
+                  <a:rPr lang="en-US" altLang="zh-TW" b="0" i="0">
+                    <a:latin typeface="Cambria Math" panose="02040503050406030204" pitchFamily="18" charset="0"/>
+                  </a:rPr>
+                  <a:t>,𝑛_𝑢</a:t>
+                </a:r>
+                <a:r>
+                  <a:rPr lang="zh-TW" altLang="en-US" dirty="0"/>
+                  <a:t>代表要幾個</a:t>
+                </a:r>
+                <a:r>
+                  <a:rPr lang="en-US" altLang="zh-TW" dirty="0"/>
+                  <a:t>cycles </a:t>
+                </a:r>
+                <a:r>
+                  <a:rPr lang="zh-TW" altLang="en-US" dirty="0"/>
+                  <a:t>，這邊也是跟剛剛一樣 做一個機率矩陣 去存他的</a:t>
+                </a:r>
+                <a:r>
+                  <a:rPr lang="en-US" altLang="zh-TW" baseline="0" dirty="0"/>
+                  <a:t> </a:t>
+                </a:r>
+                <a:r>
+                  <a:rPr lang="en-US" altLang="zh-TW" b="0" i="0">
+                    <a:latin typeface="Cambria Math" panose="02040503050406030204" pitchFamily="18" charset="0"/>
+                  </a:rPr>
+                  <a:t>𝑄_𝑢^𝑚 (</a:t>
+                </a:r>
+                <a:r>
+                  <a:rPr lang="en-US" altLang="zh-TW" dirty="0"/>
+                  <a:t>computation capability)</a:t>
+                </a:r>
+                <a:endParaRPr lang="zh-TW" altLang="en-US" dirty="0"/>
+              </a:p>
+            </p:txBody>
+          </p:sp>
+        </mc:Fallback>
+      </mc:AlternateContent>
+      <p:sp>
+        <p:nvSpPr>
+          <p:cNvPr id="4" name="投影片編號版面配置區 3"/>
+          <p:cNvSpPr>
+            <a:spLocks noGrp="1"/>
+          </p:cNvSpPr>
+          <p:nvPr>
+            <p:ph type="sldNum" sz="quarter" idx="5"/>
+          </p:nvPr>
+        </p:nvSpPr>
+        <p:spPr/>
+        <p:txBody>
+          <a:bodyPr/>
+          <a:lstStyle/>
+          <a:p>
+            <a:pPr>
+              <a:defRPr/>
+            </a:pPr>
+            <a:fld id="{8EEEF6CB-C50F-488A-99E7-79215D4B1CC0}" type="slidenum">
+              <a:rPr lang="en-GB" altLang="en-US" smtClean="0"/>
+              <a:pPr>
+                <a:defRPr/>
+              </a:pPr>
+              <a:t>14</a:t>
+            </a:fld>
+            <a:endParaRPr lang="en-GB" altLang="en-US"/>
+          </a:p>
+        </p:txBody>
+      </p:sp>
+    </p:spTree>
+    <p:extLst>
+      <p:ext uri="{BB962C8B-B14F-4D97-AF65-F5344CB8AC3E}">
+        <p14:creationId xmlns:p14="http://schemas.microsoft.com/office/powerpoint/2010/main" val="1999138350"/>
+      </p:ext>
+    </p:extLst>
+  </p:cSld>
+  <p:clrMapOvr>
+    <a:masterClrMapping/>
+  </p:clrMapOvr>
+</p:notes>
+</file>
+
+<file path=ppt/notesSlides/notesSlide14.xml><?xml version="1.0" encoding="utf-8"?>
+<p:notes xmlns:a="http://schemas.openxmlformats.org/drawingml/2006/main" xmlns:r="http://schemas.openxmlformats.org/officeDocument/2006/relationships" xmlns:p="http://schemas.openxmlformats.org/presentationml/2006/main">
+  <p:cSld>
+    <p:spTree>
+      <p:nvGrpSpPr>
+        <p:cNvPr id="1" name=""/>
+        <p:cNvGrpSpPr/>
+        <p:nvPr/>
+      </p:nvGrpSpPr>
+      <p:grpSpPr>
+        <a:xfrm>
+          <a:off x="0" y="0"/>
+          <a:ext cx="0" cy="0"/>
+          <a:chOff x="0" y="0"/>
+          <a:chExt cx="0" cy="0"/>
+        </a:xfrm>
+      </p:grpSpPr>
+      <p:sp>
+        <p:nvSpPr>
+          <p:cNvPr id="2" name="投影片影像版面配置區 1"/>
+          <p:cNvSpPr>
+            <a:spLocks noGrp="1" noRot="1" noChangeAspect="1"/>
+          </p:cNvSpPr>
+          <p:nvPr>
+            <p:ph type="sldImg"/>
+          </p:nvPr>
+        </p:nvSpPr>
+        <p:spPr/>
+      </p:sp>
+      <p:sp>
+        <p:nvSpPr>
+          <p:cNvPr id="3" name="備忘稿版面配置區 2"/>
+          <p:cNvSpPr>
+            <a:spLocks noGrp="1"/>
+          </p:cNvSpPr>
+          <p:nvPr>
+            <p:ph type="body" idx="1"/>
+          </p:nvPr>
+        </p:nvSpPr>
+        <p:spPr/>
+        <p:txBody>
+          <a:bodyPr/>
+          <a:lstStyle/>
+          <a:p>
+            <a:endParaRPr lang="en-US" altLang="zh-TW" dirty="0"/>
+          </a:p>
+          <a:p>
+            <a:endParaRPr lang="zh-TW" altLang="en-US" dirty="0"/>
+          </a:p>
+        </p:txBody>
+      </p:sp>
+      <p:sp>
+        <p:nvSpPr>
+          <p:cNvPr id="4" name="投影片編號版面配置區 3"/>
+          <p:cNvSpPr>
+            <a:spLocks noGrp="1"/>
+          </p:cNvSpPr>
+          <p:nvPr>
+            <p:ph type="sldNum" sz="quarter" idx="5"/>
+          </p:nvPr>
+        </p:nvSpPr>
+        <p:spPr/>
+        <p:txBody>
+          <a:bodyPr/>
+          <a:lstStyle/>
+          <a:p>
+            <a:pPr>
+              <a:defRPr/>
+            </a:pPr>
+            <a:fld id="{8EEEF6CB-C50F-488A-99E7-79215D4B1CC0}" type="slidenum">
+              <a:rPr lang="en-GB" altLang="en-US" smtClean="0"/>
+              <a:pPr>
+                <a:defRPr/>
+              </a:pPr>
+              <a:t>15</a:t>
+            </a:fld>
+            <a:endParaRPr lang="en-GB" altLang="en-US"/>
+          </a:p>
+        </p:txBody>
+      </p:sp>
+    </p:spTree>
+    <p:extLst>
+      <p:ext uri="{BB962C8B-B14F-4D97-AF65-F5344CB8AC3E}">
+        <p14:creationId xmlns:p14="http://schemas.microsoft.com/office/powerpoint/2010/main" val="91603881"/>
+      </p:ext>
+    </p:extLst>
+  </p:cSld>
+  <p:clrMapOvr>
+    <a:masterClrMapping/>
+  </p:clrMapOvr>
+</p:notes>
+</file>
+
+<file path=ppt/notesSlides/notesSlide15.xml><?xml version="1.0" encoding="utf-8"?>
+<p:notes xmlns:a="http://schemas.openxmlformats.org/drawingml/2006/main" xmlns:r="http://schemas.openxmlformats.org/officeDocument/2006/relationships" xmlns:p="http://schemas.openxmlformats.org/presentationml/2006/main">
+  <p:cSld>
+    <p:spTree>
+      <p:nvGrpSpPr>
+        <p:cNvPr id="1" name=""/>
+        <p:cNvGrpSpPr/>
+        <p:nvPr/>
+      </p:nvGrpSpPr>
+      <p:grpSpPr>
+        <a:xfrm>
+          <a:off x="0" y="0"/>
+          <a:ext cx="0" cy="0"/>
+          <a:chOff x="0" y="0"/>
+          <a:chExt cx="0" cy="0"/>
+        </a:xfrm>
+      </p:grpSpPr>
+      <p:sp>
+        <p:nvSpPr>
+          <p:cNvPr id="2" name="投影片影像版面配置區 1"/>
+          <p:cNvSpPr>
+            <a:spLocks noGrp="1" noRot="1" noChangeAspect="1"/>
+          </p:cNvSpPr>
+          <p:nvPr>
+            <p:ph type="sldImg"/>
+          </p:nvPr>
+        </p:nvSpPr>
+        <p:spPr/>
+      </p:sp>
+      <p:sp>
+        <p:nvSpPr>
+          <p:cNvPr id="3" name="備忘稿版面配置區 2"/>
+          <p:cNvSpPr>
+            <a:spLocks noGrp="1"/>
+          </p:cNvSpPr>
+          <p:nvPr>
+            <p:ph type="body" idx="1"/>
+          </p:nvPr>
+        </p:nvSpPr>
+        <p:spPr/>
+        <p:txBody>
+          <a:bodyPr/>
+          <a:lstStyle/>
+          <a:p>
+            <a:r>
+              <a:rPr lang="zh-TW" altLang="en-US" dirty="0"/>
+              <a:t>在該系統中，代理需要確定將哪個</a:t>
+            </a:r>
+            <a:r>
+              <a:rPr lang="en-US" altLang="zh-TW" dirty="0"/>
+              <a:t>LEO</a:t>
+            </a:r>
+            <a:r>
+              <a:rPr lang="zh-TW" altLang="en-US" dirty="0"/>
+              <a:t>分配給用戶</a:t>
+            </a:r>
+            <a:r>
+              <a:rPr lang="en-US" altLang="zh-TW" dirty="0"/>
+              <a:t>u</a:t>
+            </a:r>
+            <a:r>
+              <a:rPr lang="zh-TW" altLang="en-US" dirty="0"/>
+              <a:t>，是否應緩存用戶</a:t>
+            </a:r>
+            <a:r>
+              <a:rPr lang="en-US" altLang="zh-TW" dirty="0"/>
+              <a:t>u</a:t>
+            </a:r>
+            <a:r>
+              <a:rPr lang="zh-TW" altLang="en-US" dirty="0"/>
+              <a:t>請求的內容，以及哪個</a:t>
+            </a:r>
+            <a:r>
+              <a:rPr lang="en-US" altLang="zh-TW" dirty="0"/>
+              <a:t>MEC</a:t>
+            </a:r>
+            <a:r>
+              <a:rPr lang="zh-TW" altLang="en-US" dirty="0"/>
+              <a:t>服務器應執行用戶</a:t>
+            </a:r>
+            <a:r>
+              <a:rPr lang="en-US" altLang="zh-TW" dirty="0"/>
+              <a:t>u</a:t>
+            </a:r>
+            <a:r>
+              <a:rPr lang="zh-TW" altLang="en-US" dirty="0"/>
+              <a:t>的計算任務</a:t>
+            </a:r>
+          </a:p>
+        </p:txBody>
+      </p:sp>
+      <p:sp>
+        <p:nvSpPr>
+          <p:cNvPr id="4" name="投影片編號版面配置區 3"/>
+          <p:cNvSpPr>
+            <a:spLocks noGrp="1"/>
+          </p:cNvSpPr>
+          <p:nvPr>
+            <p:ph type="sldNum" sz="quarter" idx="5"/>
+          </p:nvPr>
+        </p:nvSpPr>
+        <p:spPr/>
+        <p:txBody>
+          <a:bodyPr/>
+          <a:lstStyle/>
+          <a:p>
+            <a:pPr>
+              <a:defRPr/>
+            </a:pPr>
+            <a:fld id="{8EEEF6CB-C50F-488A-99E7-79215D4B1CC0}" type="slidenum">
+              <a:rPr lang="en-GB" altLang="en-US" smtClean="0"/>
+              <a:pPr>
+                <a:defRPr/>
+              </a:pPr>
+              <a:t>17</a:t>
+            </a:fld>
+            <a:endParaRPr lang="en-GB" altLang="en-US"/>
+          </a:p>
+        </p:txBody>
+      </p:sp>
+    </p:spTree>
+    <p:extLst>
+      <p:ext uri="{BB962C8B-B14F-4D97-AF65-F5344CB8AC3E}">
+        <p14:creationId xmlns:p14="http://schemas.microsoft.com/office/powerpoint/2010/main" val="3730844052"/>
       </p:ext>
     </p:extLst>
   </p:cSld>
@@ -1162,7 +2269,46 @@
             <a:pPr eaLnBrk="1" hangingPunct="1"/>
             <a:r>
               <a:rPr lang="zh-TW" altLang="en-US" dirty="0"/>
-              <a:t>是</a:t>
+              <a:t>傳統的</a:t>
+            </a:r>
+            <a:r>
+              <a:rPr lang="en-US" altLang="zh-TW" dirty="0"/>
+              <a:t>TCP/IP mobility</a:t>
+            </a:r>
+            <a:r>
+              <a:rPr lang="zh-TW" altLang="en-US" dirty="0"/>
+              <a:t>低，</a:t>
+            </a:r>
+            <a:r>
+              <a:rPr lang="en-US" altLang="zh-TW" dirty="0"/>
+              <a:t>heavy overheads</a:t>
+            </a:r>
+            <a:r>
+              <a:rPr lang="zh-TW" altLang="en-US" dirty="0"/>
+              <a:t>、</a:t>
+            </a:r>
+            <a:r>
+              <a:rPr lang="en-US" altLang="zh-TW" dirty="0"/>
+              <a:t>high complexity</a:t>
+            </a:r>
+            <a:r>
+              <a:rPr lang="zh-TW" altLang="en-US" dirty="0"/>
+              <a:t>，</a:t>
+            </a:r>
+            <a:r>
+              <a:rPr lang="zh-TW" altLang="en-US"/>
+              <a:t>作者不想再衛星地面網路使用</a:t>
+            </a:r>
+            <a:r>
+              <a:rPr lang="en-US" altLang="zh-TW" dirty="0"/>
+              <a:t>TCP/IP</a:t>
+            </a:r>
+          </a:p>
+          <a:p>
+            <a:pPr eaLnBrk="1" hangingPunct="1"/>
+            <a:r>
+              <a:rPr lang="zh-TW" altLang="en-US" dirty="0"/>
+              <a:t>於是他把</a:t>
             </a:r>
             <a:r>
               <a:rPr lang="en-US" altLang="zh-TW" dirty="0"/>
@@ -1170,7 +2316,88 @@
             </a:r>
             <a:r>
               <a:rPr lang="zh-TW" altLang="en-US" dirty="0"/>
-              <a:t>一個特點，在這邊一個實體的</a:t>
+              <a:t>運用在衛星地面網路上，將</a:t>
+            </a:r>
+            <a:r>
+              <a:rPr lang="en-US" altLang="zh-TW" dirty="0"/>
+              <a:t>control plane</a:t>
+            </a:r>
+            <a:r>
+              <a:rPr lang="zh-TW" altLang="en-US" dirty="0"/>
+              <a:t>從</a:t>
+            </a:r>
+            <a:r>
+              <a:rPr lang="en-US" altLang="zh-TW" dirty="0"/>
+              <a:t>data plane</a:t>
+            </a:r>
+            <a:r>
+              <a:rPr lang="zh-TW" altLang="en-US" dirty="0"/>
+              <a:t>中分離，</a:t>
+            </a:r>
+            <a:r>
+              <a:rPr lang="en-US" altLang="zh-TW" dirty="0"/>
+              <a:t>control plane</a:t>
+            </a:r>
+            <a:r>
+              <a:rPr lang="zh-TW" altLang="en-US" dirty="0"/>
+              <a:t>的部分改以軟體實做，</a:t>
+            </a:r>
+            <a:r>
+              <a:rPr lang="en-US" altLang="zh-TW" dirty="0"/>
+              <a:t>SDN</a:t>
+            </a:r>
+            <a:r>
+              <a:rPr lang="zh-TW" altLang="en-US" sz="1200" b="0" i="0" kern="1200" dirty="0">
+                <a:solidFill>
+                  <a:schemeClr val="tx1"/>
+                </a:solidFill>
+                <a:effectLst/>
+                <a:latin typeface="Arial" panose="020B0604020202020204" pitchFamily="34" charset="0"/>
+                <a:ea typeface="+mn-ea"/>
+                <a:cs typeface="+mn-cs"/>
+              </a:rPr>
+              <a:t>架構可在不更動</a:t>
+            </a:r>
+            <a:r>
+              <a:rPr lang="zh-TW" altLang="en-US" sz="1200" b="0" i="0" u="none" strike="noStrike" kern="1200" dirty="0">
+                <a:solidFill>
+                  <a:schemeClr val="tx1"/>
+                </a:solidFill>
+                <a:effectLst/>
+                <a:latin typeface="Arial" panose="020B0604020202020204" pitchFamily="34" charset="0"/>
+                <a:ea typeface="+mn-ea"/>
+                <a:cs typeface="+mn-cs"/>
+                <a:hlinkClick r:id="rId3" tooltip="硬體"/>
+              </a:rPr>
+              <a:t>硬體</a:t>
+            </a:r>
+            <a:r>
+              <a:rPr lang="zh-TW" altLang="en-US" sz="1200" b="0" i="0" kern="1200" dirty="0">
+                <a:solidFill>
+                  <a:schemeClr val="tx1"/>
+                </a:solidFill>
+                <a:effectLst/>
+                <a:latin typeface="Arial" panose="020B0604020202020204" pitchFamily="34" charset="0"/>
+                <a:ea typeface="+mn-ea"/>
+                <a:cs typeface="+mn-cs"/>
+              </a:rPr>
+              <a:t>裝置的前提下規劃網路並且控制流量。</a:t>
+            </a:r>
+            <a:r>
+              <a:rPr lang="en-US" altLang="zh-TW" sz="1200" b="0" i="0" kern="1200" dirty="0">
+                <a:solidFill>
+                  <a:schemeClr val="tx1"/>
+                </a:solidFill>
+                <a:effectLst/>
+                <a:latin typeface="Arial" panose="020B0604020202020204" pitchFamily="34" charset="0"/>
+                <a:ea typeface="+mn-ea"/>
+                <a:cs typeface="+mn-cs"/>
+              </a:rPr>
+              <a:t>SDN</a:t>
+            </a:r>
+            <a:r>
+              <a:rPr lang="zh-TW" altLang="en-US" dirty="0"/>
+              <a:t>其中一個特點就是虛擬化，一個實體的</a:t>
             </a:r>
             <a:r>
               <a:rPr lang="en-US" altLang="zh-TW" dirty="0"/>
@@ -1250,6 +2477,417 @@
 </file>
 
 <file path=ppt/notesSlides/notesSlide3.xml><?xml version="1.0" encoding="utf-8"?>
+<p:notes xmlns:a="http://schemas.openxmlformats.org/drawingml/2006/main" xmlns:r="http://schemas.openxmlformats.org/officeDocument/2006/relationships" xmlns:p="http://schemas.openxmlformats.org/presentationml/2006/main">
+  <p:cSld>
+    <p:spTree>
+      <p:nvGrpSpPr>
+        <p:cNvPr id="1" name=""/>
+        <p:cNvGrpSpPr/>
+        <p:nvPr/>
+      </p:nvGrpSpPr>
+      <p:grpSpPr>
+        <a:xfrm>
+          <a:off x="0" y="0"/>
+          <a:ext cx="0" cy="0"/>
+          <a:chOff x="0" y="0"/>
+          <a:chExt cx="0" cy="0"/>
+        </a:xfrm>
+      </p:grpSpPr>
+      <p:sp>
+        <p:nvSpPr>
+          <p:cNvPr id="9218" name="Rectangle 7"/>
+          <p:cNvSpPr>
+            <a:spLocks noGrp="1" noChangeArrowheads="1"/>
+          </p:cNvSpPr>
+          <p:nvPr>
+            <p:ph type="sldNum" sz="quarter" idx="5"/>
+          </p:nvPr>
+        </p:nvSpPr>
+        <p:spPr>
+          <a:noFill/>
+        </p:spPr>
+        <p:txBody>
+          <a:bodyPr/>
+          <a:lstStyle>
+            <a:lvl1pPr algn="r">
+              <a:defRPr sz="1000" b="1">
+                <a:solidFill>
+                  <a:schemeClr val="bg1"/>
+                </a:solidFill>
+                <a:latin typeface="Arial" panose="020B0604020202020204" pitchFamily="34" charset="0"/>
+              </a:defRPr>
+            </a:lvl1pPr>
+            <a:lvl2pPr marL="742950" indent="-285750" algn="r">
+              <a:defRPr sz="1000" b="1">
+                <a:solidFill>
+                  <a:schemeClr val="bg1"/>
+                </a:solidFill>
+                <a:latin typeface="Arial" panose="020B0604020202020204" pitchFamily="34" charset="0"/>
+              </a:defRPr>
+            </a:lvl2pPr>
+            <a:lvl3pPr marL="1143000" indent="-228600" algn="r">
+              <a:defRPr sz="1000" b="1">
+                <a:solidFill>
+                  <a:schemeClr val="bg1"/>
+                </a:solidFill>
+                <a:latin typeface="Arial" panose="020B0604020202020204" pitchFamily="34" charset="0"/>
+              </a:defRPr>
+            </a:lvl3pPr>
+            <a:lvl4pPr marL="1600200" indent="-228600" algn="r">
+              <a:defRPr sz="1000" b="1">
+                <a:solidFill>
+                  <a:schemeClr val="bg1"/>
+                </a:solidFill>
+                <a:latin typeface="Arial" panose="020B0604020202020204" pitchFamily="34" charset="0"/>
+              </a:defRPr>
+            </a:lvl4pPr>
+            <a:lvl5pPr marL="2057400" indent="-228600" algn="r">
+              <a:defRPr sz="1000" b="1">
+                <a:solidFill>
+                  <a:schemeClr val="bg1"/>
+                </a:solidFill>
+                <a:latin typeface="Arial" panose="020B0604020202020204" pitchFamily="34" charset="0"/>
+              </a:defRPr>
+            </a:lvl5pPr>
+            <a:lvl6pPr marL="2514600" indent="-228600" algn="r" eaLnBrk="0" fontAlgn="base" hangingPunct="0">
+              <a:spcBef>
+                <a:spcPct val="0"/>
+              </a:spcBef>
+              <a:spcAft>
+                <a:spcPct val="0"/>
+              </a:spcAft>
+              <a:defRPr sz="1000" b="1">
+                <a:solidFill>
+                  <a:schemeClr val="bg1"/>
+                </a:solidFill>
+                <a:latin typeface="Arial" panose="020B0604020202020204" pitchFamily="34" charset="0"/>
+              </a:defRPr>
+            </a:lvl6pPr>
+            <a:lvl7pPr marL="2971800" indent="-228600" algn="r" eaLnBrk="0" fontAlgn="base" hangingPunct="0">
+              <a:spcBef>
+                <a:spcPct val="0"/>
+              </a:spcBef>
+              <a:spcAft>
+                <a:spcPct val="0"/>
+              </a:spcAft>
+              <a:defRPr sz="1000" b="1">
+                <a:solidFill>
+                  <a:schemeClr val="bg1"/>
+                </a:solidFill>
+                <a:latin typeface="Arial" panose="020B0604020202020204" pitchFamily="34" charset="0"/>
+              </a:defRPr>
+            </a:lvl7pPr>
+            <a:lvl8pPr marL="3429000" indent="-228600" algn="r" eaLnBrk="0" fontAlgn="base" hangingPunct="0">
+              <a:spcBef>
+                <a:spcPct val="0"/>
+              </a:spcBef>
+              <a:spcAft>
+                <a:spcPct val="0"/>
+              </a:spcAft>
+              <a:defRPr sz="1000" b="1">
+                <a:solidFill>
+                  <a:schemeClr val="bg1"/>
+                </a:solidFill>
+                <a:latin typeface="Arial" panose="020B0604020202020204" pitchFamily="34" charset="0"/>
+              </a:defRPr>
+            </a:lvl8pPr>
+            <a:lvl9pPr marL="3886200" indent="-228600" algn="r" eaLnBrk="0" fontAlgn="base" hangingPunct="0">
+              <a:spcBef>
+                <a:spcPct val="0"/>
+              </a:spcBef>
+              <a:spcAft>
+                <a:spcPct val="0"/>
+              </a:spcAft>
+              <a:defRPr sz="1000" b="1">
+                <a:solidFill>
+                  <a:schemeClr val="bg1"/>
+                </a:solidFill>
+                <a:latin typeface="Arial" panose="020B0604020202020204" pitchFamily="34" charset="0"/>
+              </a:defRPr>
+            </a:lvl9pPr>
+          </a:lstStyle>
+          <a:p>
+            <a:fld id="{4E9394A1-4157-47F3-BFB4-0FCBDB1AADDE}" type="slidenum">
+              <a:rPr lang="en-GB" altLang="en-US" sz="1200" b="0">
+                <a:solidFill>
+                  <a:schemeClr val="tx1"/>
+                </a:solidFill>
+              </a:rPr>
+              <a:pPr/>
+              <a:t>3</a:t>
+            </a:fld>
+            <a:endParaRPr lang="en-GB" altLang="en-US" sz="1200" b="0">
+              <a:solidFill>
+                <a:schemeClr val="tx1"/>
+              </a:solidFill>
+            </a:endParaRPr>
+          </a:p>
+        </p:txBody>
+      </p:sp>
+      <p:sp>
+        <p:nvSpPr>
+          <p:cNvPr id="9219" name="Rectangle 2"/>
+          <p:cNvSpPr>
+            <a:spLocks noGrp="1" noRot="1" noChangeAspect="1" noChangeArrowheads="1" noTextEdit="1"/>
+          </p:cNvSpPr>
+          <p:nvPr>
+            <p:ph type="sldImg"/>
+          </p:nvPr>
+        </p:nvSpPr>
+        <p:spPr>
+          <a:ln/>
+        </p:spPr>
+      </p:sp>
+      <p:sp>
+        <p:nvSpPr>
+          <p:cNvPr id="9220" name="Rectangle 3"/>
+          <p:cNvSpPr>
+            <a:spLocks noGrp="1" noChangeArrowheads="1"/>
+          </p:cNvSpPr>
+          <p:nvPr>
+            <p:ph type="body" idx="1"/>
+          </p:nvPr>
+        </p:nvSpPr>
+        <p:spPr>
+          <a:noFill/>
+        </p:spPr>
+        <p:txBody>
+          <a:bodyPr/>
+          <a:lstStyle/>
+          <a:p>
+            <a:pPr marL="0" marR="0" lvl="0" indent="0" algn="l" defTabSz="914400" rtl="0" eaLnBrk="1" fontAlgn="base" latinLnBrk="0" hangingPunct="1">
+              <a:lnSpc>
+                <a:spcPct val="100000"/>
+              </a:lnSpc>
+              <a:spcBef>
+                <a:spcPct val="30000"/>
+              </a:spcBef>
+              <a:spcAft>
+                <a:spcPct val="0"/>
+              </a:spcAft>
+              <a:buClrTx/>
+              <a:buSzTx/>
+              <a:buFontTx/>
+              <a:buNone/>
+              <a:tabLst/>
+              <a:defRPr/>
+            </a:pPr>
+            <a:r>
+              <a:rPr lang="zh-TW" altLang="en-US" dirty="0"/>
+              <a:t>此架構包含</a:t>
+            </a:r>
+            <a:r>
+              <a:rPr lang="en-US" altLang="en-US" dirty="0"/>
+              <a:t>data layer, control layer, and application layer, </a:t>
+            </a:r>
+            <a:r>
+              <a:rPr lang="zh-TW" altLang="en-US" dirty="0"/>
+              <a:t>在</a:t>
+            </a:r>
+            <a:r>
+              <a:rPr lang="en-US" altLang="zh-TW" dirty="0"/>
+              <a:t>data layer </a:t>
+            </a:r>
+            <a:r>
+              <a:rPr lang="zh-TW" altLang="en-US" dirty="0"/>
+              <a:t>有</a:t>
+            </a:r>
+            <a:r>
+              <a:rPr lang="en-US" altLang="zh-TW" dirty="0"/>
+              <a:t>LEO</a:t>
+            </a:r>
+            <a:r>
+              <a:rPr lang="zh-TW" altLang="en-US" dirty="0"/>
+              <a:t>作為</a:t>
+            </a:r>
+            <a:r>
+              <a:rPr lang="en-US" altLang="zh-TW" dirty="0"/>
+              <a:t>network infrastructures</a:t>
+            </a:r>
+            <a:r>
+              <a:rPr lang="zh-TW" altLang="en-US" dirty="0"/>
+              <a:t>，</a:t>
+            </a:r>
+            <a:r>
+              <a:rPr lang="en-US" altLang="zh-TW" dirty="0"/>
+              <a:t>caching</a:t>
+            </a:r>
+            <a:r>
+              <a:rPr lang="zh-TW" altLang="en-US" dirty="0"/>
+              <a:t>，</a:t>
+            </a:r>
+            <a:r>
+              <a:rPr lang="en-US" altLang="zh-TW" dirty="0"/>
+              <a:t>edge computing(</a:t>
+            </a:r>
+            <a:r>
+              <a:rPr lang="zh-TW" altLang="en-US" dirty="0"/>
+              <a:t>衛星的計算能力有限，並且若採用雲計算，考量到長距離以及大量資料，雲計算不算是好方法，這邊要採取的是</a:t>
+            </a:r>
+            <a:r>
+              <a:rPr lang="en-US" altLang="zh-TW" dirty="0"/>
+              <a:t>edge computing) </a:t>
+            </a:r>
+          </a:p>
+          <a:p>
+            <a:pPr marL="0" marR="0" lvl="0" indent="0" algn="l" defTabSz="914400" rtl="0" eaLnBrk="1" fontAlgn="base" latinLnBrk="0" hangingPunct="1">
+              <a:lnSpc>
+                <a:spcPct val="100000"/>
+              </a:lnSpc>
+              <a:spcBef>
+                <a:spcPct val="30000"/>
+              </a:spcBef>
+              <a:spcAft>
+                <a:spcPct val="0"/>
+              </a:spcAft>
+              <a:buClrTx/>
+              <a:buSzTx/>
+              <a:buFontTx/>
+              <a:buNone/>
+              <a:tabLst/>
+              <a:defRPr/>
+            </a:pPr>
+            <a:r>
+              <a:rPr lang="zh-TW" altLang="en-US" dirty="0"/>
+              <a:t>在</a:t>
+            </a:r>
+            <a:r>
+              <a:rPr lang="en-US" altLang="zh-TW" dirty="0"/>
+              <a:t>control layer</a:t>
+            </a:r>
+            <a:r>
+              <a:rPr lang="zh-TW" altLang="en-US" dirty="0"/>
+              <a:t>中，我們的</a:t>
+            </a:r>
+            <a:r>
+              <a:rPr lang="en-US" altLang="zh-TW" dirty="0"/>
+              <a:t>control intelligence</a:t>
+            </a:r>
+            <a:r>
+              <a:rPr lang="zh-TW" altLang="en-US" dirty="0"/>
+              <a:t>可能是</a:t>
+            </a:r>
+            <a:r>
+              <a:rPr lang="en-US" altLang="zh-TW" dirty="0"/>
+              <a:t>MEO</a:t>
+            </a:r>
+            <a:r>
+              <a:rPr lang="zh-TW" altLang="en-US" dirty="0"/>
+              <a:t>、</a:t>
+            </a:r>
+            <a:r>
+              <a:rPr lang="en-US" altLang="zh-TW" dirty="0"/>
+              <a:t>GEO</a:t>
+            </a:r>
+            <a:r>
+              <a:rPr lang="zh-TW" altLang="en-US" dirty="0"/>
+              <a:t>或</a:t>
+            </a:r>
+            <a:r>
+              <a:rPr lang="en-US" altLang="zh-TW" dirty="0"/>
+              <a:t>land-based controllers</a:t>
+            </a:r>
+            <a:r>
+              <a:rPr lang="zh-TW" altLang="en-US" dirty="0"/>
+              <a:t>。控制層是此框架的核心，它負責控制和管理</a:t>
+            </a:r>
+            <a:r>
+              <a:rPr lang="en-US" altLang="zh-TW" dirty="0"/>
+              <a:t>data layer</a:t>
+            </a:r>
+            <a:r>
+              <a:rPr lang="zh-TW" altLang="en-US" dirty="0"/>
+              <a:t>中的多個資源，控制層可將</a:t>
+            </a:r>
+            <a:r>
+              <a:rPr lang="en-US" altLang="zh-TW" dirty="0"/>
+              <a:t>networking</a:t>
+            </a:r>
+            <a:r>
+              <a:rPr lang="zh-TW" altLang="en-US" dirty="0"/>
+              <a:t>，</a:t>
+            </a:r>
+            <a:r>
+              <a:rPr lang="en-US" altLang="zh-TW" dirty="0"/>
+              <a:t>caching</a:t>
+            </a:r>
+            <a:r>
+              <a:rPr lang="zh-TW" altLang="en-US" dirty="0"/>
+              <a:t>和</a:t>
+            </a:r>
+            <a:r>
+              <a:rPr lang="en-US" altLang="zh-TW" dirty="0"/>
+              <a:t>computing</a:t>
+            </a:r>
+            <a:r>
+              <a:rPr lang="zh-TW" altLang="en-US" dirty="0"/>
+              <a:t>資源根據用戶需求進行動態分配，</a:t>
+            </a:r>
+            <a:endParaRPr lang="en-US" altLang="zh-TW" dirty="0"/>
+          </a:p>
+          <a:p>
+            <a:pPr marL="0" marR="0" lvl="0" indent="0" algn="l" defTabSz="914400" rtl="0" eaLnBrk="1" fontAlgn="base" latinLnBrk="0" hangingPunct="1">
+              <a:lnSpc>
+                <a:spcPct val="100000"/>
+              </a:lnSpc>
+              <a:spcBef>
+                <a:spcPct val="30000"/>
+              </a:spcBef>
+              <a:spcAft>
+                <a:spcPct val="0"/>
+              </a:spcAft>
+              <a:buClrTx/>
+              <a:buSzTx/>
+              <a:buFontTx/>
+              <a:buNone/>
+              <a:tabLst/>
+              <a:defRPr/>
+            </a:pPr>
+            <a:endParaRPr lang="en-US" altLang="zh-TW" dirty="0"/>
+          </a:p>
+          <a:p>
+            <a:pPr marL="0" marR="0" lvl="0" indent="0" algn="l" defTabSz="914400" rtl="0" eaLnBrk="1" fontAlgn="base" latinLnBrk="0" hangingPunct="1">
+              <a:lnSpc>
+                <a:spcPct val="100000"/>
+              </a:lnSpc>
+              <a:spcBef>
+                <a:spcPct val="30000"/>
+              </a:spcBef>
+              <a:spcAft>
+                <a:spcPct val="0"/>
+              </a:spcAft>
+              <a:buClrTx/>
+              <a:buSzTx/>
+              <a:buFontTx/>
+              <a:buNone/>
+              <a:tabLst/>
+              <a:defRPr/>
+            </a:pPr>
+            <a:r>
+              <a:rPr lang="zh-TW" altLang="en-US" dirty="0"/>
+              <a:t>在應用程序層中提供了許多應用程序，包括遙感，導航，通信和監視。</a:t>
+            </a:r>
+          </a:p>
+          <a:p>
+            <a:pPr eaLnBrk="1" hangingPunct="1"/>
+            <a:endParaRPr lang="en-GB" altLang="en-US" dirty="0"/>
+          </a:p>
+        </p:txBody>
+      </p:sp>
+    </p:spTree>
+    <p:extLst>
+      <p:ext uri="{BB962C8B-B14F-4D97-AF65-F5344CB8AC3E}">
+        <p14:creationId xmlns:p14="http://schemas.microsoft.com/office/powerpoint/2010/main" val="2344915804"/>
+      </p:ext>
+    </p:extLst>
+  </p:cSld>
+  <p:clrMapOvr>
+    <a:masterClrMapping/>
+  </p:clrMapOvr>
+</p:notes>
+</file>
+
+<file path=ppt/notesSlides/notesSlide4.xml><?xml version="1.0" encoding="utf-8"?>
 <p:notes xmlns:a="http://schemas.openxmlformats.org/drawingml/2006/main" xmlns:r="http://schemas.openxmlformats.org/officeDocument/2006/relationships" xmlns:p="http://schemas.openxmlformats.org/presentationml/2006/main">
   <p:cSld>
     <p:spTree>
@@ -1294,8 +2932,68 @@
           <a:lstStyle/>
           <a:p>
             <a:r>
+              <a:rPr lang="en-US" altLang="zh-TW" dirty="0"/>
+              <a:t>Host-centric : </a:t>
+            </a:r>
+            <a:r>
               <a:rPr lang="zh-TW" altLang="en-US" dirty="0"/>
-              <a:t>在衛星網路中很難用傳統</a:t>
+              <a:t>假設我要傳送一個封包給一指定的</a:t>
+            </a:r>
+            <a:r>
+              <a:rPr lang="en-US" altLang="zh-TW" dirty="0"/>
+              <a:t>address,</a:t>
+            </a:r>
+            <a:r>
+              <a:rPr lang="zh-TW" altLang="en-US" dirty="0"/>
+              <a:t> 傳送的方式是</a:t>
+            </a:r>
+            <a:r>
+              <a:rPr lang="en-US" altLang="zh-TW" dirty="0"/>
+              <a:t>host to another host,</a:t>
+            </a:r>
+            <a:r>
+              <a:rPr lang="zh-TW" altLang="en-US" dirty="0"/>
+              <a:t>是</a:t>
+            </a:r>
+            <a:r>
+              <a:rPr lang="en-US" altLang="zh-TW" dirty="0"/>
+              <a:t>host </a:t>
+            </a:r>
+            <a:r>
+              <a:rPr lang="zh-TW" altLang="en-US" dirty="0"/>
+              <a:t>之間的溝通。</a:t>
+            </a:r>
+            <a:r>
+              <a:rPr lang="en-US" altLang="zh-TW" dirty="0"/>
+              <a:t> </a:t>
+            </a:r>
+            <a:r>
+              <a:rPr lang="zh-TW" altLang="en-US" dirty="0"/>
+              <a:t>而</a:t>
+            </a:r>
+            <a:r>
+              <a:rPr lang="en-US" altLang="zh-TW" dirty="0"/>
+              <a:t>information-centric </a:t>
+            </a:r>
+            <a:r>
+              <a:rPr lang="zh-TW" altLang="en-US" dirty="0"/>
+              <a:t>是今天我想要一個某資料我就直接在網路上拿取這筆資料，我不用知道這筆資料的來源是誰，我只要知道這筆資料的</a:t>
+            </a:r>
+            <a:r>
+              <a:rPr lang="en-US" altLang="zh-TW" dirty="0"/>
+              <a:t>identifier</a:t>
+            </a:r>
+            <a:r>
+              <a:rPr lang="zh-TW" altLang="en-US" dirty="0"/>
+              <a:t> 我就有機會可以找到這筆資料</a:t>
+            </a:r>
+            <a:r>
+              <a:rPr lang="en-US" altLang="zh-TW" dirty="0"/>
+              <a:t>)</a:t>
+            </a:r>
+            <a:r>
+              <a:rPr lang="zh-TW" altLang="en-US" dirty="0"/>
+              <a:t> 在衛星網路中很難用傳統</a:t>
             </a:r>
             <a:r>
               <a:rPr lang="en-US" altLang="zh-TW" dirty="0"/>
@@ -1303,11 +3001,11 @@
             </a:r>
             <a:r>
               <a:rPr lang="zh-TW" altLang="en-US" dirty="0"/>
-              <a:t>的方式傳遞，因為有</a:t>
-            </a:r>
-            <a:r>
-              <a:rPr lang="en-US" altLang="zh-TW" dirty="0"/>
-              <a:t>long</a:t>
+              <a:t>的方式傳遞，因為</a:t>
+            </a:r>
+            <a:r>
+              <a:rPr lang="en-US" altLang="zh-TW" dirty="0"/>
+              <a:t>propagation</a:t>
             </a:r>
             <a:r>
               <a:rPr lang="zh-TW" altLang="en-US" dirty="0"/>
@@ -1315,7 +3013,15 @@
             </a:r>
             <a:r>
               <a:rPr lang="en-US" altLang="zh-TW" dirty="0"/>
-              <a:t>propagation</a:t>
+              <a:t>delay</a:t>
+            </a:r>
+            <a:r>
+              <a:rPr lang="zh-TW" altLang="en-US" dirty="0"/>
+              <a:t>很長，</a:t>
+            </a:r>
+            <a:r>
+              <a:rPr lang="en-US" altLang="zh-TW" dirty="0"/>
+              <a:t>high</a:t>
             </a:r>
             <a:r>
               <a:rPr lang="zh-TW" altLang="en-US" dirty="0"/>
@@ -1323,7 +3029,15 @@
             </a:r>
             <a:r>
               <a:rPr lang="en-US" altLang="zh-TW" dirty="0"/>
-              <a:t>delay</a:t>
+              <a:t>data</a:t>
+            </a:r>
+            <a:r>
+              <a:rPr lang="zh-TW" altLang="en-US" dirty="0"/>
+              <a:t> </a:t>
+            </a:r>
+            <a:r>
+              <a:rPr lang="en-US" altLang="zh-TW" dirty="0"/>
+              <a:t>error</a:t>
             </a:r>
             <a:r>
               <a:rPr lang="zh-TW" altLang="en-US" dirty="0"/>
@@ -1331,31 +3045,15 @@
             </a:r>
             <a:r>
               <a:rPr lang="en-US" altLang="zh-TW" dirty="0"/>
-              <a:t>high</a:t>
+              <a:t>intermittent connection(</a:t>
             </a:r>
             <a:r>
               <a:rPr lang="zh-TW" altLang="en-US" dirty="0"/>
-              <a:t> </a:t>
-            </a:r>
-            <a:r>
-              <a:rPr lang="en-US" altLang="zh-TW" dirty="0"/>
-              <a:t>data</a:t>
-            </a:r>
-            <a:r>
-              <a:rPr lang="zh-TW" altLang="en-US" dirty="0"/>
-              <a:t> </a:t>
-            </a:r>
-            <a:r>
-              <a:rPr lang="en-US" altLang="zh-TW" dirty="0"/>
-              <a:t>error</a:t>
-            </a:r>
-            <a:r>
-              <a:rPr lang="zh-TW" altLang="en-US" dirty="0"/>
-              <a:t>，</a:t>
-            </a:r>
-            <a:r>
-              <a:rPr lang="en-US" altLang="zh-TW" dirty="0"/>
-              <a:t>intermittent connection</a:t>
+              <a:t>斷斷續續的連接</a:t>
+            </a:r>
+            <a:r>
+              <a:rPr lang="en-US" altLang="zh-TW" dirty="0"/>
+              <a:t>)</a:t>
             </a:r>
             <a:r>
               <a:rPr lang="zh-TW" altLang="en-US" dirty="0"/>
@@ -1371,6 +3069,14 @@
             </a:r>
             <a:r>
               <a:rPr lang="en-US" altLang="zh-TW" dirty="0"/>
+              <a:t>information-centric</a:t>
+            </a:r>
+            <a:r>
+              <a:rPr lang="zh-TW" altLang="en-US" dirty="0"/>
+              <a:t>的</a:t>
+            </a:r>
+            <a:r>
+              <a:rPr lang="en-US" altLang="zh-TW" dirty="0"/>
               <a:t>in-network caching </a:t>
             </a:r>
             <a:r>
@@ -1410,33 +3116,6 @@
               <a:t>組成。 </a:t>
             </a:r>
             <a:endParaRPr lang="en-US" altLang="zh-TW" dirty="0"/>
-          </a:p>
-          <a:p>
-            <a:pPr marL="0" marR="0" lvl="0" indent="0" algn="l" defTabSz="914400" rtl="0" eaLnBrk="0" fontAlgn="base" latinLnBrk="0" hangingPunct="0">
-              <a:lnSpc>
-                <a:spcPct val="100000"/>
-              </a:lnSpc>
-              <a:spcBef>
-                <a:spcPct val="30000"/>
-              </a:spcBef>
-              <a:spcAft>
-                <a:spcPct val="0"/>
-              </a:spcAft>
-              <a:buClrTx/>
-              <a:buSzTx/>
-              <a:buFontTx/>
-              <a:buNone/>
-              <a:tabLst/>
-              <a:defRPr/>
-            </a:pPr>
-            <a:r>
-              <a:rPr lang="zh-TW" altLang="en-US" dirty="0"/>
-              <a:t>這個方式是</a:t>
-            </a:r>
-            <a:r>
-              <a:rPr lang="en-US" altLang="zh-TW" dirty="0"/>
-              <a:t>Information-centric networking</a:t>
-            </a:r>
           </a:p>
           <a:p>
             <a:endParaRPr lang="zh-TW" altLang="en-US" dirty="0"/>
@@ -1466,7 +3145,7 @@
               <a:pPr>
                 <a:defRPr/>
               </a:pPr>
-              <a:t>3</a:t>
+              <a:t>4</a:t>
             </a:fld>
             <a:endParaRPr lang="en-GB" altLang="en-US"/>
           </a:p>
@@ -1476,389 +3155,6 @@
     <p:extLst>
       <p:ext uri="{BB962C8B-B14F-4D97-AF65-F5344CB8AC3E}">
         <p14:creationId xmlns:p14="http://schemas.microsoft.com/office/powerpoint/2010/main" val="1749194792"/>
-      </p:ext>
-    </p:extLst>
-  </p:cSld>
-  <p:clrMapOvr>
-    <a:masterClrMapping/>
-  </p:clrMapOvr>
-</p:notes>
-</file>
-
-<file path=ppt/notesSlides/notesSlide4.xml><?xml version="1.0" encoding="utf-8"?>
-<p:notes xmlns:a="http://schemas.openxmlformats.org/drawingml/2006/main" xmlns:r="http://schemas.openxmlformats.org/officeDocument/2006/relationships" xmlns:p="http://schemas.openxmlformats.org/presentationml/2006/main">
-  <p:cSld>
-    <p:spTree>
-      <p:nvGrpSpPr>
-        <p:cNvPr id="1" name=""/>
-        <p:cNvGrpSpPr/>
-        <p:nvPr/>
-      </p:nvGrpSpPr>
-      <p:grpSpPr>
-        <a:xfrm>
-          <a:off x="0" y="0"/>
-          <a:ext cx="0" cy="0"/>
-          <a:chOff x="0" y="0"/>
-          <a:chExt cx="0" cy="0"/>
-        </a:xfrm>
-      </p:grpSpPr>
-      <p:sp>
-        <p:nvSpPr>
-          <p:cNvPr id="9218" name="Rectangle 7"/>
-          <p:cNvSpPr>
-            <a:spLocks noGrp="1" noChangeArrowheads="1"/>
-          </p:cNvSpPr>
-          <p:nvPr>
-            <p:ph type="sldNum" sz="quarter" idx="5"/>
-          </p:nvPr>
-        </p:nvSpPr>
-        <p:spPr>
-          <a:noFill/>
-        </p:spPr>
-        <p:txBody>
-          <a:bodyPr/>
-          <a:lstStyle>
-            <a:lvl1pPr algn="r">
-              <a:defRPr sz="1000" b="1">
-                <a:solidFill>
-                  <a:schemeClr val="bg1"/>
-                </a:solidFill>
-                <a:latin typeface="Arial" panose="020B0604020202020204" pitchFamily="34" charset="0"/>
-              </a:defRPr>
-            </a:lvl1pPr>
-            <a:lvl2pPr marL="742950" indent="-285750" algn="r">
-              <a:defRPr sz="1000" b="1">
-                <a:solidFill>
-                  <a:schemeClr val="bg1"/>
-                </a:solidFill>
-                <a:latin typeface="Arial" panose="020B0604020202020204" pitchFamily="34" charset="0"/>
-              </a:defRPr>
-            </a:lvl2pPr>
-            <a:lvl3pPr marL="1143000" indent="-228600" algn="r">
-              <a:defRPr sz="1000" b="1">
-                <a:solidFill>
-                  <a:schemeClr val="bg1"/>
-                </a:solidFill>
-                <a:latin typeface="Arial" panose="020B0604020202020204" pitchFamily="34" charset="0"/>
-              </a:defRPr>
-            </a:lvl3pPr>
-            <a:lvl4pPr marL="1600200" indent="-228600" algn="r">
-              <a:defRPr sz="1000" b="1">
-                <a:solidFill>
-                  <a:schemeClr val="bg1"/>
-                </a:solidFill>
-                <a:latin typeface="Arial" panose="020B0604020202020204" pitchFamily="34" charset="0"/>
-              </a:defRPr>
-            </a:lvl4pPr>
-            <a:lvl5pPr marL="2057400" indent="-228600" algn="r">
-              <a:defRPr sz="1000" b="1">
-                <a:solidFill>
-                  <a:schemeClr val="bg1"/>
-                </a:solidFill>
-                <a:latin typeface="Arial" panose="020B0604020202020204" pitchFamily="34" charset="0"/>
-              </a:defRPr>
-            </a:lvl5pPr>
-            <a:lvl6pPr marL="2514600" indent="-228600" algn="r" eaLnBrk="0" fontAlgn="base" hangingPunct="0">
-              <a:spcBef>
-                <a:spcPct val="0"/>
-              </a:spcBef>
-              <a:spcAft>
-                <a:spcPct val="0"/>
-              </a:spcAft>
-              <a:defRPr sz="1000" b="1">
-                <a:solidFill>
-                  <a:schemeClr val="bg1"/>
-                </a:solidFill>
-                <a:latin typeface="Arial" panose="020B0604020202020204" pitchFamily="34" charset="0"/>
-              </a:defRPr>
-            </a:lvl6pPr>
-            <a:lvl7pPr marL="2971800" indent="-228600" algn="r" eaLnBrk="0" fontAlgn="base" hangingPunct="0">
-              <a:spcBef>
-                <a:spcPct val="0"/>
-              </a:spcBef>
-              <a:spcAft>
-                <a:spcPct val="0"/>
-              </a:spcAft>
-              <a:defRPr sz="1000" b="1">
-                <a:solidFill>
-                  <a:schemeClr val="bg1"/>
-                </a:solidFill>
-                <a:latin typeface="Arial" panose="020B0604020202020204" pitchFamily="34" charset="0"/>
-              </a:defRPr>
-            </a:lvl7pPr>
-            <a:lvl8pPr marL="3429000" indent="-228600" algn="r" eaLnBrk="0" fontAlgn="base" hangingPunct="0">
-              <a:spcBef>
-                <a:spcPct val="0"/>
-              </a:spcBef>
-              <a:spcAft>
-                <a:spcPct val="0"/>
-              </a:spcAft>
-              <a:defRPr sz="1000" b="1">
-                <a:solidFill>
-                  <a:schemeClr val="bg1"/>
-                </a:solidFill>
-                <a:latin typeface="Arial" panose="020B0604020202020204" pitchFamily="34" charset="0"/>
-              </a:defRPr>
-            </a:lvl8pPr>
-            <a:lvl9pPr marL="3886200" indent="-228600" algn="r" eaLnBrk="0" fontAlgn="base" hangingPunct="0">
-              <a:spcBef>
-                <a:spcPct val="0"/>
-              </a:spcBef>
-              <a:spcAft>
-                <a:spcPct val="0"/>
-              </a:spcAft>
-              <a:defRPr sz="1000" b="1">
-                <a:solidFill>
-                  <a:schemeClr val="bg1"/>
-                </a:solidFill>
-                <a:latin typeface="Arial" panose="020B0604020202020204" pitchFamily="34" charset="0"/>
-              </a:defRPr>
-            </a:lvl9pPr>
-          </a:lstStyle>
-          <a:p>
-            <a:fld id="{4E9394A1-4157-47F3-BFB4-0FCBDB1AADDE}" type="slidenum">
-              <a:rPr lang="en-GB" altLang="en-US" sz="1200" b="0">
-                <a:solidFill>
-                  <a:schemeClr val="tx1"/>
-                </a:solidFill>
-              </a:rPr>
-              <a:pPr/>
-              <a:t>4</a:t>
-            </a:fld>
-            <a:endParaRPr lang="en-GB" altLang="en-US" sz="1200" b="0">
-              <a:solidFill>
-                <a:schemeClr val="tx1"/>
-              </a:solidFill>
-            </a:endParaRPr>
-          </a:p>
-        </p:txBody>
-      </p:sp>
-      <p:sp>
-        <p:nvSpPr>
-          <p:cNvPr id="9219" name="Rectangle 2"/>
-          <p:cNvSpPr>
-            <a:spLocks noGrp="1" noRot="1" noChangeAspect="1" noChangeArrowheads="1" noTextEdit="1"/>
-          </p:cNvSpPr>
-          <p:nvPr>
-            <p:ph type="sldImg"/>
-          </p:nvPr>
-        </p:nvSpPr>
-        <p:spPr>
-          <a:ln/>
-        </p:spPr>
-      </p:sp>
-      <p:sp>
-        <p:nvSpPr>
-          <p:cNvPr id="9220" name="Rectangle 3"/>
-          <p:cNvSpPr>
-            <a:spLocks noGrp="1" noChangeArrowheads="1"/>
-          </p:cNvSpPr>
-          <p:nvPr>
-            <p:ph type="body" idx="1"/>
-          </p:nvPr>
-        </p:nvSpPr>
-        <p:spPr>
-          <a:noFill/>
-        </p:spPr>
-        <p:txBody>
-          <a:bodyPr/>
-          <a:lstStyle/>
-          <a:p>
-            <a:pPr marL="0" marR="0" lvl="0" indent="0" algn="l" defTabSz="914400" rtl="0" eaLnBrk="1" fontAlgn="base" latinLnBrk="0" hangingPunct="1">
-              <a:lnSpc>
-                <a:spcPct val="100000"/>
-              </a:lnSpc>
-              <a:spcBef>
-                <a:spcPct val="30000"/>
-              </a:spcBef>
-              <a:spcAft>
-                <a:spcPct val="0"/>
-              </a:spcAft>
-              <a:buClrTx/>
-              <a:buSzTx/>
-              <a:buFontTx/>
-              <a:buNone/>
-              <a:tabLst/>
-              <a:defRPr/>
-            </a:pPr>
-            <a:r>
-              <a:rPr lang="en-US" altLang="en-US" dirty="0"/>
-              <a:t>The framework consists of data layer, control layer, and application layer, </a:t>
-            </a:r>
-            <a:r>
-              <a:rPr lang="zh-TW" altLang="en-US" dirty="0"/>
-              <a:t>在</a:t>
-            </a:r>
-            <a:r>
-              <a:rPr lang="en-US" altLang="zh-TW" dirty="0"/>
-              <a:t>data layer </a:t>
-            </a:r>
-            <a:r>
-              <a:rPr lang="zh-TW" altLang="en-US" dirty="0"/>
-              <a:t>有</a:t>
-            </a:r>
-            <a:r>
-              <a:rPr lang="en-US" altLang="zh-TW" dirty="0"/>
-              <a:t>LEO</a:t>
-            </a:r>
-            <a:r>
-              <a:rPr lang="zh-TW" altLang="en-US" dirty="0"/>
-              <a:t>作為</a:t>
-            </a:r>
-            <a:r>
-              <a:rPr lang="en-US" altLang="zh-TW" dirty="0"/>
-              <a:t>network infrastructures</a:t>
-            </a:r>
-            <a:r>
-              <a:rPr lang="zh-TW" altLang="en-US" dirty="0"/>
-              <a:t>，</a:t>
-            </a:r>
-            <a:r>
-              <a:rPr lang="en-US" altLang="zh-TW" dirty="0"/>
-              <a:t>caching</a:t>
-            </a:r>
-            <a:r>
-              <a:rPr lang="zh-TW" altLang="en-US" dirty="0"/>
-              <a:t>，</a:t>
-            </a:r>
-            <a:r>
-              <a:rPr lang="en-US" altLang="zh-TW" dirty="0"/>
-              <a:t>edge computing(</a:t>
-            </a:r>
-            <a:r>
-              <a:rPr lang="zh-TW" altLang="en-US" dirty="0"/>
-              <a:t>衛星的計算能力有限，並且若採用雲計算，考量到長距離以及大量資料，雲計算不算是好方法，這邊要採取的是</a:t>
-            </a:r>
-            <a:r>
-              <a:rPr lang="en-US" altLang="zh-TW" dirty="0"/>
-              <a:t>edge computing) </a:t>
-            </a:r>
-          </a:p>
-          <a:p>
-            <a:pPr marL="0" marR="0" lvl="0" indent="0" algn="l" defTabSz="914400" rtl="0" eaLnBrk="1" fontAlgn="base" latinLnBrk="0" hangingPunct="1">
-              <a:lnSpc>
-                <a:spcPct val="100000"/>
-              </a:lnSpc>
-              <a:spcBef>
-                <a:spcPct val="30000"/>
-              </a:spcBef>
-              <a:spcAft>
-                <a:spcPct val="0"/>
-              </a:spcAft>
-              <a:buClrTx/>
-              <a:buSzTx/>
-              <a:buFontTx/>
-              <a:buNone/>
-              <a:tabLst/>
-              <a:defRPr/>
-            </a:pPr>
-            <a:r>
-              <a:rPr lang="zh-TW" altLang="en-US" dirty="0"/>
-              <a:t>在</a:t>
-            </a:r>
-            <a:r>
-              <a:rPr lang="en-US" altLang="zh-TW" dirty="0"/>
-              <a:t>control layer</a:t>
-            </a:r>
-            <a:r>
-              <a:rPr lang="zh-TW" altLang="en-US" dirty="0"/>
-              <a:t>中，我們的</a:t>
-            </a:r>
-            <a:r>
-              <a:rPr lang="en-US" altLang="zh-TW" dirty="0"/>
-              <a:t>control intelligence</a:t>
-            </a:r>
-            <a:r>
-              <a:rPr lang="zh-TW" altLang="en-US" dirty="0"/>
-              <a:t>可能是</a:t>
-            </a:r>
-            <a:r>
-              <a:rPr lang="en-US" altLang="zh-TW" dirty="0"/>
-              <a:t>MEO</a:t>
-            </a:r>
-            <a:r>
-              <a:rPr lang="zh-TW" altLang="en-US" dirty="0"/>
-              <a:t>、</a:t>
-            </a:r>
-            <a:r>
-              <a:rPr lang="en-US" altLang="zh-TW" dirty="0"/>
-              <a:t>GEO</a:t>
-            </a:r>
-            <a:r>
-              <a:rPr lang="zh-TW" altLang="en-US" dirty="0"/>
-              <a:t>或</a:t>
-            </a:r>
-            <a:r>
-              <a:rPr lang="en-US" altLang="zh-TW" dirty="0"/>
-              <a:t>land-based controllers</a:t>
-            </a:r>
-            <a:r>
-              <a:rPr lang="zh-TW" altLang="en-US" dirty="0"/>
-              <a:t>。控制層是此框架的核心，它負責控制和管理</a:t>
-            </a:r>
-            <a:r>
-              <a:rPr lang="en-US" altLang="zh-TW" dirty="0"/>
-              <a:t>data layer</a:t>
-            </a:r>
-            <a:r>
-              <a:rPr lang="zh-TW" altLang="en-US" dirty="0"/>
-              <a:t>中的多個資源，控制層可將網絡，緩存和計算資源根據用戶需求動態分配，</a:t>
-            </a:r>
-            <a:endParaRPr lang="en-US" altLang="zh-TW" dirty="0"/>
-          </a:p>
-          <a:p>
-            <a:pPr marL="0" marR="0" lvl="0" indent="0" algn="l" defTabSz="914400" rtl="0" eaLnBrk="1" fontAlgn="base" latinLnBrk="0" hangingPunct="1">
-              <a:lnSpc>
-                <a:spcPct val="100000"/>
-              </a:lnSpc>
-              <a:spcBef>
-                <a:spcPct val="30000"/>
-              </a:spcBef>
-              <a:spcAft>
-                <a:spcPct val="0"/>
-              </a:spcAft>
-              <a:buClrTx/>
-              <a:buSzTx/>
-              <a:buFontTx/>
-              <a:buNone/>
-              <a:tabLst/>
-              <a:defRPr/>
-            </a:pPr>
-            <a:endParaRPr lang="en-US" altLang="zh-TW" dirty="0"/>
-          </a:p>
-          <a:p>
-            <a:pPr marL="0" marR="0" lvl="0" indent="0" algn="l" defTabSz="914400" rtl="0" eaLnBrk="1" fontAlgn="base" latinLnBrk="0" hangingPunct="1">
-              <a:lnSpc>
-                <a:spcPct val="100000"/>
-              </a:lnSpc>
-              <a:spcBef>
-                <a:spcPct val="30000"/>
-              </a:spcBef>
-              <a:spcAft>
-                <a:spcPct val="0"/>
-              </a:spcAft>
-              <a:buClrTx/>
-              <a:buSzTx/>
-              <a:buFontTx/>
-              <a:buNone/>
-              <a:tabLst/>
-              <a:defRPr/>
-            </a:pPr>
-            <a:r>
-              <a:rPr lang="zh-TW" altLang="en-US" dirty="0"/>
-              <a:t>在應用程序層中提供了許多應用程序，包括遙感，導航，通信和監視。</a:t>
-            </a:r>
-          </a:p>
-          <a:p>
-            <a:pPr eaLnBrk="1" hangingPunct="1"/>
-            <a:endParaRPr lang="en-GB" altLang="en-US" dirty="0"/>
-          </a:p>
-        </p:txBody>
-      </p:sp>
-    </p:spTree>
-    <p:extLst>
-      <p:ext uri="{BB962C8B-B14F-4D97-AF65-F5344CB8AC3E}">
-        <p14:creationId xmlns:p14="http://schemas.microsoft.com/office/powerpoint/2010/main" val="2344915804"/>
       </p:ext>
     </p:extLst>
   </p:cSld>
@@ -2656,6 +3952,21 @@
           <a:lstStyle/>
           <a:p>
             <a:r>
+              <a:rPr lang="zh-TW" altLang="en-US" dirty="0"/>
+              <a:t>這張圖是這個架構的</a:t>
+            </a:r>
+            <a:r>
+              <a:rPr lang="en-US" altLang="zh-TW" dirty="0"/>
+              <a:t>data flow</a:t>
+            </a:r>
+            <a:r>
+              <a:rPr lang="zh-TW" altLang="en-US" dirty="0"/>
+              <a:t>是意圖</a:t>
+            </a:r>
+            <a:endParaRPr lang="en-US" altLang="zh-TW" dirty="0"/>
+          </a:p>
+          <a:p>
+            <a:r>
               <a:rPr lang="en-US" altLang="zh-TW" dirty="0"/>
               <a:t>controller </a:t>
             </a:r>
@@ -2794,6 +4105,223 @@
     <p:extLst>
       <p:ext uri="{BB962C8B-B14F-4D97-AF65-F5344CB8AC3E}">
         <p14:creationId xmlns:p14="http://schemas.microsoft.com/office/powerpoint/2010/main" val="415144604"/>
+      </p:ext>
+    </p:extLst>
+  </p:cSld>
+  <p:clrMapOvr>
+    <a:masterClrMapping/>
+  </p:clrMapOvr>
+</p:notes>
+</file>
+
+<file path=ppt/notesSlides/notesSlide9.xml><?xml version="1.0" encoding="utf-8"?>
+<p:notes xmlns:a="http://schemas.openxmlformats.org/drawingml/2006/main" xmlns:r="http://schemas.openxmlformats.org/officeDocument/2006/relationships" xmlns:p="http://schemas.openxmlformats.org/presentationml/2006/main">
+  <p:cSld>
+    <p:spTree>
+      <p:nvGrpSpPr>
+        <p:cNvPr id="1" name=""/>
+        <p:cNvGrpSpPr/>
+        <p:nvPr/>
+      </p:nvGrpSpPr>
+      <p:grpSpPr>
+        <a:xfrm>
+          <a:off x="0" y="0"/>
+          <a:ext cx="0" cy="0"/>
+          <a:chOff x="0" y="0"/>
+          <a:chExt cx="0" cy="0"/>
+        </a:xfrm>
+      </p:grpSpPr>
+      <p:sp>
+        <p:nvSpPr>
+          <p:cNvPr id="2" name="投影片影像版面配置區 1"/>
+          <p:cNvSpPr>
+            <a:spLocks noGrp="1" noRot="1" noChangeAspect="1"/>
+          </p:cNvSpPr>
+          <p:nvPr>
+            <p:ph type="sldImg"/>
+          </p:nvPr>
+        </p:nvSpPr>
+        <p:spPr/>
+      </p:sp>
+      <p:sp>
+        <p:nvSpPr>
+          <p:cNvPr id="3" name="備忘稿版面配置區 2"/>
+          <p:cNvSpPr>
+            <a:spLocks noGrp="1"/>
+          </p:cNvSpPr>
+          <p:nvPr>
+            <p:ph type="body" idx="1"/>
+          </p:nvPr>
+        </p:nvSpPr>
+        <p:spPr/>
+        <p:txBody>
+          <a:bodyPr/>
+          <a:lstStyle/>
+          <a:p>
+            <a:r>
+              <a:rPr lang="zh-TW" altLang="en-US" dirty="0"/>
+              <a:t>簡單來說我們要訓練一個</a:t>
+            </a:r>
+            <a:r>
+              <a:rPr lang="en-US" altLang="zh-TW" dirty="0"/>
+              <a:t>agent</a:t>
+            </a:r>
+            <a:r>
+              <a:rPr lang="zh-TW" altLang="en-US" dirty="0"/>
+              <a:t>可以去適應我的</a:t>
+            </a:r>
+            <a:r>
+              <a:rPr lang="en-US" altLang="zh-TW" dirty="0"/>
+              <a:t>environment</a:t>
+            </a:r>
+            <a:r>
+              <a:rPr lang="zh-TW" altLang="en-US" dirty="0"/>
+              <a:t>，</a:t>
+            </a:r>
+            <a:endParaRPr lang="en-US" altLang="zh-TW" dirty="0"/>
+          </a:p>
+          <a:p>
+            <a:r>
+              <a:rPr lang="en-US" altLang="zh-TW" dirty="0"/>
+              <a:t>agent</a:t>
+            </a:r>
+            <a:r>
+              <a:rPr lang="zh-TW" altLang="en-US" dirty="0"/>
+              <a:t>會將我的</a:t>
+            </a:r>
+            <a:r>
+              <a:rPr lang="en-US" altLang="zh-TW" dirty="0"/>
+              <a:t>environment</a:t>
+            </a:r>
+            <a:r>
+              <a:rPr lang="zh-TW" altLang="en-US" dirty="0"/>
+              <a:t>的每個時間點的觀察集合 做為一個</a:t>
+            </a:r>
+            <a:r>
+              <a:rPr lang="en-US" altLang="zh-TW" dirty="0"/>
+              <a:t>state</a:t>
+            </a:r>
+            <a:r>
+              <a:rPr lang="zh-TW" altLang="en-US" dirty="0"/>
+              <a:t> ，從</a:t>
+            </a:r>
+            <a:r>
+              <a:rPr lang="en-US" altLang="zh-TW" dirty="0"/>
+              <a:t>state</a:t>
+            </a:r>
+            <a:r>
+              <a:rPr lang="zh-TW" altLang="en-US" dirty="0"/>
+              <a:t>跟</a:t>
+            </a:r>
+            <a:r>
+              <a:rPr lang="en-US" altLang="zh-TW" dirty="0"/>
+              <a:t>reward</a:t>
+            </a:r>
+            <a:r>
+              <a:rPr lang="zh-TW" altLang="en-US" dirty="0"/>
+              <a:t>來去選最好的</a:t>
+            </a:r>
+            <a:r>
+              <a:rPr lang="en-US" altLang="zh-TW" dirty="0"/>
+              <a:t>action</a:t>
+            </a:r>
+            <a:r>
+              <a:rPr lang="zh-TW" altLang="en-US" dirty="0"/>
+              <a:t>，也就是</a:t>
+            </a:r>
+            <a:r>
+              <a:rPr lang="en-US" altLang="zh-TW" dirty="0"/>
+              <a:t>policy</a:t>
+            </a:r>
+          </a:p>
+          <a:p>
+            <a:endParaRPr lang="en-US" altLang="zh-TW" dirty="0"/>
+          </a:p>
+          <a:p>
+            <a:r>
+              <a:rPr lang="zh-TW" altLang="en-US" dirty="0"/>
+              <a:t>再</a:t>
+            </a:r>
+            <a:r>
+              <a:rPr lang="en-US" altLang="zh-TW" dirty="0"/>
+              <a:t>environment</a:t>
+            </a:r>
+            <a:r>
+              <a:rPr lang="zh-TW" altLang="en-US" dirty="0"/>
+              <a:t>會接收</a:t>
+            </a:r>
+            <a:r>
+              <a:rPr lang="en-US" altLang="zh-TW" dirty="0"/>
+              <a:t>agent</a:t>
+            </a:r>
+            <a:r>
+              <a:rPr lang="zh-TW" altLang="en-US" dirty="0"/>
+              <a:t>執行的</a:t>
+            </a:r>
+            <a:r>
+              <a:rPr lang="en-US" altLang="zh-TW" dirty="0"/>
+              <a:t>action </a:t>
+            </a:r>
+            <a:r>
+              <a:rPr lang="zh-TW" altLang="en-US" dirty="0"/>
+              <a:t>並吐出</a:t>
+            </a:r>
+            <a:r>
+              <a:rPr lang="en-US" altLang="zh-TW" dirty="0"/>
+              <a:t>reward</a:t>
+            </a:r>
+            <a:r>
+              <a:rPr lang="zh-TW" altLang="en-US" dirty="0"/>
+              <a:t>跟</a:t>
+            </a:r>
+            <a:r>
+              <a:rPr lang="en-US" altLang="zh-TW" dirty="0"/>
+              <a:t>observation</a:t>
+            </a:r>
+            <a:r>
+              <a:rPr lang="zh-TW" altLang="en-US" dirty="0"/>
+              <a:t>給</a:t>
+            </a:r>
+            <a:r>
+              <a:rPr lang="en-US" altLang="zh-TW" dirty="0"/>
+              <a:t>agent</a:t>
+            </a:r>
+          </a:p>
+        </p:txBody>
+      </p:sp>
+      <p:sp>
+        <p:nvSpPr>
+          <p:cNvPr id="4" name="投影片編號版面配置區 3"/>
+          <p:cNvSpPr>
+            <a:spLocks noGrp="1"/>
+          </p:cNvSpPr>
+          <p:nvPr>
+            <p:ph type="sldNum" sz="quarter" idx="5"/>
+          </p:nvPr>
+        </p:nvSpPr>
+        <p:spPr/>
+        <p:txBody>
+          <a:bodyPr/>
+          <a:lstStyle/>
+          <a:p>
+            <a:pPr>
+              <a:defRPr/>
+            </a:pPr>
+            <a:fld id="{8EEEF6CB-C50F-488A-99E7-79215D4B1CC0}" type="slidenum">
+              <a:rPr lang="en-GB" altLang="en-US" smtClean="0"/>
+              <a:pPr>
+                <a:defRPr/>
+              </a:pPr>
+              <a:t>9</a:t>
+            </a:fld>
+            <a:endParaRPr lang="en-GB" altLang="en-US"/>
+          </a:p>
+        </p:txBody>
+      </p:sp>
+    </p:spTree>
+    <p:extLst>
+      <p:ext uri="{BB962C8B-B14F-4D97-AF65-F5344CB8AC3E}">
+        <p14:creationId xmlns:p14="http://schemas.microsoft.com/office/powerpoint/2010/main" val="1280065974"/>
       </p:ext>
     </p:extLst>
   </p:cSld>
@@ -7398,6 +8926,2231 @@
 </p:sld>
 </file>
 
+<file path=ppt/slides/slide10.xml><?xml version="1.0" encoding="utf-8"?>
+<p:sld xmlns:a="http://schemas.openxmlformats.org/drawingml/2006/main" xmlns:r="http://schemas.openxmlformats.org/officeDocument/2006/relationships" xmlns:p="http://schemas.openxmlformats.org/presentationml/2006/main">
+  <p:cSld>
+    <p:spTree>
+      <p:nvGrpSpPr>
+        <p:cNvPr id="1" name=""/>
+        <p:cNvGrpSpPr/>
+        <p:nvPr/>
+      </p:nvGrpSpPr>
+      <p:grpSpPr>
+        <a:xfrm>
+          <a:off x="0" y="0"/>
+          <a:ext cx="0" cy="0"/>
+          <a:chOff x="0" y="0"/>
+          <a:chExt cx="0" cy="0"/>
+        </a:xfrm>
+      </p:grpSpPr>
+      <p:sp>
+        <p:nvSpPr>
+          <p:cNvPr id="2" name="標題 1">
+            <a:extLst>
+              <a:ext uri="{FF2B5EF4-FFF2-40B4-BE49-F238E27FC236}">
+                <a16:creationId xmlns:a16="http://schemas.microsoft.com/office/drawing/2014/main" id="{A77E0731-5F8E-4D22-8F73-172E4C19482A}"/>
+              </a:ext>
+            </a:extLst>
+          </p:cNvPr>
+          <p:cNvSpPr>
+            <a:spLocks noGrp="1"/>
+          </p:cNvSpPr>
+          <p:nvPr>
+            <p:ph type="title"/>
+          </p:nvPr>
+        </p:nvSpPr>
+        <p:spPr/>
+        <p:txBody>
+          <a:bodyPr/>
+          <a:lstStyle/>
+          <a:p>
+            <a:endParaRPr lang="zh-TW" altLang="en-US" dirty="0"/>
+          </a:p>
+        </p:txBody>
+      </p:sp>
+      <mc:AlternateContent xmlns:mc="http://schemas.openxmlformats.org/markup-compatibility/2006">
+        <mc:Choice xmlns:a14="http://schemas.microsoft.com/office/drawing/2010/main" Requires="a14">
+          <p:sp>
+            <p:nvSpPr>
+              <p:cNvPr id="3" name="內容版面配置區 2">
+                <a:extLst>
+                  <a:ext uri="{FF2B5EF4-FFF2-40B4-BE49-F238E27FC236}">
+                    <a16:creationId xmlns:a16="http://schemas.microsoft.com/office/drawing/2014/main" id="{D799C5B8-481B-47C4-B357-1410C6583693}"/>
+                  </a:ext>
+                </a:extLst>
+              </p:cNvPr>
+              <p:cNvSpPr>
+                <a:spLocks noGrp="1"/>
+              </p:cNvSpPr>
+              <p:nvPr>
+                <p:ph idx="1"/>
+              </p:nvPr>
+            </p:nvSpPr>
+            <p:spPr/>
+            <p:txBody>
+              <a:bodyPr/>
+              <a:lstStyle/>
+              <a:p>
+                <a:endParaRPr lang="en-US" altLang="zh-TW" dirty="0"/>
+              </a:p>
+              <a:p>
+                <a:endParaRPr lang="en-US" altLang="zh-TW" dirty="0"/>
+              </a:p>
+              <a:p>
+                <a:endParaRPr lang="en-US" altLang="zh-TW" dirty="0"/>
+              </a:p>
+              <a:p>
+                <a:r>
+                  <a:rPr lang="en-US" altLang="zh-TW" dirty="0"/>
+                  <a:t>Y’ x</a:t>
+                </a:r>
+                <a:r>
+                  <a:rPr lang="zh-TW" altLang="en-US" dirty="0"/>
+                  <a:t> </a:t>
+                </a:r>
+                <a:r>
+                  <a:rPr lang="en-US" altLang="zh-TW" dirty="0"/>
+                  <a:t>Y’ angle </a:t>
+                </a:r>
+                <a:r>
+                  <a:rPr lang="en-US" altLang="zh-TW" dirty="0" err="1"/>
+                  <a:t>atate</a:t>
+                </a:r>
+                <a:r>
+                  <a:rPr lang="en-US" altLang="zh-TW" dirty="0"/>
+                  <a:t> transition probability matrix </a:t>
+                </a:r>
+                <a14:m>
+                  <m:oMath xmlns:m="http://schemas.openxmlformats.org/officeDocument/2006/math">
+                    <m:sSubSup>
+                      <m:sSubSupPr>
+                        <m:ctrlPr>
+                          <a:rPr lang="en-US" altLang="zh-TW" b="0" i="1" smtClean="0">
+                            <a:latin typeface="Cambria Math" panose="02040503050406030204" pitchFamily="18" charset="0"/>
+                          </a:rPr>
+                        </m:ctrlPr>
+                      </m:sSubSupPr>
+                      <m:e>
+                        <m:r>
+                          <a:rPr lang="en-US" altLang="zh-TW" b="0" i="1" smtClean="0">
+                            <a:latin typeface="Cambria Math" panose="02040503050406030204" pitchFamily="18" charset="0"/>
+                          </a:rPr>
+                          <m:t>𝐾</m:t>
+                        </m:r>
+                      </m:e>
+                      <m:sub>
+                        <m:r>
+                          <a:rPr lang="en-US" altLang="zh-TW" b="0" i="1" smtClean="0">
+                            <a:latin typeface="Cambria Math" panose="02040503050406030204" pitchFamily="18" charset="0"/>
+                          </a:rPr>
+                          <m:t>𝑢</m:t>
+                        </m:r>
+                      </m:sub>
+                      <m:sup>
+                        <m:r>
+                          <a:rPr lang="en-US" altLang="zh-TW" b="0" i="1" smtClean="0">
+                            <a:latin typeface="Cambria Math" panose="02040503050406030204" pitchFamily="18" charset="0"/>
+                          </a:rPr>
+                          <m:t>𝑙</m:t>
+                        </m:r>
+                      </m:sup>
+                    </m:sSubSup>
+                  </m:oMath>
+                </a14:m>
+                <a:r>
+                  <a:rPr lang="en-US" altLang="zh-TW" dirty="0"/>
+                  <a:t>(t) between user u and LEO l is denoted as</a:t>
+                </a:r>
+              </a:p>
+              <a:p>
+                <a:endParaRPr lang="zh-TW" altLang="en-US" dirty="0"/>
+              </a:p>
+            </p:txBody>
+          </p:sp>
+        </mc:Choice>
+        <mc:Fallback>
+          <p:sp>
+            <p:nvSpPr>
+              <p:cNvPr id="3" name="內容版面配置區 2">
+                <a:extLst>
+                  <a:ext uri="{FF2B5EF4-FFF2-40B4-BE49-F238E27FC236}">
+                    <a16:creationId xmlns:a16="http://schemas.microsoft.com/office/drawing/2014/main" id="{D799C5B8-481B-47C4-B357-1410C6583693}"/>
+                  </a:ext>
+                </a:extLst>
+              </p:cNvPr>
+              <p:cNvSpPr>
+                <a:spLocks noGrp="1" noRot="1" noChangeAspect="1" noMove="1" noResize="1" noEditPoints="1" noAdjustHandles="1" noChangeArrowheads="1" noChangeShapeType="1" noTextEdit="1"/>
+              </p:cNvSpPr>
+              <p:nvPr>
+                <p:ph idx="1"/>
+              </p:nvPr>
+            </p:nvSpPr>
+            <p:spPr>
+              <a:blipFill>
+                <a:blip r:embed="rId3"/>
+                <a:stretch>
+                  <a:fillRect l="-1106"/>
+                </a:stretch>
+              </a:blipFill>
+            </p:spPr>
+            <p:txBody>
+              <a:bodyPr/>
+              <a:lstStyle/>
+              <a:p>
+                <a:r>
+                  <a:rPr lang="zh-TW" altLang="en-US">
+                    <a:noFill/>
+                  </a:rPr>
+                  <a:t> </a:t>
+                </a:r>
+              </a:p>
+            </p:txBody>
+          </p:sp>
+        </mc:Fallback>
+      </mc:AlternateContent>
+      <p:pic>
+        <p:nvPicPr>
+          <p:cNvPr id="5" name="圖片 4">
+            <a:extLst>
+              <a:ext uri="{FF2B5EF4-FFF2-40B4-BE49-F238E27FC236}">
+                <a16:creationId xmlns:a16="http://schemas.microsoft.com/office/drawing/2014/main" id="{BE29B5A1-B8F9-4E7E-B122-3F759714E1F0}"/>
+              </a:ext>
+            </a:extLst>
+          </p:cNvPr>
+          <p:cNvPicPr>
+            <a:picLocks noChangeAspect="1"/>
+          </p:cNvPicPr>
+          <p:nvPr/>
+        </p:nvPicPr>
+        <p:blipFill>
+          <a:blip r:embed="rId4">
+            <a:extLst>
+              <a:ext uri="{28A0092B-C50C-407E-A947-70E740481C1C}">
+                <a14:useLocalDpi xmlns:a14="http://schemas.microsoft.com/office/drawing/2010/main" val="0"/>
+              </a:ext>
+            </a:extLst>
+          </a:blip>
+          <a:stretch>
+            <a:fillRect/>
+          </a:stretch>
+        </p:blipFill>
+        <p:spPr>
+          <a:xfrm>
+            <a:off x="3034502" y="4435983"/>
+            <a:ext cx="3508187" cy="718400"/>
+          </a:xfrm>
+          <a:prstGeom prst="rect">
+            <a:avLst/>
+          </a:prstGeom>
+        </p:spPr>
+      </p:pic>
+      <p:pic>
+        <p:nvPicPr>
+          <p:cNvPr id="7" name="圖片 6">
+            <a:extLst>
+              <a:ext uri="{FF2B5EF4-FFF2-40B4-BE49-F238E27FC236}">
+                <a16:creationId xmlns:a16="http://schemas.microsoft.com/office/drawing/2014/main" id="{65F5DEE7-F295-4B8A-A1C9-E274483345A0}"/>
+              </a:ext>
+            </a:extLst>
+          </p:cNvPr>
+          <p:cNvPicPr>
+            <a:picLocks noChangeAspect="1"/>
+          </p:cNvPicPr>
+          <p:nvPr/>
+        </p:nvPicPr>
+        <p:blipFill>
+          <a:blip r:embed="rId5">
+            <a:extLst>
+              <a:ext uri="{28A0092B-C50C-407E-A947-70E740481C1C}">
+                <a14:useLocalDpi xmlns:a14="http://schemas.microsoft.com/office/drawing/2010/main" val="0"/>
+              </a:ext>
+            </a:extLst>
+          </a:blip>
+          <a:stretch>
+            <a:fillRect/>
+          </a:stretch>
+        </p:blipFill>
+        <p:spPr>
+          <a:xfrm>
+            <a:off x="1828800" y="5457825"/>
+            <a:ext cx="6792273" cy="600159"/>
+          </a:xfrm>
+          <a:prstGeom prst="rect">
+            <a:avLst/>
+          </a:prstGeom>
+        </p:spPr>
+      </p:pic>
+      <p:pic>
+        <p:nvPicPr>
+          <p:cNvPr id="9" name="圖片 8">
+            <a:extLst>
+              <a:ext uri="{FF2B5EF4-FFF2-40B4-BE49-F238E27FC236}">
+                <a16:creationId xmlns:a16="http://schemas.microsoft.com/office/drawing/2014/main" id="{93F5115C-A1B1-4639-A914-9BA06A708067}"/>
+              </a:ext>
+            </a:extLst>
+          </p:cNvPr>
+          <p:cNvPicPr>
+            <a:picLocks noChangeAspect="1"/>
+          </p:cNvPicPr>
+          <p:nvPr/>
+        </p:nvPicPr>
+        <p:blipFill>
+          <a:blip r:embed="rId6">
+            <a:extLst>
+              <a:ext uri="{28A0092B-C50C-407E-A947-70E740481C1C}">
+                <a14:useLocalDpi xmlns:a14="http://schemas.microsoft.com/office/drawing/2010/main" val="0"/>
+              </a:ext>
+            </a:extLst>
+          </a:blip>
+          <a:stretch>
+            <a:fillRect/>
+          </a:stretch>
+        </p:blipFill>
+        <p:spPr>
+          <a:xfrm>
+            <a:off x="2378433" y="2278769"/>
+            <a:ext cx="4820323" cy="895475"/>
+          </a:xfrm>
+          <a:prstGeom prst="rect">
+            <a:avLst/>
+          </a:prstGeom>
+        </p:spPr>
+      </p:pic>
+    </p:spTree>
+    <p:extLst>
+      <p:ext uri="{BB962C8B-B14F-4D97-AF65-F5344CB8AC3E}">
+        <p14:creationId xmlns:p14="http://schemas.microsoft.com/office/powerpoint/2010/main" val="303680485"/>
+      </p:ext>
+    </p:extLst>
+  </p:cSld>
+  <p:clrMapOvr>
+    <a:masterClrMapping/>
+  </p:clrMapOvr>
+</p:sld>
+</file>
+
+<file path=ppt/slides/slide11.xml><?xml version="1.0" encoding="utf-8"?>
+<p:sld xmlns:a="http://schemas.openxmlformats.org/drawingml/2006/main" xmlns:r="http://schemas.openxmlformats.org/officeDocument/2006/relationships" xmlns:p="http://schemas.openxmlformats.org/presentationml/2006/main">
+  <p:cSld>
+    <p:spTree>
+      <p:nvGrpSpPr>
+        <p:cNvPr id="1" name=""/>
+        <p:cNvGrpSpPr/>
+        <p:nvPr/>
+      </p:nvGrpSpPr>
+      <p:grpSpPr>
+        <a:xfrm>
+          <a:off x="0" y="0"/>
+          <a:ext cx="0" cy="0"/>
+          <a:chOff x="0" y="0"/>
+          <a:chExt cx="0" cy="0"/>
+        </a:xfrm>
+      </p:grpSpPr>
+      <p:sp>
+        <p:nvSpPr>
+          <p:cNvPr id="2" name="標題 1">
+            <a:extLst>
+              <a:ext uri="{FF2B5EF4-FFF2-40B4-BE49-F238E27FC236}">
+                <a16:creationId xmlns:a16="http://schemas.microsoft.com/office/drawing/2014/main" id="{0746ED08-3B3A-41FD-829E-2FE7D3803A71}"/>
+              </a:ext>
+            </a:extLst>
+          </p:cNvPr>
+          <p:cNvSpPr>
+            <a:spLocks noGrp="1"/>
+          </p:cNvSpPr>
+          <p:nvPr>
+            <p:ph type="title"/>
+          </p:nvPr>
+        </p:nvSpPr>
+        <p:spPr/>
+        <p:txBody>
+          <a:bodyPr/>
+          <a:lstStyle/>
+          <a:p>
+            <a:r>
+              <a:rPr lang="en-US" altLang="zh-TW" dirty="0"/>
+              <a:t>Communication Model</a:t>
+            </a:r>
+            <a:endParaRPr lang="zh-TW" altLang="en-US" dirty="0"/>
+          </a:p>
+        </p:txBody>
+      </p:sp>
+      <mc:AlternateContent xmlns:mc="http://schemas.openxmlformats.org/markup-compatibility/2006">
+        <mc:Choice xmlns:a14="http://schemas.microsoft.com/office/drawing/2010/main" Requires="a14">
+          <p:sp>
+            <p:nvSpPr>
+              <p:cNvPr id="3" name="內容版面配置區 2">
+                <a:extLst>
+                  <a:ext uri="{FF2B5EF4-FFF2-40B4-BE49-F238E27FC236}">
+                    <a16:creationId xmlns:a16="http://schemas.microsoft.com/office/drawing/2014/main" id="{15AC9E84-8534-45A1-9446-9A5DD3AD927E}"/>
+                  </a:ext>
+                </a:extLst>
+              </p:cNvPr>
+              <p:cNvSpPr>
+                <a:spLocks noGrp="1"/>
+              </p:cNvSpPr>
+              <p:nvPr>
+                <p:ph idx="1"/>
+              </p:nvPr>
+            </p:nvSpPr>
+            <p:spPr/>
+            <p:txBody>
+              <a:bodyPr/>
+              <a:lstStyle/>
+              <a:p>
+                <a:r>
+                  <a:rPr lang="en-US" altLang="zh-TW" dirty="0"/>
+                  <a:t>The received SNR of user u from LEO l is modeled as a random variable </a:t>
+                </a:r>
+                <a14:m>
+                  <m:oMath xmlns:m="http://schemas.openxmlformats.org/officeDocument/2006/math">
+                    <m:sSubSup>
+                      <m:sSubSupPr>
+                        <m:ctrlPr>
+                          <a:rPr lang="en-US" altLang="zh-TW" i="1" smtClean="0">
+                            <a:latin typeface="Cambria Math" panose="02040503050406030204" pitchFamily="18" charset="0"/>
+                          </a:rPr>
+                        </m:ctrlPr>
+                      </m:sSubSupPr>
+                      <m:e>
+                        <m:r>
+                          <a:rPr lang="en-US" altLang="zh-TW" b="0" i="1" smtClean="0">
+                            <a:latin typeface="Cambria Math" panose="02040503050406030204" pitchFamily="18" charset="0"/>
+                          </a:rPr>
+                          <m:t>h</m:t>
+                        </m:r>
+                      </m:e>
+                      <m:sub>
+                        <m:r>
+                          <a:rPr lang="en-US" altLang="zh-TW" b="0" i="1" smtClean="0">
+                            <a:latin typeface="Cambria Math" panose="02040503050406030204" pitchFamily="18" charset="0"/>
+                          </a:rPr>
+                          <m:t>𝑢</m:t>
+                        </m:r>
+                      </m:sub>
+                      <m:sup>
+                        <m:r>
+                          <a:rPr lang="en-US" altLang="zh-TW" b="0" i="1" smtClean="0">
+                            <a:latin typeface="Cambria Math" panose="02040503050406030204" pitchFamily="18" charset="0"/>
+                          </a:rPr>
+                          <m:t>𝑙</m:t>
+                        </m:r>
+                      </m:sup>
+                    </m:sSubSup>
+                  </m:oMath>
+                </a14:m>
+                <a:r>
+                  <a:rPr lang="en-US" altLang="zh-TW" dirty="0"/>
+                  <a:t>.</a:t>
+                </a:r>
+                <a:endParaRPr lang="zh-TW" altLang="en-US" dirty="0"/>
+              </a:p>
+            </p:txBody>
+          </p:sp>
+        </mc:Choice>
+        <mc:Fallback>
+          <p:sp>
+            <p:nvSpPr>
+              <p:cNvPr id="3" name="內容版面配置區 2">
+                <a:extLst>
+                  <a:ext uri="{FF2B5EF4-FFF2-40B4-BE49-F238E27FC236}">
+                    <a16:creationId xmlns:a16="http://schemas.microsoft.com/office/drawing/2014/main" id="{15AC9E84-8534-45A1-9446-9A5DD3AD927E}"/>
+                  </a:ext>
+                </a:extLst>
+              </p:cNvPr>
+              <p:cNvSpPr>
+                <a:spLocks noGrp="1" noRot="1" noChangeAspect="1" noMove="1" noResize="1" noEditPoints="1" noAdjustHandles="1" noChangeArrowheads="1" noChangeShapeType="1" noTextEdit="1"/>
+              </p:cNvSpPr>
+              <p:nvPr>
+                <p:ph idx="1"/>
+              </p:nvPr>
+            </p:nvSpPr>
+            <p:spPr>
+              <a:blipFill>
+                <a:blip r:embed="rId3"/>
+                <a:stretch>
+                  <a:fillRect l="-1106" t="-1056"/>
+                </a:stretch>
+              </a:blipFill>
+            </p:spPr>
+            <p:txBody>
+              <a:bodyPr/>
+              <a:lstStyle/>
+              <a:p>
+                <a:r>
+                  <a:rPr lang="zh-TW" altLang="en-US">
+                    <a:noFill/>
+                  </a:rPr>
+                  <a:t> </a:t>
+                </a:r>
+              </a:p>
+            </p:txBody>
+          </p:sp>
+        </mc:Fallback>
+      </mc:AlternateContent>
+      <p:pic>
+        <p:nvPicPr>
+          <p:cNvPr id="5" name="圖片 4">
+            <a:extLst>
+              <a:ext uri="{FF2B5EF4-FFF2-40B4-BE49-F238E27FC236}">
+                <a16:creationId xmlns:a16="http://schemas.microsoft.com/office/drawing/2014/main" id="{BF3A1D60-1255-4B47-A85C-9BF4A0FEE47E}"/>
+              </a:ext>
+            </a:extLst>
+          </p:cNvPr>
+          <p:cNvPicPr>
+            <a:picLocks noChangeAspect="1"/>
+          </p:cNvPicPr>
+          <p:nvPr/>
+        </p:nvPicPr>
+        <p:blipFill>
+          <a:blip r:embed="rId4">
+            <a:extLst>
+              <a:ext uri="{28A0092B-C50C-407E-A947-70E740481C1C}">
+                <a14:useLocalDpi xmlns:a14="http://schemas.microsoft.com/office/drawing/2010/main" val="0"/>
+              </a:ext>
+            </a:extLst>
+          </a:blip>
+          <a:stretch>
+            <a:fillRect/>
+          </a:stretch>
+        </p:blipFill>
+        <p:spPr>
+          <a:xfrm>
+            <a:off x="1699734" y="3066961"/>
+            <a:ext cx="6849431" cy="1276528"/>
+          </a:xfrm>
+          <a:prstGeom prst="rect">
+            <a:avLst/>
+          </a:prstGeom>
+        </p:spPr>
+      </p:pic>
+      <p:pic>
+        <p:nvPicPr>
+          <p:cNvPr id="7" name="圖片 6">
+            <a:extLst>
+              <a:ext uri="{FF2B5EF4-FFF2-40B4-BE49-F238E27FC236}">
+                <a16:creationId xmlns:a16="http://schemas.microsoft.com/office/drawing/2014/main" id="{779E0275-1A9C-4474-87C9-CC21D48646FA}"/>
+              </a:ext>
+            </a:extLst>
+          </p:cNvPr>
+          <p:cNvPicPr>
+            <a:picLocks noChangeAspect="1"/>
+          </p:cNvPicPr>
+          <p:nvPr/>
+        </p:nvPicPr>
+        <p:blipFill>
+          <a:blip r:embed="rId5">
+            <a:extLst>
+              <a:ext uri="{28A0092B-C50C-407E-A947-70E740481C1C}">
+                <a14:useLocalDpi xmlns:a14="http://schemas.microsoft.com/office/drawing/2010/main" val="0"/>
+              </a:ext>
+            </a:extLst>
+          </a:blip>
+          <a:stretch>
+            <a:fillRect/>
+          </a:stretch>
+        </p:blipFill>
+        <p:spPr>
+          <a:xfrm>
+            <a:off x="1699734" y="4762407"/>
+            <a:ext cx="4848902" cy="1333686"/>
+          </a:xfrm>
+          <a:prstGeom prst="rect">
+            <a:avLst/>
+          </a:prstGeom>
+        </p:spPr>
+      </p:pic>
+    </p:spTree>
+    <p:extLst>
+      <p:ext uri="{BB962C8B-B14F-4D97-AF65-F5344CB8AC3E}">
+        <p14:creationId xmlns:p14="http://schemas.microsoft.com/office/powerpoint/2010/main" val="960816539"/>
+      </p:ext>
+    </p:extLst>
+  </p:cSld>
+  <p:clrMapOvr>
+    <a:masterClrMapping/>
+  </p:clrMapOvr>
+</p:sld>
+</file>
+
+<file path=ppt/slides/slide12.xml><?xml version="1.0" encoding="utf-8"?>
+<p:sld xmlns:a="http://schemas.openxmlformats.org/drawingml/2006/main" xmlns:r="http://schemas.openxmlformats.org/officeDocument/2006/relationships" xmlns:p="http://schemas.openxmlformats.org/presentationml/2006/main">
+  <p:cSld>
+    <p:spTree>
+      <p:nvGrpSpPr>
+        <p:cNvPr id="1" name=""/>
+        <p:cNvGrpSpPr/>
+        <p:nvPr/>
+      </p:nvGrpSpPr>
+      <p:grpSpPr>
+        <a:xfrm>
+          <a:off x="0" y="0"/>
+          <a:ext cx="0" cy="0"/>
+          <a:chOff x="0" y="0"/>
+          <a:chExt cx="0" cy="0"/>
+        </a:xfrm>
+      </p:grpSpPr>
+      <p:sp>
+        <p:nvSpPr>
+          <p:cNvPr id="2" name="標題 1">
+            <a:extLst>
+              <a:ext uri="{FF2B5EF4-FFF2-40B4-BE49-F238E27FC236}">
+                <a16:creationId xmlns:a16="http://schemas.microsoft.com/office/drawing/2014/main" id="{F6AAC976-9991-421A-A76B-A4D0E55BA709}"/>
+              </a:ext>
+            </a:extLst>
+          </p:cNvPr>
+          <p:cNvSpPr>
+            <a:spLocks noGrp="1"/>
+          </p:cNvSpPr>
+          <p:nvPr>
+            <p:ph type="title"/>
+          </p:nvPr>
+        </p:nvSpPr>
+        <p:spPr/>
+        <p:txBody>
+          <a:bodyPr/>
+          <a:lstStyle/>
+          <a:p>
+            <a:r>
+              <a:rPr lang="en-US" altLang="zh-TW" dirty="0"/>
+              <a:t>Caching Model</a:t>
+            </a:r>
+            <a:endParaRPr lang="zh-TW" altLang="en-US" dirty="0"/>
+          </a:p>
+        </p:txBody>
+      </p:sp>
+      <mc:AlternateContent xmlns:mc="http://schemas.openxmlformats.org/markup-compatibility/2006">
+        <mc:Choice xmlns:a14="http://schemas.microsoft.com/office/drawing/2010/main" Requires="a14">
+          <p:sp>
+            <p:nvSpPr>
+              <p:cNvPr id="3" name="內容版面配置區 2">
+                <a:extLst>
+                  <a:ext uri="{FF2B5EF4-FFF2-40B4-BE49-F238E27FC236}">
+                    <a16:creationId xmlns:a16="http://schemas.microsoft.com/office/drawing/2014/main" id="{AD00E5EC-35B5-404D-BD98-70017C1E9125}"/>
+                  </a:ext>
+                </a:extLst>
+              </p:cNvPr>
+              <p:cNvSpPr>
+                <a:spLocks noGrp="1"/>
+              </p:cNvSpPr>
+              <p:nvPr>
+                <p:ph idx="1"/>
+              </p:nvPr>
+            </p:nvSpPr>
+            <p:spPr/>
+            <p:txBody>
+              <a:bodyPr/>
+              <a:lstStyle/>
+              <a:p>
+                <a:r>
+                  <a:rPr lang="en-US" altLang="zh-TW" dirty="0"/>
+                  <a:t>The average request rate for content </a:t>
+                </a:r>
+                <a:r>
+                  <a:rPr lang="en-US" altLang="zh-TW" dirty="0" err="1"/>
+                  <a:t>i</a:t>
+                </a:r>
+                <a:r>
+                  <a:rPr lang="en-US" altLang="zh-TW" dirty="0"/>
+                  <a:t> at time slot t can be expressed by</a:t>
+                </a:r>
+              </a:p>
+              <a:p>
+                <a:endParaRPr lang="en-US" altLang="zh-TW" dirty="0"/>
+              </a:p>
+              <a:p>
+                <a:endParaRPr lang="en-US" altLang="zh-TW" dirty="0"/>
+              </a:p>
+              <a:p>
+                <a:endParaRPr lang="en-US" altLang="zh-TW" dirty="0"/>
+              </a:p>
+              <a:p>
+                <a:r>
+                  <a:rPr lang="en-US" altLang="zh-TW" dirty="0"/>
+                  <a:t>We are not sure whether content </a:t>
+                </a:r>
+                <a:r>
+                  <a:rPr lang="en-US" altLang="zh-TW" dirty="0" err="1"/>
+                  <a:t>i</a:t>
+                </a:r>
+                <a:r>
+                  <a:rPr lang="en-US" altLang="zh-TW" dirty="0"/>
+                  <a:t> is cached in the system. Thus, whether or not content </a:t>
+                </a:r>
+                <a:r>
+                  <a:rPr lang="en-US" altLang="zh-TW" dirty="0" err="1"/>
+                  <a:t>i</a:t>
+                </a:r>
+                <a:r>
+                  <a:rPr lang="en-US" altLang="zh-TW" dirty="0"/>
+                  <a:t> is cached in the system can be modeled as a random variable </a:t>
+                </a:r>
+                <a14:m>
+                  <m:oMath xmlns:m="http://schemas.openxmlformats.org/officeDocument/2006/math">
+                    <m:sSub>
+                      <m:sSubPr>
+                        <m:ctrlPr>
+                          <a:rPr lang="en-US" altLang="zh-TW" i="1" dirty="0" smtClean="0">
+                            <a:latin typeface="Cambria Math" panose="02040503050406030204" pitchFamily="18" charset="0"/>
+                          </a:rPr>
+                        </m:ctrlPr>
+                      </m:sSubPr>
+                      <m:e>
+                        <m:r>
+                          <m:rPr>
+                            <m:nor/>
+                          </m:rPr>
+                          <a:rPr lang="en-US" altLang="zh-TW" dirty="0"/>
+                          <m:t>ς</m:t>
+                        </m:r>
+                        <m:r>
+                          <m:rPr>
+                            <m:nor/>
+                          </m:rPr>
+                          <a:rPr lang="en-US" altLang="zh-TW" dirty="0"/>
+                          <m:t> </m:t>
+                        </m:r>
+                      </m:e>
+                      <m:sub>
+                        <m:r>
+                          <a:rPr lang="en-US" altLang="zh-TW" b="0" i="1" dirty="0" smtClean="0">
+                            <a:latin typeface="Cambria Math" panose="02040503050406030204" pitchFamily="18" charset="0"/>
+                          </a:rPr>
+                          <m:t>𝑖</m:t>
+                        </m:r>
+                      </m:sub>
+                    </m:sSub>
+                  </m:oMath>
+                </a14:m>
+                <a:endParaRPr lang="en-US" altLang="zh-TW" dirty="0"/>
+              </a:p>
+              <a:p>
+                <a:endParaRPr lang="en-US" altLang="zh-TW" dirty="0"/>
+              </a:p>
+              <a:p>
+                <a:endParaRPr lang="zh-TW" altLang="en-US" dirty="0"/>
+              </a:p>
+            </p:txBody>
+          </p:sp>
+        </mc:Choice>
+        <mc:Fallback>
+          <p:sp>
+            <p:nvSpPr>
+              <p:cNvPr id="3" name="內容版面配置區 2">
+                <a:extLst>
+                  <a:ext uri="{FF2B5EF4-FFF2-40B4-BE49-F238E27FC236}">
+                    <a16:creationId xmlns:a16="http://schemas.microsoft.com/office/drawing/2014/main" id="{AD00E5EC-35B5-404D-BD98-70017C1E9125}"/>
+                  </a:ext>
+                </a:extLst>
+              </p:cNvPr>
+              <p:cNvSpPr>
+                <a:spLocks noGrp="1" noRot="1" noChangeAspect="1" noMove="1" noResize="1" noEditPoints="1" noAdjustHandles="1" noChangeArrowheads="1" noChangeShapeType="1" noTextEdit="1"/>
+              </p:cNvSpPr>
+              <p:nvPr>
+                <p:ph idx="1"/>
+              </p:nvPr>
+            </p:nvSpPr>
+            <p:spPr>
+              <a:blipFill>
+                <a:blip r:embed="rId3"/>
+                <a:stretch>
+                  <a:fillRect l="-1106" t="-1056"/>
+                </a:stretch>
+              </a:blipFill>
+            </p:spPr>
+            <p:txBody>
+              <a:bodyPr/>
+              <a:lstStyle/>
+              <a:p>
+                <a:r>
+                  <a:rPr lang="zh-TW" altLang="en-US">
+                    <a:noFill/>
+                  </a:rPr>
+                  <a:t> </a:t>
+                </a:r>
+              </a:p>
+            </p:txBody>
+          </p:sp>
+        </mc:Fallback>
+      </mc:AlternateContent>
+      <p:pic>
+        <p:nvPicPr>
+          <p:cNvPr id="5" name="圖片 4">
+            <a:extLst>
+              <a:ext uri="{FF2B5EF4-FFF2-40B4-BE49-F238E27FC236}">
+                <a16:creationId xmlns:a16="http://schemas.microsoft.com/office/drawing/2014/main" id="{8B3FD7ED-CC8B-497F-85E6-0490393F213B}"/>
+              </a:ext>
+            </a:extLst>
+          </p:cNvPr>
+          <p:cNvPicPr>
+            <a:picLocks noChangeAspect="1"/>
+          </p:cNvPicPr>
+          <p:nvPr/>
+        </p:nvPicPr>
+        <p:blipFill>
+          <a:blip r:embed="rId4">
+            <a:extLst>
+              <a:ext uri="{28A0092B-C50C-407E-A947-70E740481C1C}">
+                <a14:useLocalDpi xmlns:a14="http://schemas.microsoft.com/office/drawing/2010/main" val="0"/>
+              </a:ext>
+            </a:extLst>
+          </a:blip>
+          <a:stretch>
+            <a:fillRect/>
+          </a:stretch>
+        </p:blipFill>
+        <p:spPr>
+          <a:xfrm>
+            <a:off x="3719393" y="3005078"/>
+            <a:ext cx="1705213" cy="847843"/>
+          </a:xfrm>
+          <a:prstGeom prst="rect">
+            <a:avLst/>
+          </a:prstGeom>
+        </p:spPr>
+      </p:pic>
+    </p:spTree>
+    <p:extLst>
+      <p:ext uri="{BB962C8B-B14F-4D97-AF65-F5344CB8AC3E}">
+        <p14:creationId xmlns:p14="http://schemas.microsoft.com/office/powerpoint/2010/main" val="3393237386"/>
+      </p:ext>
+    </p:extLst>
+  </p:cSld>
+  <p:clrMapOvr>
+    <a:masterClrMapping/>
+  </p:clrMapOvr>
+</p:sld>
+</file>
+
+<file path=ppt/slides/slide13.xml><?xml version="1.0" encoding="utf-8"?>
+<p:sld xmlns:a="http://schemas.openxmlformats.org/drawingml/2006/main" xmlns:r="http://schemas.openxmlformats.org/officeDocument/2006/relationships" xmlns:p="http://schemas.openxmlformats.org/presentationml/2006/main">
+  <p:cSld>
+    <p:spTree>
+      <p:nvGrpSpPr>
+        <p:cNvPr id="1" name=""/>
+        <p:cNvGrpSpPr/>
+        <p:nvPr/>
+      </p:nvGrpSpPr>
+      <p:grpSpPr>
+        <a:xfrm>
+          <a:off x="0" y="0"/>
+          <a:ext cx="0" cy="0"/>
+          <a:chOff x="0" y="0"/>
+          <a:chExt cx="0" cy="0"/>
+        </a:xfrm>
+      </p:grpSpPr>
+      <p:sp>
+        <p:nvSpPr>
+          <p:cNvPr id="2" name="標題 1">
+            <a:extLst>
+              <a:ext uri="{FF2B5EF4-FFF2-40B4-BE49-F238E27FC236}">
+                <a16:creationId xmlns:a16="http://schemas.microsoft.com/office/drawing/2014/main" id="{7A105DA8-A652-49D2-B3DA-E3C6DA43BE51}"/>
+              </a:ext>
+            </a:extLst>
+          </p:cNvPr>
+          <p:cNvSpPr>
+            <a:spLocks noGrp="1"/>
+          </p:cNvSpPr>
+          <p:nvPr>
+            <p:ph type="title"/>
+          </p:nvPr>
+        </p:nvSpPr>
+        <p:spPr/>
+        <p:txBody>
+          <a:bodyPr/>
+          <a:lstStyle/>
+          <a:p>
+            <a:endParaRPr lang="zh-TW" altLang="en-US"/>
+          </a:p>
+        </p:txBody>
+      </p:sp>
+      <p:sp>
+        <p:nvSpPr>
+          <p:cNvPr id="3" name="內容版面配置區 2">
+            <a:extLst>
+              <a:ext uri="{FF2B5EF4-FFF2-40B4-BE49-F238E27FC236}">
+                <a16:creationId xmlns:a16="http://schemas.microsoft.com/office/drawing/2014/main" id="{6D88B7E5-BD84-4892-8D87-2E0485AE0324}"/>
+              </a:ext>
+            </a:extLst>
+          </p:cNvPr>
+          <p:cNvSpPr>
+            <a:spLocks noGrp="1"/>
+          </p:cNvSpPr>
+          <p:nvPr>
+            <p:ph idx="1"/>
+          </p:nvPr>
+        </p:nvSpPr>
+        <p:spPr/>
+        <p:txBody>
+          <a:bodyPr/>
+          <a:lstStyle/>
+          <a:p>
+            <a:r>
+              <a:rPr lang="en-US" altLang="zh-TW" dirty="0"/>
+              <a:t>There are two states: if content </a:t>
+            </a:r>
+            <a:r>
+              <a:rPr lang="en-US" altLang="zh-TW" dirty="0" err="1"/>
+              <a:t>i</a:t>
+            </a:r>
+            <a:r>
+              <a:rPr lang="en-US" altLang="zh-TW" dirty="0"/>
+              <a:t> is not cached, state 0; if content </a:t>
+            </a:r>
+            <a:r>
+              <a:rPr lang="en-US" altLang="zh-TW" dirty="0" err="1"/>
+              <a:t>i</a:t>
+            </a:r>
+            <a:r>
+              <a:rPr lang="en-US" altLang="zh-TW" dirty="0"/>
+              <a:t> is cached, state 1.</a:t>
+            </a:r>
+          </a:p>
+        </p:txBody>
+      </p:sp>
+      <p:pic>
+        <p:nvPicPr>
+          <p:cNvPr id="5" name="圖片 4">
+            <a:extLst>
+              <a:ext uri="{FF2B5EF4-FFF2-40B4-BE49-F238E27FC236}">
+                <a16:creationId xmlns:a16="http://schemas.microsoft.com/office/drawing/2014/main" id="{23D67F45-8912-41E7-992F-7456F42238A0}"/>
+              </a:ext>
+            </a:extLst>
+          </p:cNvPr>
+          <p:cNvPicPr>
+            <a:picLocks noChangeAspect="1"/>
+          </p:cNvPicPr>
+          <p:nvPr/>
+        </p:nvPicPr>
+        <p:blipFill>
+          <a:blip r:embed="rId2">
+            <a:extLst>
+              <a:ext uri="{28A0092B-C50C-407E-A947-70E740481C1C}">
+                <a14:useLocalDpi xmlns:a14="http://schemas.microsoft.com/office/drawing/2010/main" val="0"/>
+              </a:ext>
+            </a:extLst>
+          </a:blip>
+          <a:stretch>
+            <a:fillRect/>
+          </a:stretch>
+        </p:blipFill>
+        <p:spPr>
+          <a:xfrm>
+            <a:off x="1828800" y="3773779"/>
+            <a:ext cx="6954220" cy="1362265"/>
+          </a:xfrm>
+          <a:prstGeom prst="rect">
+            <a:avLst/>
+          </a:prstGeom>
+        </p:spPr>
+      </p:pic>
+    </p:spTree>
+    <p:extLst>
+      <p:ext uri="{BB962C8B-B14F-4D97-AF65-F5344CB8AC3E}">
+        <p14:creationId xmlns:p14="http://schemas.microsoft.com/office/powerpoint/2010/main" val="4208090176"/>
+      </p:ext>
+    </p:extLst>
+  </p:cSld>
+  <p:clrMapOvr>
+    <a:masterClrMapping/>
+  </p:clrMapOvr>
+</p:sld>
+</file>
+
+<file path=ppt/slides/slide14.xml><?xml version="1.0" encoding="utf-8"?>
+<p:sld xmlns:a="http://schemas.openxmlformats.org/drawingml/2006/main" xmlns:r="http://schemas.openxmlformats.org/officeDocument/2006/relationships" xmlns:p="http://schemas.openxmlformats.org/presentationml/2006/main">
+  <p:cSld>
+    <p:spTree>
+      <p:nvGrpSpPr>
+        <p:cNvPr id="1" name=""/>
+        <p:cNvGrpSpPr/>
+        <p:nvPr/>
+      </p:nvGrpSpPr>
+      <p:grpSpPr>
+        <a:xfrm>
+          <a:off x="0" y="0"/>
+          <a:ext cx="0" cy="0"/>
+          <a:chOff x="0" y="0"/>
+          <a:chExt cx="0" cy="0"/>
+        </a:xfrm>
+      </p:grpSpPr>
+      <p:sp>
+        <p:nvSpPr>
+          <p:cNvPr id="2" name="標題 1">
+            <a:extLst>
+              <a:ext uri="{FF2B5EF4-FFF2-40B4-BE49-F238E27FC236}">
+                <a16:creationId xmlns:a16="http://schemas.microsoft.com/office/drawing/2014/main" id="{707930DE-8FB7-4F36-8D17-520EDA507739}"/>
+              </a:ext>
+            </a:extLst>
+          </p:cNvPr>
+          <p:cNvSpPr>
+            <a:spLocks noGrp="1"/>
+          </p:cNvSpPr>
+          <p:nvPr>
+            <p:ph type="title"/>
+          </p:nvPr>
+        </p:nvSpPr>
+        <p:spPr>
+          <a:xfrm>
+            <a:off x="1828800" y="407716"/>
+            <a:ext cx="7315200" cy="581025"/>
+          </a:xfrm>
+        </p:spPr>
+        <p:txBody>
+          <a:bodyPr/>
+          <a:lstStyle/>
+          <a:p>
+            <a:r>
+              <a:rPr lang="en-US" altLang="zh-TW" dirty="0"/>
+              <a:t>Computing Model</a:t>
+            </a:r>
+            <a:endParaRPr lang="zh-TW" altLang="en-US" dirty="0"/>
+          </a:p>
+        </p:txBody>
+      </p:sp>
+      <mc:AlternateContent xmlns:mc="http://schemas.openxmlformats.org/markup-compatibility/2006">
+        <mc:Choice xmlns:a14="http://schemas.microsoft.com/office/drawing/2010/main" Requires="a14">
+          <p:sp>
+            <p:nvSpPr>
+              <p:cNvPr id="3" name="內容版面配置區 2">
+                <a:extLst>
+                  <a:ext uri="{FF2B5EF4-FFF2-40B4-BE49-F238E27FC236}">
+                    <a16:creationId xmlns:a16="http://schemas.microsoft.com/office/drawing/2014/main" id="{A02B073F-1BB2-4C85-89FD-6148F83E172A}"/>
+                  </a:ext>
+                </a:extLst>
+              </p:cNvPr>
+              <p:cNvSpPr>
+                <a:spLocks noGrp="1"/>
+              </p:cNvSpPr>
+              <p:nvPr>
+                <p:ph idx="1"/>
+              </p:nvPr>
+            </p:nvSpPr>
+            <p:spPr>
+              <a:xfrm>
+                <a:off x="1828800" y="1141140"/>
+                <a:ext cx="7162800" cy="5716859"/>
+              </a:xfrm>
+            </p:spPr>
+            <p:txBody>
+              <a:bodyPr/>
+              <a:lstStyle/>
+              <a:p>
+                <a:r>
+                  <a:rPr lang="en-US" altLang="zh-TW" dirty="0"/>
+                  <a:t>There is a computation task Tu = {</a:t>
+                </a:r>
+                <a14:m>
+                  <m:oMath xmlns:m="http://schemas.openxmlformats.org/officeDocument/2006/math">
+                    <m:sSub>
+                      <m:sSubPr>
+                        <m:ctrlPr>
+                          <a:rPr lang="en-US" altLang="zh-TW" i="1" smtClean="0">
+                            <a:latin typeface="Cambria Math" panose="02040503050406030204" pitchFamily="18" charset="0"/>
+                          </a:rPr>
+                        </m:ctrlPr>
+                      </m:sSubPr>
+                      <m:e>
+                        <m:r>
+                          <a:rPr lang="en-US" altLang="zh-TW" b="0" i="1" smtClean="0">
+                            <a:latin typeface="Cambria Math" panose="02040503050406030204" pitchFamily="18" charset="0"/>
+                          </a:rPr>
+                          <m:t>𝑜</m:t>
+                        </m:r>
+                      </m:e>
+                      <m:sub>
+                        <m:r>
+                          <a:rPr lang="en-US" altLang="zh-TW" b="0" i="1" smtClean="0">
+                            <a:latin typeface="Cambria Math" panose="02040503050406030204" pitchFamily="18" charset="0"/>
+                          </a:rPr>
+                          <m:t>𝑢</m:t>
+                        </m:r>
+                      </m:sub>
+                    </m:sSub>
+                  </m:oMath>
+                </a14:m>
+                <a:r>
+                  <a:rPr lang="en-US" altLang="zh-TW" dirty="0"/>
+                  <a:t>, </a:t>
+                </a:r>
+                <a14:m>
+                  <m:oMath xmlns:m="http://schemas.openxmlformats.org/officeDocument/2006/math">
+                    <m:sSub>
+                      <m:sSubPr>
+                        <m:ctrlPr>
+                          <a:rPr lang="en-US" altLang="zh-TW" i="1">
+                            <a:latin typeface="Cambria Math" panose="02040503050406030204" pitchFamily="18" charset="0"/>
+                          </a:rPr>
+                        </m:ctrlPr>
+                      </m:sSubPr>
+                      <m:e>
+                        <m:r>
+                          <a:rPr lang="en-US" altLang="zh-TW" b="0" i="1" smtClean="0">
+                            <a:latin typeface="Cambria Math" panose="02040503050406030204" pitchFamily="18" charset="0"/>
+                          </a:rPr>
+                          <m:t>𝑛</m:t>
+                        </m:r>
+                      </m:e>
+                      <m:sub>
+                        <m:r>
+                          <a:rPr lang="en-US" altLang="zh-TW" i="1">
+                            <a:latin typeface="Cambria Math" panose="02040503050406030204" pitchFamily="18" charset="0"/>
+                          </a:rPr>
+                          <m:t>𝑢</m:t>
+                        </m:r>
+                      </m:sub>
+                    </m:sSub>
+                  </m:oMath>
+                </a14:m>
+                <a:r>
+                  <a:rPr lang="en-US" altLang="zh-TW" dirty="0"/>
+                  <a:t>} from user u, where </a:t>
+                </a:r>
+                <a14:m>
+                  <m:oMath xmlns:m="http://schemas.openxmlformats.org/officeDocument/2006/math">
+                    <m:sSub>
+                      <m:sSubPr>
+                        <m:ctrlPr>
+                          <a:rPr lang="en-US" altLang="zh-TW" i="1">
+                            <a:latin typeface="Cambria Math" panose="02040503050406030204" pitchFamily="18" charset="0"/>
+                          </a:rPr>
+                        </m:ctrlPr>
+                      </m:sSubPr>
+                      <m:e>
+                        <m:r>
+                          <a:rPr lang="en-US" altLang="zh-TW" i="1">
+                            <a:latin typeface="Cambria Math" panose="02040503050406030204" pitchFamily="18" charset="0"/>
+                          </a:rPr>
+                          <m:t>𝑜</m:t>
+                        </m:r>
+                      </m:e>
+                      <m:sub>
+                        <m:r>
+                          <a:rPr lang="en-US" altLang="zh-TW" i="1">
+                            <a:latin typeface="Cambria Math" panose="02040503050406030204" pitchFamily="18" charset="0"/>
+                          </a:rPr>
+                          <m:t>𝑢</m:t>
+                        </m:r>
+                      </m:sub>
+                    </m:sSub>
+                  </m:oMath>
+                </a14:m>
+                <a:r>
+                  <a:rPr lang="en-US" altLang="zh-TW" dirty="0"/>
+                  <a:t> means the size of the content, and </a:t>
+                </a:r>
+                <a14:m>
+                  <m:oMath xmlns:m="http://schemas.openxmlformats.org/officeDocument/2006/math">
+                    <m:sSub>
+                      <m:sSubPr>
+                        <m:ctrlPr>
+                          <a:rPr lang="en-US" altLang="zh-TW" i="1">
+                            <a:latin typeface="Cambria Math" panose="02040503050406030204" pitchFamily="18" charset="0"/>
+                          </a:rPr>
+                        </m:ctrlPr>
+                      </m:sSubPr>
+                      <m:e>
+                        <m:r>
+                          <a:rPr lang="en-US" altLang="zh-TW" i="1">
+                            <a:latin typeface="Cambria Math" panose="02040503050406030204" pitchFamily="18" charset="0"/>
+                          </a:rPr>
+                          <m:t>𝑛</m:t>
+                        </m:r>
+                      </m:e>
+                      <m:sub>
+                        <m:r>
+                          <a:rPr lang="en-US" altLang="zh-TW" i="1">
+                            <a:latin typeface="Cambria Math" panose="02040503050406030204" pitchFamily="18" charset="0"/>
+                          </a:rPr>
+                          <m:t>𝑢</m:t>
+                        </m:r>
+                      </m:sub>
+                    </m:sSub>
+                  </m:oMath>
+                </a14:m>
+                <a:r>
+                  <a:rPr lang="en-US" altLang="zh-TW" dirty="0"/>
+                  <a:t> means the required number of CPU cycles to complete this task. </a:t>
+                </a:r>
+              </a:p>
+              <a:p>
+                <a:endParaRPr lang="en-US" altLang="zh-TW" dirty="0"/>
+              </a:p>
+              <a:p>
+                <a:endParaRPr lang="en-US" altLang="zh-TW" dirty="0"/>
+              </a:p>
+              <a:p>
+                <a:endParaRPr lang="en-US" altLang="zh-TW" dirty="0"/>
+              </a:p>
+              <a:p>
+                <a:endParaRPr lang="en-US" altLang="zh-TW" dirty="0"/>
+              </a:p>
+              <a:p>
+                <a:pPr marL="0" indent="0">
+                  <a:buNone/>
+                </a:pPr>
+                <a:r>
+                  <a:rPr lang="en-US" altLang="zh-TW" dirty="0"/>
+                  <a:t>The computation execution time of task </a:t>
+                </a:r>
+                <a14:m>
+                  <m:oMath xmlns:m="http://schemas.openxmlformats.org/officeDocument/2006/math">
+                    <m:sSub>
+                      <m:sSubPr>
+                        <m:ctrlPr>
+                          <a:rPr lang="en-US" altLang="zh-TW" i="1">
+                            <a:latin typeface="Cambria Math" panose="02040503050406030204" pitchFamily="18" charset="0"/>
+                          </a:rPr>
+                        </m:ctrlPr>
+                      </m:sSubPr>
+                      <m:e>
+                        <m:r>
+                          <a:rPr lang="en-US" altLang="zh-TW" b="0" i="1" smtClean="0">
+                            <a:latin typeface="Cambria Math" panose="02040503050406030204" pitchFamily="18" charset="0"/>
+                          </a:rPr>
+                          <m:t>𝑇</m:t>
+                        </m:r>
+                      </m:e>
+                      <m:sub>
+                        <m:r>
+                          <a:rPr lang="en-US" altLang="zh-TW" i="1">
+                            <a:latin typeface="Cambria Math" panose="02040503050406030204" pitchFamily="18" charset="0"/>
+                          </a:rPr>
+                          <m:t>𝑢</m:t>
+                        </m:r>
+                      </m:sub>
+                    </m:sSub>
+                    <m:r>
+                      <a:rPr lang="en-US" altLang="zh-TW" i="1">
+                        <a:latin typeface="Cambria Math" panose="02040503050406030204" pitchFamily="18" charset="0"/>
+                      </a:rPr>
+                      <m:t> </m:t>
+                    </m:r>
+                  </m:oMath>
+                </a14:m>
+                <a:r>
+                  <a:rPr lang="en-US" altLang="zh-TW" dirty="0"/>
+                  <a:t>at MEC server m can be denoted as</a:t>
+                </a:r>
+                <a:endParaRPr lang="zh-TW" altLang="en-US" dirty="0"/>
+              </a:p>
+            </p:txBody>
+          </p:sp>
+        </mc:Choice>
+        <mc:Fallback>
+          <p:sp>
+            <p:nvSpPr>
+              <p:cNvPr id="3" name="內容版面配置區 2">
+                <a:extLst>
+                  <a:ext uri="{FF2B5EF4-FFF2-40B4-BE49-F238E27FC236}">
+                    <a16:creationId xmlns:a16="http://schemas.microsoft.com/office/drawing/2014/main" id="{A02B073F-1BB2-4C85-89FD-6148F83E172A}"/>
+                  </a:ext>
+                </a:extLst>
+              </p:cNvPr>
+              <p:cNvSpPr>
+                <a:spLocks noGrp="1" noRot="1" noChangeAspect="1" noMove="1" noResize="1" noEditPoints="1" noAdjustHandles="1" noChangeArrowheads="1" noChangeShapeType="1" noTextEdit="1"/>
+              </p:cNvSpPr>
+              <p:nvPr>
+                <p:ph idx="1"/>
+              </p:nvPr>
+            </p:nvSpPr>
+            <p:spPr>
+              <a:xfrm>
+                <a:off x="1828800" y="1141140"/>
+                <a:ext cx="7162800" cy="5716859"/>
+              </a:xfrm>
+              <a:blipFill>
+                <a:blip r:embed="rId3"/>
+                <a:stretch>
+                  <a:fillRect l="-1277" t="-746"/>
+                </a:stretch>
+              </a:blipFill>
+            </p:spPr>
+            <p:txBody>
+              <a:bodyPr/>
+              <a:lstStyle/>
+              <a:p>
+                <a:r>
+                  <a:rPr lang="zh-TW" altLang="en-US">
+                    <a:noFill/>
+                  </a:rPr>
+                  <a:t> </a:t>
+                </a:r>
+              </a:p>
+            </p:txBody>
+          </p:sp>
+        </mc:Fallback>
+      </mc:AlternateContent>
+      <p:pic>
+        <p:nvPicPr>
+          <p:cNvPr id="5" name="圖片 4">
+            <a:extLst>
+              <a:ext uri="{FF2B5EF4-FFF2-40B4-BE49-F238E27FC236}">
+                <a16:creationId xmlns:a16="http://schemas.microsoft.com/office/drawing/2014/main" id="{2FA77D47-2268-4F3B-9CF6-7C463480CED3}"/>
+              </a:ext>
+            </a:extLst>
+          </p:cNvPr>
+          <p:cNvPicPr>
+            <a:picLocks noChangeAspect="1"/>
+          </p:cNvPicPr>
+          <p:nvPr/>
+        </p:nvPicPr>
+        <p:blipFill>
+          <a:blip r:embed="rId4">
+            <a:extLst>
+              <a:ext uri="{28A0092B-C50C-407E-A947-70E740481C1C}">
+                <a14:useLocalDpi xmlns:a14="http://schemas.microsoft.com/office/drawing/2010/main" val="0"/>
+              </a:ext>
+            </a:extLst>
+          </a:blip>
+          <a:stretch>
+            <a:fillRect/>
+          </a:stretch>
+        </p:blipFill>
+        <p:spPr>
+          <a:xfrm>
+            <a:off x="1572655" y="2809788"/>
+            <a:ext cx="6868484" cy="1238423"/>
+          </a:xfrm>
+          <a:prstGeom prst="rect">
+            <a:avLst/>
+          </a:prstGeom>
+        </p:spPr>
+      </p:pic>
+      <p:pic>
+        <p:nvPicPr>
+          <p:cNvPr id="7" name="圖片 6">
+            <a:extLst>
+              <a:ext uri="{FF2B5EF4-FFF2-40B4-BE49-F238E27FC236}">
+                <a16:creationId xmlns:a16="http://schemas.microsoft.com/office/drawing/2014/main" id="{E205E346-9AC8-40E3-82C6-C03FF42D1C38}"/>
+              </a:ext>
+            </a:extLst>
+          </p:cNvPr>
+          <p:cNvPicPr>
+            <a:picLocks noChangeAspect="1"/>
+          </p:cNvPicPr>
+          <p:nvPr/>
+        </p:nvPicPr>
+        <p:blipFill>
+          <a:blip r:embed="rId5">
+            <a:extLst>
+              <a:ext uri="{28A0092B-C50C-407E-A947-70E740481C1C}">
+                <a14:useLocalDpi xmlns:a14="http://schemas.microsoft.com/office/drawing/2010/main" val="0"/>
+              </a:ext>
+            </a:extLst>
+          </a:blip>
+          <a:stretch>
+            <a:fillRect/>
+          </a:stretch>
+        </p:blipFill>
+        <p:spPr>
+          <a:xfrm>
+            <a:off x="3490761" y="5464389"/>
+            <a:ext cx="2162477" cy="809738"/>
+          </a:xfrm>
+          <a:prstGeom prst="rect">
+            <a:avLst/>
+          </a:prstGeom>
+        </p:spPr>
+      </p:pic>
+    </p:spTree>
+    <p:extLst>
+      <p:ext uri="{BB962C8B-B14F-4D97-AF65-F5344CB8AC3E}">
+        <p14:creationId xmlns:p14="http://schemas.microsoft.com/office/powerpoint/2010/main" val="878943416"/>
+      </p:ext>
+    </p:extLst>
+  </p:cSld>
+  <p:clrMapOvr>
+    <a:masterClrMapping/>
+  </p:clrMapOvr>
+</p:sld>
+</file>
+
+<file path=ppt/slides/slide15.xml><?xml version="1.0" encoding="utf-8"?>
+<p:sld xmlns:a="http://schemas.openxmlformats.org/drawingml/2006/main" xmlns:r="http://schemas.openxmlformats.org/officeDocument/2006/relationships" xmlns:p="http://schemas.openxmlformats.org/presentationml/2006/main">
+  <p:cSld>
+    <p:spTree>
+      <p:nvGrpSpPr>
+        <p:cNvPr id="1" name=""/>
+        <p:cNvGrpSpPr/>
+        <p:nvPr/>
+      </p:nvGrpSpPr>
+      <p:grpSpPr>
+        <a:xfrm>
+          <a:off x="0" y="0"/>
+          <a:ext cx="0" cy="0"/>
+          <a:chOff x="0" y="0"/>
+          <a:chExt cx="0" cy="0"/>
+        </a:xfrm>
+      </p:grpSpPr>
+      <p:sp>
+        <p:nvSpPr>
+          <p:cNvPr id="2" name="標題 1">
+            <a:extLst>
+              <a:ext uri="{FF2B5EF4-FFF2-40B4-BE49-F238E27FC236}">
+                <a16:creationId xmlns:a16="http://schemas.microsoft.com/office/drawing/2014/main" id="{9A5344B0-EDCC-46E4-B59E-0A694E7BAB96}"/>
+              </a:ext>
+            </a:extLst>
+          </p:cNvPr>
+          <p:cNvSpPr>
+            <a:spLocks noGrp="1"/>
+          </p:cNvSpPr>
+          <p:nvPr>
+            <p:ph type="title"/>
+          </p:nvPr>
+        </p:nvSpPr>
+        <p:spPr/>
+        <p:txBody>
+          <a:bodyPr/>
+          <a:lstStyle/>
+          <a:p>
+            <a:endParaRPr lang="zh-TW" altLang="en-US" dirty="0"/>
+          </a:p>
+        </p:txBody>
+      </p:sp>
+      <p:sp>
+        <p:nvSpPr>
+          <p:cNvPr id="3" name="內容版面配置區 2">
+            <a:extLst>
+              <a:ext uri="{FF2B5EF4-FFF2-40B4-BE49-F238E27FC236}">
+                <a16:creationId xmlns:a16="http://schemas.microsoft.com/office/drawing/2014/main" id="{D737959E-F9AF-431F-8678-341ECD830260}"/>
+              </a:ext>
+            </a:extLst>
+          </p:cNvPr>
+          <p:cNvSpPr>
+            <a:spLocks noGrp="1"/>
+          </p:cNvSpPr>
+          <p:nvPr>
+            <p:ph idx="1"/>
+          </p:nvPr>
+        </p:nvSpPr>
+        <p:spPr>
+          <a:xfrm>
+            <a:off x="1828800" y="2167054"/>
+            <a:ext cx="7162800" cy="4038600"/>
+          </a:xfrm>
+        </p:spPr>
+        <p:txBody>
+          <a:bodyPr/>
+          <a:lstStyle/>
+          <a:p>
+            <a:r>
+              <a:rPr lang="en-US" altLang="zh-TW" dirty="0"/>
+              <a:t>So the computation rate is:</a:t>
+            </a:r>
+          </a:p>
+          <a:p>
+            <a:endParaRPr lang="zh-TW" altLang="en-US" dirty="0"/>
+          </a:p>
+        </p:txBody>
+      </p:sp>
+      <p:pic>
+        <p:nvPicPr>
+          <p:cNvPr id="7" name="圖片 6">
+            <a:extLst>
+              <a:ext uri="{FF2B5EF4-FFF2-40B4-BE49-F238E27FC236}">
+                <a16:creationId xmlns:a16="http://schemas.microsoft.com/office/drawing/2014/main" id="{4B080DEE-5A7C-40B0-963B-70431752C4B7}"/>
+              </a:ext>
+            </a:extLst>
+          </p:cNvPr>
+          <p:cNvPicPr>
+            <a:picLocks noChangeAspect="1"/>
+          </p:cNvPicPr>
+          <p:nvPr/>
+        </p:nvPicPr>
+        <p:blipFill>
+          <a:blip r:embed="rId3">
+            <a:extLst>
+              <a:ext uri="{28A0092B-C50C-407E-A947-70E740481C1C}">
+                <a14:useLocalDpi xmlns:a14="http://schemas.microsoft.com/office/drawing/2010/main" val="0"/>
+              </a:ext>
+            </a:extLst>
+          </a:blip>
+          <a:stretch>
+            <a:fillRect/>
+          </a:stretch>
+        </p:blipFill>
+        <p:spPr>
+          <a:xfrm>
+            <a:off x="2228140" y="2770616"/>
+            <a:ext cx="5087060" cy="1629002"/>
+          </a:xfrm>
+          <a:prstGeom prst="rect">
+            <a:avLst/>
+          </a:prstGeom>
+        </p:spPr>
+      </p:pic>
+    </p:spTree>
+    <p:extLst>
+      <p:ext uri="{BB962C8B-B14F-4D97-AF65-F5344CB8AC3E}">
+        <p14:creationId xmlns:p14="http://schemas.microsoft.com/office/powerpoint/2010/main" val="3188516688"/>
+      </p:ext>
+    </p:extLst>
+  </p:cSld>
+  <p:clrMapOvr>
+    <a:masterClrMapping/>
+  </p:clrMapOvr>
+</p:sld>
+</file>
+
+<file path=ppt/slides/slide16.xml><?xml version="1.0" encoding="utf-8"?>
+<p:sld xmlns:a="http://schemas.openxmlformats.org/drawingml/2006/main" xmlns:r="http://schemas.openxmlformats.org/officeDocument/2006/relationships" xmlns:p="http://schemas.openxmlformats.org/presentationml/2006/main">
+  <p:cSld>
+    <p:spTree>
+      <p:nvGrpSpPr>
+        <p:cNvPr id="1" name=""/>
+        <p:cNvGrpSpPr/>
+        <p:nvPr/>
+      </p:nvGrpSpPr>
+      <p:grpSpPr>
+        <a:xfrm>
+          <a:off x="0" y="0"/>
+          <a:ext cx="0" cy="0"/>
+          <a:chOff x="0" y="0"/>
+          <a:chExt cx="0" cy="0"/>
+        </a:xfrm>
+      </p:grpSpPr>
+      <p:sp>
+        <p:nvSpPr>
+          <p:cNvPr id="2" name="標題 1">
+            <a:extLst>
+              <a:ext uri="{FF2B5EF4-FFF2-40B4-BE49-F238E27FC236}">
+                <a16:creationId xmlns:a16="http://schemas.microsoft.com/office/drawing/2014/main" id="{027489B8-5803-4417-9C85-C3C95C39AD6A}"/>
+              </a:ext>
+            </a:extLst>
+          </p:cNvPr>
+          <p:cNvSpPr>
+            <a:spLocks noGrp="1"/>
+          </p:cNvSpPr>
+          <p:nvPr>
+            <p:ph type="title"/>
+          </p:nvPr>
+        </p:nvSpPr>
+        <p:spPr/>
+        <p:txBody>
+          <a:bodyPr/>
+          <a:lstStyle/>
+          <a:p>
+            <a:r>
+              <a:rPr lang="en-US" altLang="zh-TW" dirty="0"/>
+              <a:t>State Space</a:t>
+            </a:r>
+            <a:endParaRPr lang="zh-TW" altLang="en-US" dirty="0"/>
+          </a:p>
+        </p:txBody>
+      </p:sp>
+      <p:sp>
+        <p:nvSpPr>
+          <p:cNvPr id="3" name="內容版面配置區 2">
+            <a:extLst>
+              <a:ext uri="{FF2B5EF4-FFF2-40B4-BE49-F238E27FC236}">
+                <a16:creationId xmlns:a16="http://schemas.microsoft.com/office/drawing/2014/main" id="{115239FB-CB0D-4889-B301-D36D556D2749}"/>
+              </a:ext>
+            </a:extLst>
+          </p:cNvPr>
+          <p:cNvSpPr>
+            <a:spLocks noGrp="1"/>
+          </p:cNvSpPr>
+          <p:nvPr>
+            <p:ph idx="1"/>
+          </p:nvPr>
+        </p:nvSpPr>
+        <p:spPr/>
+        <p:txBody>
+          <a:bodyPr/>
+          <a:lstStyle/>
+          <a:p>
+            <a:r>
+              <a:rPr lang="en-US" altLang="zh-TW" dirty="0"/>
+              <a:t>The state space consists angle state, networking state, caching state, and computing state.</a:t>
+            </a:r>
+            <a:endParaRPr lang="zh-TW" altLang="en-US" dirty="0"/>
+          </a:p>
+        </p:txBody>
+      </p:sp>
+      <p:pic>
+        <p:nvPicPr>
+          <p:cNvPr id="7" name="圖片 6">
+            <a:extLst>
+              <a:ext uri="{FF2B5EF4-FFF2-40B4-BE49-F238E27FC236}">
+                <a16:creationId xmlns:a16="http://schemas.microsoft.com/office/drawing/2014/main" id="{69F5C719-752C-4925-985C-320853D3F3CF}"/>
+              </a:ext>
+            </a:extLst>
+          </p:cNvPr>
+          <p:cNvPicPr>
+            <a:picLocks noChangeAspect="1"/>
+          </p:cNvPicPr>
+          <p:nvPr/>
+        </p:nvPicPr>
+        <p:blipFill>
+          <a:blip r:embed="rId2">
+            <a:extLst>
+              <a:ext uri="{28A0092B-C50C-407E-A947-70E740481C1C}">
+                <a14:useLocalDpi xmlns:a14="http://schemas.microsoft.com/office/drawing/2010/main" val="0"/>
+              </a:ext>
+            </a:extLst>
+          </a:blip>
+          <a:stretch>
+            <a:fillRect/>
+          </a:stretch>
+        </p:blipFill>
+        <p:spPr>
+          <a:xfrm>
+            <a:off x="1659061" y="3164652"/>
+            <a:ext cx="7097115" cy="2915057"/>
+          </a:xfrm>
+          <a:prstGeom prst="rect">
+            <a:avLst/>
+          </a:prstGeom>
+        </p:spPr>
+      </p:pic>
+    </p:spTree>
+    <p:extLst>
+      <p:ext uri="{BB962C8B-B14F-4D97-AF65-F5344CB8AC3E}">
+        <p14:creationId xmlns:p14="http://schemas.microsoft.com/office/powerpoint/2010/main" val="3730803237"/>
+      </p:ext>
+    </p:extLst>
+  </p:cSld>
+  <p:clrMapOvr>
+    <a:masterClrMapping/>
+  </p:clrMapOvr>
+</p:sld>
+</file>
+
+<file path=ppt/slides/slide17.xml><?xml version="1.0" encoding="utf-8"?>
+<p:sld xmlns:a="http://schemas.openxmlformats.org/drawingml/2006/main" xmlns:r="http://schemas.openxmlformats.org/officeDocument/2006/relationships" xmlns:p="http://schemas.openxmlformats.org/presentationml/2006/main">
+  <p:cSld>
+    <p:spTree>
+      <p:nvGrpSpPr>
+        <p:cNvPr id="1" name=""/>
+        <p:cNvGrpSpPr/>
+        <p:nvPr/>
+      </p:nvGrpSpPr>
+      <p:grpSpPr>
+        <a:xfrm>
+          <a:off x="0" y="0"/>
+          <a:ext cx="0" cy="0"/>
+          <a:chOff x="0" y="0"/>
+          <a:chExt cx="0" cy="0"/>
+        </a:xfrm>
+      </p:grpSpPr>
+      <p:sp>
+        <p:nvSpPr>
+          <p:cNvPr id="2" name="標題 1">
+            <a:extLst>
+              <a:ext uri="{FF2B5EF4-FFF2-40B4-BE49-F238E27FC236}">
+                <a16:creationId xmlns:a16="http://schemas.microsoft.com/office/drawing/2014/main" id="{9E4C648C-AD2F-4BFC-8F46-691C6290870E}"/>
+              </a:ext>
+            </a:extLst>
+          </p:cNvPr>
+          <p:cNvSpPr>
+            <a:spLocks noGrp="1"/>
+          </p:cNvSpPr>
+          <p:nvPr>
+            <p:ph type="title"/>
+          </p:nvPr>
+        </p:nvSpPr>
+        <p:spPr/>
+        <p:txBody>
+          <a:bodyPr/>
+          <a:lstStyle/>
+          <a:p>
+            <a:r>
+              <a:rPr lang="en-US" altLang="zh-TW" dirty="0"/>
+              <a:t>Action Space</a:t>
+            </a:r>
+            <a:endParaRPr lang="zh-TW" altLang="en-US" dirty="0"/>
+          </a:p>
+        </p:txBody>
+      </p:sp>
+      <p:sp>
+        <p:nvSpPr>
+          <p:cNvPr id="3" name="內容版面配置區 2">
+            <a:extLst>
+              <a:ext uri="{FF2B5EF4-FFF2-40B4-BE49-F238E27FC236}">
+                <a16:creationId xmlns:a16="http://schemas.microsoft.com/office/drawing/2014/main" id="{1464ABE8-8693-4B94-8901-209531C88250}"/>
+              </a:ext>
+            </a:extLst>
+          </p:cNvPr>
+          <p:cNvSpPr>
+            <a:spLocks noGrp="1"/>
+          </p:cNvSpPr>
+          <p:nvPr>
+            <p:ph idx="1"/>
+          </p:nvPr>
+        </p:nvSpPr>
+        <p:spPr/>
+        <p:txBody>
+          <a:bodyPr/>
+          <a:lstStyle/>
+          <a:p>
+            <a:r>
+              <a:rPr lang="en-US" altLang="zh-TW" dirty="0"/>
+              <a:t>Which LEO is assigned to user u</a:t>
+            </a:r>
+          </a:p>
+          <a:p>
+            <a:endParaRPr lang="en-US" altLang="zh-TW" dirty="0"/>
+          </a:p>
+          <a:p>
+            <a:r>
+              <a:rPr lang="en-US" altLang="zh-TW" dirty="0"/>
+              <a:t>Whether or not the content requested by user u should be cached</a:t>
+            </a:r>
+          </a:p>
+          <a:p>
+            <a:endParaRPr lang="en-US" altLang="zh-TW" dirty="0"/>
+          </a:p>
+          <a:p>
+            <a:r>
+              <a:rPr lang="en-US" altLang="zh-TW" dirty="0"/>
+              <a:t>Which MEC server should execute the computation task from user u</a:t>
+            </a:r>
+            <a:endParaRPr lang="zh-TW" altLang="en-US" dirty="0"/>
+          </a:p>
+        </p:txBody>
+      </p:sp>
+    </p:spTree>
+    <p:extLst>
+      <p:ext uri="{BB962C8B-B14F-4D97-AF65-F5344CB8AC3E}">
+        <p14:creationId xmlns:p14="http://schemas.microsoft.com/office/powerpoint/2010/main" val="3715977743"/>
+      </p:ext>
+    </p:extLst>
+  </p:cSld>
+  <p:clrMapOvr>
+    <a:masterClrMapping/>
+  </p:clrMapOvr>
+</p:sld>
+</file>
+
+<file path=ppt/slides/slide18.xml><?xml version="1.0" encoding="utf-8"?>
+<p:sld xmlns:a="http://schemas.openxmlformats.org/drawingml/2006/main" xmlns:r="http://schemas.openxmlformats.org/officeDocument/2006/relationships" xmlns:p="http://schemas.openxmlformats.org/presentationml/2006/main">
+  <p:cSld>
+    <p:spTree>
+      <p:nvGrpSpPr>
+        <p:cNvPr id="1" name=""/>
+        <p:cNvGrpSpPr/>
+        <p:nvPr/>
+      </p:nvGrpSpPr>
+      <p:grpSpPr>
+        <a:xfrm>
+          <a:off x="0" y="0"/>
+          <a:ext cx="0" cy="0"/>
+          <a:chOff x="0" y="0"/>
+          <a:chExt cx="0" cy="0"/>
+        </a:xfrm>
+      </p:grpSpPr>
+      <p:sp>
+        <p:nvSpPr>
+          <p:cNvPr id="2" name="標題 1">
+            <a:extLst>
+              <a:ext uri="{FF2B5EF4-FFF2-40B4-BE49-F238E27FC236}">
+                <a16:creationId xmlns:a16="http://schemas.microsoft.com/office/drawing/2014/main" id="{2416CAF9-4BB0-4015-8094-98C27DF20284}"/>
+              </a:ext>
+            </a:extLst>
+          </p:cNvPr>
+          <p:cNvSpPr>
+            <a:spLocks noGrp="1"/>
+          </p:cNvSpPr>
+          <p:nvPr>
+            <p:ph type="title"/>
+          </p:nvPr>
+        </p:nvSpPr>
+        <p:spPr/>
+        <p:txBody>
+          <a:bodyPr/>
+          <a:lstStyle/>
+          <a:p>
+            <a:r>
+              <a:rPr lang="en-US" altLang="zh-TW" dirty="0"/>
+              <a:t>action space</a:t>
+            </a:r>
+            <a:endParaRPr lang="zh-TW" altLang="en-US" dirty="0"/>
+          </a:p>
+        </p:txBody>
+      </p:sp>
+      <mc:AlternateContent xmlns:mc="http://schemas.openxmlformats.org/markup-compatibility/2006">
+        <mc:Choice xmlns:a14="http://schemas.microsoft.com/office/drawing/2010/main" Requires="a14">
+          <p:sp>
+            <p:nvSpPr>
+              <p:cNvPr id="3" name="內容版面配置區 2">
+                <a:extLst>
+                  <a:ext uri="{FF2B5EF4-FFF2-40B4-BE49-F238E27FC236}">
+                    <a16:creationId xmlns:a16="http://schemas.microsoft.com/office/drawing/2014/main" id="{4F636C2C-265D-49FA-85F5-6524D367DC5A}"/>
+                  </a:ext>
+                </a:extLst>
+              </p:cNvPr>
+              <p:cNvSpPr>
+                <a:spLocks noGrp="1"/>
+              </p:cNvSpPr>
+              <p:nvPr>
+                <p:ph idx="1"/>
+              </p:nvPr>
+            </p:nvSpPr>
+            <p:spPr/>
+            <p:txBody>
+              <a:bodyPr/>
+              <a:lstStyle/>
+              <a:p>
+                <a:r>
+                  <a:rPr lang="en-US" altLang="zh-TW" dirty="0"/>
+                  <a:t>action space </a:t>
+                </a:r>
+                <a14:m>
+                  <m:oMath xmlns:m="http://schemas.openxmlformats.org/officeDocument/2006/math">
+                    <m:sSub>
+                      <m:sSubPr>
+                        <m:ctrlPr>
+                          <a:rPr lang="en-US" altLang="zh-TW" i="1" smtClean="0">
+                            <a:latin typeface="Cambria Math" panose="02040503050406030204" pitchFamily="18" charset="0"/>
+                          </a:rPr>
+                        </m:ctrlPr>
+                      </m:sSubPr>
+                      <m:e>
+                        <m:r>
+                          <a:rPr lang="en-US" altLang="zh-TW" b="0" i="1" smtClean="0">
+                            <a:latin typeface="Cambria Math" panose="02040503050406030204" pitchFamily="18" charset="0"/>
+                          </a:rPr>
+                          <m:t>𝑎</m:t>
+                        </m:r>
+                      </m:e>
+                      <m:sub>
+                        <m:r>
+                          <a:rPr lang="en-US" altLang="zh-TW" b="0" i="1" smtClean="0">
+                            <a:latin typeface="Cambria Math" panose="02040503050406030204" pitchFamily="18" charset="0"/>
+                          </a:rPr>
+                          <m:t>𝑢</m:t>
+                        </m:r>
+                      </m:sub>
+                    </m:sSub>
+                  </m:oMath>
+                </a14:m>
+                <a:r>
+                  <a:rPr lang="en-US" altLang="zh-TW" dirty="0"/>
+                  <a:t>(t) at time instant t is represented as:</a:t>
+                </a:r>
+                <a:endParaRPr lang="zh-TW" altLang="en-US" dirty="0"/>
+              </a:p>
+            </p:txBody>
+          </p:sp>
+        </mc:Choice>
+        <mc:Fallback>
+          <p:sp>
+            <p:nvSpPr>
+              <p:cNvPr id="3" name="內容版面配置區 2">
+                <a:extLst>
+                  <a:ext uri="{FF2B5EF4-FFF2-40B4-BE49-F238E27FC236}">
+                    <a16:creationId xmlns:a16="http://schemas.microsoft.com/office/drawing/2014/main" id="{4F636C2C-265D-49FA-85F5-6524D367DC5A}"/>
+                  </a:ext>
+                </a:extLst>
+              </p:cNvPr>
+              <p:cNvSpPr>
+                <a:spLocks noGrp="1" noRot="1" noChangeAspect="1" noMove="1" noResize="1" noEditPoints="1" noAdjustHandles="1" noChangeArrowheads="1" noChangeShapeType="1" noTextEdit="1"/>
+              </p:cNvSpPr>
+              <p:nvPr>
+                <p:ph idx="1"/>
+              </p:nvPr>
+            </p:nvSpPr>
+            <p:spPr>
+              <a:blipFill>
+                <a:blip r:embed="rId2"/>
+                <a:stretch>
+                  <a:fillRect l="-1106" t="-1056" r="-1617"/>
+                </a:stretch>
+              </a:blipFill>
+            </p:spPr>
+            <p:txBody>
+              <a:bodyPr/>
+              <a:lstStyle/>
+              <a:p>
+                <a:r>
+                  <a:rPr lang="zh-TW" altLang="en-US">
+                    <a:noFill/>
+                  </a:rPr>
+                  <a:t> </a:t>
+                </a:r>
+              </a:p>
+            </p:txBody>
+          </p:sp>
+        </mc:Fallback>
+      </mc:AlternateContent>
+      <p:pic>
+        <p:nvPicPr>
+          <p:cNvPr id="5" name="圖片 4">
+            <a:extLst>
+              <a:ext uri="{FF2B5EF4-FFF2-40B4-BE49-F238E27FC236}">
+                <a16:creationId xmlns:a16="http://schemas.microsoft.com/office/drawing/2014/main" id="{2C97621E-CA12-4A4A-93F0-2A2FADFDB81F}"/>
+              </a:ext>
+            </a:extLst>
+          </p:cNvPr>
+          <p:cNvPicPr>
+            <a:picLocks noChangeAspect="1"/>
+          </p:cNvPicPr>
+          <p:nvPr/>
+        </p:nvPicPr>
+        <p:blipFill>
+          <a:blip r:embed="rId3">
+            <a:extLst>
+              <a:ext uri="{28A0092B-C50C-407E-A947-70E740481C1C}">
+                <a14:useLocalDpi xmlns:a14="http://schemas.microsoft.com/office/drawing/2010/main" val="0"/>
+              </a:ext>
+            </a:extLst>
+          </a:blip>
+          <a:stretch>
+            <a:fillRect/>
+          </a:stretch>
+        </p:blipFill>
+        <p:spPr>
+          <a:xfrm>
+            <a:off x="2256719" y="3109868"/>
+            <a:ext cx="5058481" cy="638264"/>
+          </a:xfrm>
+          <a:prstGeom prst="rect">
+            <a:avLst/>
+          </a:prstGeom>
+        </p:spPr>
+      </p:pic>
+      <p:pic>
+        <p:nvPicPr>
+          <p:cNvPr id="7" name="圖片 6">
+            <a:extLst>
+              <a:ext uri="{FF2B5EF4-FFF2-40B4-BE49-F238E27FC236}">
+                <a16:creationId xmlns:a16="http://schemas.microsoft.com/office/drawing/2014/main" id="{DBCA8741-B1F6-4176-B839-8EC0AC115412}"/>
+              </a:ext>
+            </a:extLst>
+          </p:cNvPr>
+          <p:cNvPicPr>
+            <a:picLocks noChangeAspect="1"/>
+          </p:cNvPicPr>
+          <p:nvPr/>
+        </p:nvPicPr>
+        <p:blipFill>
+          <a:blip r:embed="rId4">
+            <a:extLst>
+              <a:ext uri="{28A0092B-C50C-407E-A947-70E740481C1C}">
+                <a14:useLocalDpi xmlns:a14="http://schemas.microsoft.com/office/drawing/2010/main" val="0"/>
+              </a:ext>
+            </a:extLst>
+          </a:blip>
+          <a:stretch>
+            <a:fillRect/>
+          </a:stretch>
+        </p:blipFill>
+        <p:spPr>
+          <a:xfrm>
+            <a:off x="2256719" y="3993914"/>
+            <a:ext cx="5420497" cy="314848"/>
+          </a:xfrm>
+          <a:prstGeom prst="rect">
+            <a:avLst/>
+          </a:prstGeom>
+        </p:spPr>
+      </p:pic>
+      <p:pic>
+        <p:nvPicPr>
+          <p:cNvPr id="9" name="圖片 8">
+            <a:extLst>
+              <a:ext uri="{FF2B5EF4-FFF2-40B4-BE49-F238E27FC236}">
+                <a16:creationId xmlns:a16="http://schemas.microsoft.com/office/drawing/2014/main" id="{29A11238-348B-49C7-BBC8-CEC0FB62BBDC}"/>
+              </a:ext>
+            </a:extLst>
+          </p:cNvPr>
+          <p:cNvPicPr>
+            <a:picLocks noChangeAspect="1"/>
+          </p:cNvPicPr>
+          <p:nvPr/>
+        </p:nvPicPr>
+        <p:blipFill>
+          <a:blip r:embed="rId5">
+            <a:extLst>
+              <a:ext uri="{28A0092B-C50C-407E-A947-70E740481C1C}">
+                <a14:useLocalDpi xmlns:a14="http://schemas.microsoft.com/office/drawing/2010/main" val="0"/>
+              </a:ext>
+            </a:extLst>
+          </a:blip>
+          <a:stretch>
+            <a:fillRect/>
+          </a:stretch>
+        </p:blipFill>
+        <p:spPr>
+          <a:xfrm>
+            <a:off x="2256719" y="4684642"/>
+            <a:ext cx="5306165" cy="323895"/>
+          </a:xfrm>
+          <a:prstGeom prst="rect">
+            <a:avLst/>
+          </a:prstGeom>
+        </p:spPr>
+      </p:pic>
+      <p:pic>
+        <p:nvPicPr>
+          <p:cNvPr id="11" name="圖片 10">
+            <a:extLst>
+              <a:ext uri="{FF2B5EF4-FFF2-40B4-BE49-F238E27FC236}">
+                <a16:creationId xmlns:a16="http://schemas.microsoft.com/office/drawing/2014/main" id="{8422C5E3-4F87-4D10-9813-3AD82DFCB9EB}"/>
+              </a:ext>
+            </a:extLst>
+          </p:cNvPr>
+          <p:cNvPicPr>
+            <a:picLocks noChangeAspect="1"/>
+          </p:cNvPicPr>
+          <p:nvPr/>
+        </p:nvPicPr>
+        <p:blipFill>
+          <a:blip r:embed="rId6">
+            <a:extLst>
+              <a:ext uri="{28A0092B-C50C-407E-A947-70E740481C1C}">
+                <a14:useLocalDpi xmlns:a14="http://schemas.microsoft.com/office/drawing/2010/main" val="0"/>
+              </a:ext>
+            </a:extLst>
+          </a:blip>
+          <a:stretch>
+            <a:fillRect/>
+          </a:stretch>
+        </p:blipFill>
+        <p:spPr>
+          <a:xfrm>
+            <a:off x="2371051" y="5376862"/>
+            <a:ext cx="5306165" cy="554623"/>
+          </a:xfrm>
+          <a:prstGeom prst="rect">
+            <a:avLst/>
+          </a:prstGeom>
+        </p:spPr>
+      </p:pic>
+      <p:sp>
+        <p:nvSpPr>
+          <p:cNvPr id="12" name="矩形 11">
+            <a:extLst>
+              <a:ext uri="{FF2B5EF4-FFF2-40B4-BE49-F238E27FC236}">
+                <a16:creationId xmlns:a16="http://schemas.microsoft.com/office/drawing/2014/main" id="{3738302C-81D9-4FF4-A599-0B58BA89E6D1}"/>
+              </a:ext>
+            </a:extLst>
+          </p:cNvPr>
+          <p:cNvSpPr/>
+          <p:nvPr/>
+        </p:nvSpPr>
+        <p:spPr bwMode="auto">
+          <a:xfrm>
+            <a:off x="3055434" y="5687122"/>
+            <a:ext cx="4621782" cy="314848"/>
+          </a:xfrm>
+          <a:prstGeom prst="rect">
+            <a:avLst/>
+          </a:prstGeom>
+          <a:ln w="9525" cap="flat" cmpd="sng" algn="ctr">
+            <a:noFill/>
+            <a:prstDash val="solid"/>
+            <a:round/>
+            <a:headEnd type="none" w="med" len="med"/>
+            <a:tailEnd type="none" w="med" len="med"/>
+          </a:ln>
+          <a:extLst>
+            <a:ext uri="{AF507438-7753-43E0-B8FC-AC1667EBCBE1}">
+              <a14:hiddenEffects xmlns:a14="http://schemas.microsoft.com/office/drawing/2010/main">
+                <a:effectLst>
+                  <a:outerShdw dist="35921" dir="2700000" algn="ctr" rotWithShape="0">
+                    <a:schemeClr val="bg2"/>
+                  </a:outerShdw>
+                </a:effectLst>
+              </a14:hiddenEffects>
+            </a:ext>
+          </a:extLst>
+        </p:spPr>
+        <p:style>
+          <a:lnRef idx="2">
+            <a:schemeClr val="accent1"/>
+          </a:lnRef>
+          <a:fillRef idx="1">
+            <a:schemeClr val="lt1"/>
+          </a:fillRef>
+          <a:effectRef idx="0">
+            <a:schemeClr val="accent1"/>
+          </a:effectRef>
+          <a:fontRef idx="minor">
+            <a:schemeClr val="dk1"/>
+          </a:fontRef>
+        </p:style>
+        <p:txBody>
+          <a:bodyPr vert="horz" wrap="square" lIns="91440" tIns="45720" rIns="91440" bIns="45720" numCol="1" rtlCol="0" anchor="t" anchorCtr="0" compatLnSpc="1">
+            <a:prstTxWarp prst="textNoShape">
+              <a:avLst/>
+            </a:prstTxWarp>
+          </a:bodyPr>
+          <a:lstStyle/>
+          <a:p>
+            <a:pPr marL="0" marR="0" indent="0" algn="r" defTabSz="914400" rtl="0" eaLnBrk="1" fontAlgn="base" latinLnBrk="0" hangingPunct="1">
+              <a:lnSpc>
+                <a:spcPct val="100000"/>
+              </a:lnSpc>
+              <a:spcBef>
+                <a:spcPct val="0"/>
+              </a:spcBef>
+              <a:spcAft>
+                <a:spcPct val="0"/>
+              </a:spcAft>
+              <a:buClrTx/>
+              <a:buSzTx/>
+              <a:buFontTx/>
+              <a:buNone/>
+              <a:tabLst/>
+            </a:pPr>
+            <a:endParaRPr kumimoji="0" lang="zh-TW" altLang="en-US" sz="1000" b="1" i="0" u="none" strike="noStrike" cap="none" normalizeH="0" baseline="0">
+              <a:ln>
+                <a:noFill/>
+              </a:ln>
+              <a:solidFill>
+                <a:schemeClr val="bg1"/>
+              </a:solidFill>
+              <a:effectLst/>
+              <a:latin typeface="Arial" panose="020B0604020202020204" pitchFamily="34" charset="0"/>
+            </a:endParaRPr>
+          </a:p>
+        </p:txBody>
+      </p:sp>
+    </p:spTree>
+    <p:extLst>
+      <p:ext uri="{BB962C8B-B14F-4D97-AF65-F5344CB8AC3E}">
+        <p14:creationId xmlns:p14="http://schemas.microsoft.com/office/powerpoint/2010/main" val="3740436937"/>
+      </p:ext>
+    </p:extLst>
+  </p:cSld>
+  <p:clrMapOvr>
+    <a:masterClrMapping/>
+  </p:clrMapOvr>
+</p:sld>
+</file>
+
+<file path=ppt/slides/slide19.xml><?xml version="1.0" encoding="utf-8"?>
+<p:sld xmlns:a="http://schemas.openxmlformats.org/drawingml/2006/main" xmlns:r="http://schemas.openxmlformats.org/officeDocument/2006/relationships" xmlns:p="http://schemas.openxmlformats.org/presentationml/2006/main">
+  <p:cSld>
+    <p:spTree>
+      <p:nvGrpSpPr>
+        <p:cNvPr id="1" name=""/>
+        <p:cNvGrpSpPr/>
+        <p:nvPr/>
+      </p:nvGrpSpPr>
+      <p:grpSpPr>
+        <a:xfrm>
+          <a:off x="0" y="0"/>
+          <a:ext cx="0" cy="0"/>
+          <a:chOff x="0" y="0"/>
+          <a:chExt cx="0" cy="0"/>
+        </a:xfrm>
+      </p:grpSpPr>
+      <p:sp>
+        <p:nvSpPr>
+          <p:cNvPr id="2" name="標題 1">
+            <a:extLst>
+              <a:ext uri="{FF2B5EF4-FFF2-40B4-BE49-F238E27FC236}">
+                <a16:creationId xmlns:a16="http://schemas.microsoft.com/office/drawing/2014/main" id="{499DFC8D-0C0A-4984-B67F-A129B413C6C2}"/>
+              </a:ext>
+            </a:extLst>
+          </p:cNvPr>
+          <p:cNvSpPr>
+            <a:spLocks noGrp="1"/>
+          </p:cNvSpPr>
+          <p:nvPr>
+            <p:ph type="title"/>
+          </p:nvPr>
+        </p:nvSpPr>
+        <p:spPr/>
+        <p:txBody>
+          <a:bodyPr/>
+          <a:lstStyle/>
+          <a:p>
+            <a:r>
+              <a:rPr lang="en-US" altLang="zh-TW" dirty="0"/>
+              <a:t>Reward Function</a:t>
+            </a:r>
+            <a:endParaRPr lang="zh-TW" altLang="en-US" dirty="0"/>
+          </a:p>
+        </p:txBody>
+      </p:sp>
+      <p:pic>
+        <p:nvPicPr>
+          <p:cNvPr id="5" name="內容版面配置區 4">
+            <a:extLst>
+              <a:ext uri="{FF2B5EF4-FFF2-40B4-BE49-F238E27FC236}">
+                <a16:creationId xmlns:a16="http://schemas.microsoft.com/office/drawing/2014/main" id="{DA9659FF-D7DD-4E8F-8E05-0893B55FE5E6}"/>
+              </a:ext>
+            </a:extLst>
+          </p:cNvPr>
+          <p:cNvPicPr>
+            <a:picLocks noGrp="1" noChangeAspect="1"/>
+          </p:cNvPicPr>
+          <p:nvPr>
+            <p:ph idx="1"/>
+          </p:nvPr>
+        </p:nvPicPr>
+        <p:blipFill>
+          <a:blip r:embed="rId2">
+            <a:extLst>
+              <a:ext uri="{28A0092B-C50C-407E-A947-70E740481C1C}">
+                <a14:useLocalDpi xmlns:a14="http://schemas.microsoft.com/office/drawing/2010/main" val="0"/>
+              </a:ext>
+            </a:extLst>
+          </a:blip>
+          <a:stretch>
+            <a:fillRect/>
+          </a:stretch>
+        </p:blipFill>
+        <p:spPr>
+          <a:xfrm>
+            <a:off x="1537364" y="2196609"/>
+            <a:ext cx="6563641" cy="924054"/>
+          </a:xfrm>
+        </p:spPr>
+      </p:pic>
+      <p:pic>
+        <p:nvPicPr>
+          <p:cNvPr id="7" name="圖片 6">
+            <a:extLst>
+              <a:ext uri="{FF2B5EF4-FFF2-40B4-BE49-F238E27FC236}">
+                <a16:creationId xmlns:a16="http://schemas.microsoft.com/office/drawing/2014/main" id="{9D0C1836-6085-4B9F-B7C8-A9941AEB605C}"/>
+              </a:ext>
+            </a:extLst>
+          </p:cNvPr>
+          <p:cNvPicPr>
+            <a:picLocks noChangeAspect="1"/>
+          </p:cNvPicPr>
+          <p:nvPr/>
+        </p:nvPicPr>
+        <p:blipFill>
+          <a:blip r:embed="rId3">
+            <a:extLst>
+              <a:ext uri="{28A0092B-C50C-407E-A947-70E740481C1C}">
+                <a14:useLocalDpi xmlns:a14="http://schemas.microsoft.com/office/drawing/2010/main" val="0"/>
+              </a:ext>
+            </a:extLst>
+          </a:blip>
+          <a:stretch>
+            <a:fillRect/>
+          </a:stretch>
+        </p:blipFill>
+        <p:spPr>
+          <a:xfrm>
+            <a:off x="2315422" y="3336072"/>
+            <a:ext cx="6163535" cy="2286319"/>
+          </a:xfrm>
+          <a:prstGeom prst="rect">
+            <a:avLst/>
+          </a:prstGeom>
+        </p:spPr>
+      </p:pic>
+    </p:spTree>
+    <p:extLst>
+      <p:ext uri="{BB962C8B-B14F-4D97-AF65-F5344CB8AC3E}">
+        <p14:creationId xmlns:p14="http://schemas.microsoft.com/office/powerpoint/2010/main" val="1149183218"/>
+      </p:ext>
+    </p:extLst>
+  </p:cSld>
+  <p:clrMapOvr>
+    <a:masterClrMapping/>
+  </p:clrMapOvr>
+</p:sld>
+</file>
+
 <file path=ppt/slides/slide2.xml><?xml version="1.0" encoding="utf-8"?>
 <p:sld xmlns:a="http://schemas.openxmlformats.org/drawingml/2006/main" xmlns:r="http://schemas.openxmlformats.org/officeDocument/2006/relationships" xmlns:p="http://schemas.openxmlformats.org/presentationml/2006/main">
   <p:cSld>
@@ -7506,7 +11259,7 @@
 </p:sld>
 </file>
 
-<file path=ppt/slides/slide3.xml><?xml version="1.0" encoding="utf-8"?>
+<file path=ppt/slides/slide20.xml><?xml version="1.0" encoding="utf-8"?>
 <p:sld xmlns:a="http://schemas.openxmlformats.org/drawingml/2006/main" xmlns:r="http://schemas.openxmlformats.org/officeDocument/2006/relationships" xmlns:p="http://schemas.openxmlformats.org/presentationml/2006/main">
   <p:cSld>
     <p:spTree>
@@ -7528,7 +11281,7 @@
           <p:cNvPr id="2" name="標題 1">
             <a:extLst>
               <a:ext uri="{FF2B5EF4-FFF2-40B4-BE49-F238E27FC236}">
-                <a16:creationId xmlns:a16="http://schemas.microsoft.com/office/drawing/2014/main" id="{EF082826-7261-4C12-9804-F2C7B24AB156}"/>
+                <a16:creationId xmlns:a16="http://schemas.microsoft.com/office/drawing/2014/main" id="{64093A0F-09D9-4785-B8BF-6E22A7FE58FE}"/>
               </a:ext>
             </a:extLst>
           </p:cNvPr>
@@ -7539,21 +11292,298 @@
             <p:ph type="title"/>
           </p:nvPr>
         </p:nvSpPr>
-        <p:spPr>
-          <a:xfrm>
-            <a:off x="1002890" y="1400175"/>
-            <a:ext cx="8141110" cy="581025"/>
-          </a:xfrm>
-        </p:spPr>
+        <p:spPr/>
         <p:txBody>
           <a:bodyPr/>
           <a:lstStyle/>
           <a:p>
             <a:r>
-              <a:rPr lang="en-US" altLang="zh-TW" sz="3200" dirty="0"/>
-              <a:t>Satellite-Terrestrial Networks With Caching </a:t>
-            </a:r>
-            <a:endParaRPr lang="zh-TW" altLang="en-US" sz="3200" dirty="0"/>
+              <a:rPr lang="en-US" altLang="zh-TW" dirty="0"/>
+              <a:t>Q function</a:t>
+            </a:r>
+            <a:endParaRPr lang="zh-TW" altLang="en-US" dirty="0"/>
+          </a:p>
+        </p:txBody>
+      </p:sp>
+      <p:pic>
+        <p:nvPicPr>
+          <p:cNvPr id="5" name="內容版面配置區 4">
+            <a:extLst>
+              <a:ext uri="{FF2B5EF4-FFF2-40B4-BE49-F238E27FC236}">
+                <a16:creationId xmlns:a16="http://schemas.microsoft.com/office/drawing/2014/main" id="{7AA9048A-519A-495E-923B-5DA7269D4F96}"/>
+              </a:ext>
+            </a:extLst>
+          </p:cNvPr>
+          <p:cNvPicPr>
+            <a:picLocks noGrp="1" noChangeAspect="1"/>
+          </p:cNvPicPr>
+          <p:nvPr>
+            <p:ph idx="1"/>
+          </p:nvPr>
+        </p:nvPicPr>
+        <p:blipFill>
+          <a:blip r:embed="rId2">
+            <a:extLst>
+              <a:ext uri="{28A0092B-C50C-407E-A947-70E740481C1C}">
+                <a14:useLocalDpi xmlns:a14="http://schemas.microsoft.com/office/drawing/2010/main" val="0"/>
+              </a:ext>
+            </a:extLst>
+          </a:blip>
+          <a:stretch>
+            <a:fillRect/>
+          </a:stretch>
+        </p:blipFill>
+        <p:spPr>
+          <a:xfrm>
+            <a:off x="1828800" y="3624754"/>
+            <a:ext cx="6925642" cy="619211"/>
+          </a:xfrm>
+        </p:spPr>
+      </p:pic>
+      <mc:AlternateContent xmlns:mc="http://schemas.openxmlformats.org/markup-compatibility/2006">
+        <mc:Choice xmlns:a14="http://schemas.microsoft.com/office/drawing/2010/main" Requires="a14">
+          <p:sp>
+            <p:nvSpPr>
+              <p:cNvPr id="8" name="文字方塊 7">
+                <a:extLst>
+                  <a:ext uri="{FF2B5EF4-FFF2-40B4-BE49-F238E27FC236}">
+                    <a16:creationId xmlns:a16="http://schemas.microsoft.com/office/drawing/2014/main" id="{B566BC3C-EBB7-4940-A1D0-FFBE86A4C7E5}"/>
+                  </a:ext>
+                </a:extLst>
+              </p:cNvPr>
+              <p:cNvSpPr txBox="1"/>
+              <p:nvPr/>
+            </p:nvSpPr>
+            <p:spPr>
+              <a:xfrm>
+                <a:off x="1828800" y="2330604"/>
+                <a:ext cx="6713034" cy="944746"/>
+              </a:xfrm>
+              <a:prstGeom prst="rect">
+                <a:avLst/>
+              </a:prstGeom>
+              <a:noFill/>
+            </p:spPr>
+            <p:txBody>
+              <a:bodyPr wrap="square" rtlCol="0">
+                <a:spAutoFit/>
+              </a:bodyPr>
+              <a:lstStyle/>
+              <a:p>
+                <a:r>
+                  <a:rPr lang="en-US" altLang="zh-TW" sz="1800" b="0" dirty="0">
+                    <a:solidFill>
+                      <a:schemeClr val="tx1"/>
+                    </a:solidFill>
+                  </a:rPr>
+                  <a:t>where </a:t>
+                </a:r>
+                <a14:m>
+                  <m:oMath xmlns:m="http://schemas.openxmlformats.org/officeDocument/2006/math">
+                    <m:sSub>
+                      <m:sSubPr>
+                        <m:ctrlPr>
+                          <a:rPr lang="en-US" altLang="zh-TW" sz="1800" b="0" i="1" smtClean="0">
+                            <a:solidFill>
+                              <a:schemeClr val="tx1"/>
+                            </a:solidFill>
+                            <a:latin typeface="Cambria Math" panose="02040503050406030204" pitchFamily="18" charset="0"/>
+                          </a:rPr>
+                        </m:ctrlPr>
+                      </m:sSubPr>
+                      <m:e>
+                        <m:r>
+                          <m:rPr>
+                            <m:nor/>
+                          </m:rPr>
+                          <a:rPr lang="en-US" altLang="zh-TW" sz="1800" b="0" dirty="0">
+                            <a:solidFill>
+                              <a:schemeClr val="tx1"/>
+                            </a:solidFill>
+                          </a:rPr>
+                          <m:t>α</m:t>
+                        </m:r>
+                      </m:e>
+                      <m:sub>
+                        <m:r>
+                          <a:rPr lang="en-US" altLang="zh-TW" sz="1800" b="0" i="1" smtClean="0">
+                            <a:solidFill>
+                              <a:schemeClr val="tx1"/>
+                            </a:solidFill>
+                            <a:latin typeface="Cambria Math" panose="02040503050406030204" pitchFamily="18" charset="0"/>
+                          </a:rPr>
+                          <m:t>𝑞</m:t>
+                        </m:r>
+                      </m:sub>
+                    </m:sSub>
+                  </m:oMath>
+                </a14:m>
+                <a:r>
+                  <a:rPr lang="en-US" altLang="zh-TW" sz="1800" b="0" dirty="0">
+                    <a:solidFill>
+                      <a:schemeClr val="tx1"/>
+                    </a:solidFill>
+                  </a:rPr>
+                  <a:t> ∈ (0,1] is the learning rate. In traditional Q-learning, Q(</a:t>
+                </a:r>
+                <a:r>
+                  <a:rPr lang="en-US" altLang="zh-TW" sz="1800" b="0" dirty="0" err="1">
+                    <a:solidFill>
+                      <a:schemeClr val="tx1"/>
+                    </a:solidFill>
+                  </a:rPr>
+                  <a:t>s,a</a:t>
+                </a:r>
+                <a:r>
+                  <a:rPr lang="en-US" altLang="zh-TW" sz="1800" b="0" dirty="0">
+                    <a:solidFill>
+                      <a:schemeClr val="tx1"/>
+                    </a:solidFill>
+                  </a:rPr>
+                  <a:t>) </a:t>
+                </a:r>
+                <a:r>
+                  <a:rPr lang="en-US" altLang="zh-TW" sz="1800" b="0" dirty="0" err="1">
+                    <a:solidFill>
+                      <a:schemeClr val="tx1"/>
+                    </a:solidFill>
+                  </a:rPr>
+                  <a:t>isputintoaQ-table.The</a:t>
+                </a:r>
+                <a:r>
+                  <a:rPr lang="en-US" altLang="zh-TW" sz="1800" b="0" dirty="0">
+                    <a:solidFill>
+                      <a:schemeClr val="tx1"/>
+                    </a:solidFill>
+                  </a:rPr>
+                  <a:t> action with maximum Q(</a:t>
+                </a:r>
+                <a:r>
+                  <a:rPr lang="en-US" altLang="zh-TW" sz="1800" b="0" dirty="0" err="1">
+                    <a:solidFill>
+                      <a:schemeClr val="tx1"/>
+                    </a:solidFill>
+                  </a:rPr>
+                  <a:t>s,a</a:t>
+                </a:r>
+                <a:r>
+                  <a:rPr lang="en-US" altLang="zh-TW" sz="1800" b="0" dirty="0">
+                    <a:solidFill>
+                      <a:schemeClr val="tx1"/>
+                    </a:solidFill>
+                  </a:rPr>
+                  <a:t>) may be selected.</a:t>
+                </a:r>
+                <a:endParaRPr lang="zh-TW" altLang="en-US" sz="1800" b="0" dirty="0">
+                  <a:solidFill>
+                    <a:schemeClr val="tx1"/>
+                  </a:solidFill>
+                </a:endParaRPr>
+              </a:p>
+            </p:txBody>
+          </p:sp>
+        </mc:Choice>
+        <mc:Fallback>
+          <p:sp>
+            <p:nvSpPr>
+              <p:cNvPr id="8" name="文字方塊 7">
+                <a:extLst>
+                  <a:ext uri="{FF2B5EF4-FFF2-40B4-BE49-F238E27FC236}">
+                    <a16:creationId xmlns:a16="http://schemas.microsoft.com/office/drawing/2014/main" id="{B566BC3C-EBB7-4940-A1D0-FFBE86A4C7E5}"/>
+                  </a:ext>
+                </a:extLst>
+              </p:cNvPr>
+              <p:cNvSpPr txBox="1">
+                <a:spLocks noRot="1" noChangeAspect="1" noMove="1" noResize="1" noEditPoints="1" noAdjustHandles="1" noChangeArrowheads="1" noChangeShapeType="1" noTextEdit="1"/>
+              </p:cNvSpPr>
+              <p:nvPr/>
+            </p:nvSpPr>
+            <p:spPr>
+              <a:xfrm>
+                <a:off x="1828800" y="2330604"/>
+                <a:ext cx="6713034" cy="944746"/>
+              </a:xfrm>
+              <a:prstGeom prst="rect">
+                <a:avLst/>
+              </a:prstGeom>
+              <a:blipFill>
+                <a:blip r:embed="rId3"/>
+                <a:stretch>
+                  <a:fillRect l="-727" t="-3871" b="-9677"/>
+                </a:stretch>
+              </a:blipFill>
+            </p:spPr>
+            <p:txBody>
+              <a:bodyPr/>
+              <a:lstStyle/>
+              <a:p>
+                <a:r>
+                  <a:rPr lang="zh-TW" altLang="en-US">
+                    <a:noFill/>
+                  </a:rPr>
+                  <a:t> </a:t>
+                </a:r>
+              </a:p>
+            </p:txBody>
+          </p:sp>
+        </mc:Fallback>
+      </mc:AlternateContent>
+    </p:spTree>
+    <p:extLst>
+      <p:ext uri="{BB962C8B-B14F-4D97-AF65-F5344CB8AC3E}">
+        <p14:creationId xmlns:p14="http://schemas.microsoft.com/office/powerpoint/2010/main" val="2150883309"/>
+      </p:ext>
+    </p:extLst>
+  </p:cSld>
+  <p:clrMapOvr>
+    <a:masterClrMapping/>
+  </p:clrMapOvr>
+</p:sld>
+</file>
+
+<file path=ppt/slides/slide21.xml><?xml version="1.0" encoding="utf-8"?>
+<p:sld xmlns:a="http://schemas.openxmlformats.org/drawingml/2006/main" xmlns:r="http://schemas.openxmlformats.org/officeDocument/2006/relationships" xmlns:p="http://schemas.openxmlformats.org/presentationml/2006/main">
+  <p:cSld>
+    <p:spTree>
+      <p:nvGrpSpPr>
+        <p:cNvPr id="1" name=""/>
+        <p:cNvGrpSpPr/>
+        <p:nvPr/>
+      </p:nvGrpSpPr>
+      <p:grpSpPr>
+        <a:xfrm>
+          <a:off x="0" y="0"/>
+          <a:ext cx="0" cy="0"/>
+          <a:chOff x="0" y="0"/>
+          <a:chExt cx="0" cy="0"/>
+        </a:xfrm>
+      </p:grpSpPr>
+      <p:sp>
+        <p:nvSpPr>
+          <p:cNvPr id="2" name="標題 1">
+            <a:extLst>
+              <a:ext uri="{FF2B5EF4-FFF2-40B4-BE49-F238E27FC236}">
+                <a16:creationId xmlns:a16="http://schemas.microsoft.com/office/drawing/2014/main" id="{E4413177-C129-45BE-B326-D16585A66087}"/>
+              </a:ext>
+            </a:extLst>
+          </p:cNvPr>
+          <p:cNvSpPr>
+            <a:spLocks noGrp="1"/>
+          </p:cNvSpPr>
+          <p:nvPr>
+            <p:ph type="title"/>
+          </p:nvPr>
+        </p:nvSpPr>
+        <p:spPr/>
+        <p:txBody>
+          <a:bodyPr/>
+          <a:lstStyle/>
+          <a:p>
+            <a:r>
+              <a:rPr lang="en-US" altLang="zh-TW" dirty="0"/>
+              <a:t>Deep Q-Learning</a:t>
+            </a:r>
+            <a:endParaRPr lang="zh-TW" altLang="en-US" dirty="0"/>
           </a:p>
         </p:txBody>
       </p:sp>
@@ -7562,7 +11592,7 @@
           <p:cNvPr id="3" name="內容版面配置區 2">
             <a:extLst>
               <a:ext uri="{FF2B5EF4-FFF2-40B4-BE49-F238E27FC236}">
-                <a16:creationId xmlns:a16="http://schemas.microsoft.com/office/drawing/2014/main" id="{687F8752-3CAE-47A0-B056-53348614E571}"/>
+                <a16:creationId xmlns:a16="http://schemas.microsoft.com/office/drawing/2014/main" id="{EB654C61-5032-4C57-AE2E-855D34DE5FA8}"/>
               </a:ext>
             </a:extLst>
           </p:cNvPr>
@@ -7580,17 +11610,16 @@
           <a:p>
             <a:r>
               <a:rPr lang="en-US" altLang="zh-TW" dirty="0"/>
-              <a:t>in-network caching </a:t>
-            </a:r>
-          </a:p>
-          <a:p>
+              <a:t> In each learning iteration, deep networks are trained to minimize </a:t>
+            </a:r>
+            <a:r>
+              <a:rPr lang="en-US" altLang="zh-TW"/>
+              <a:t>loss function.</a:t>
+            </a:r>
             <a:endParaRPr lang="en-US" altLang="zh-TW" dirty="0"/>
           </a:p>
           <a:p>
-            <a:r>
-              <a:rPr lang="en-US" altLang="zh-TW" dirty="0"/>
-              <a:t>Information-centric networking</a:t>
-            </a:r>
+            <a:endParaRPr lang="en-US" altLang="zh-TW" dirty="0"/>
           </a:p>
           <a:p>
             <a:endParaRPr lang="zh-TW" altLang="en-US" dirty="0"/>
@@ -7599,10 +11628,10 @@
       </p:sp>
       <p:pic>
         <p:nvPicPr>
-          <p:cNvPr id="6" name="圖片 5">
+          <p:cNvPr id="5" name="圖片 4">
             <a:extLst>
               <a:ext uri="{FF2B5EF4-FFF2-40B4-BE49-F238E27FC236}">
-                <a16:creationId xmlns:a16="http://schemas.microsoft.com/office/drawing/2014/main" id="{89EE5D0C-DAFB-4A4D-B781-C46A341D611C}"/>
+                <a16:creationId xmlns:a16="http://schemas.microsoft.com/office/drawing/2014/main" id="{3998FC06-F18A-4CBE-B7EC-378299956E53}"/>
               </a:ext>
             </a:extLst>
           </p:cNvPr>
@@ -7612,7 +11641,7 @@
           <p:nvPr/>
         </p:nvPicPr>
         <p:blipFill>
-          <a:blip r:embed="rId3">
+          <a:blip r:embed="rId2">
             <a:extLst>
               <a:ext uri="{28A0092B-C50C-407E-A947-70E740481C1C}">
                 <a14:useLocalDpi xmlns:a14="http://schemas.microsoft.com/office/drawing/2010/main" val="0"/>
@@ -7625,8 +11654,8 @@
         </p:blipFill>
         <p:spPr>
           <a:xfrm>
-            <a:off x="1581871" y="3537669"/>
-            <a:ext cx="4651781" cy="3068714"/>
+            <a:off x="1873405" y="3181214"/>
+            <a:ext cx="6697010" cy="971686"/>
           </a:xfrm>
           <a:prstGeom prst="rect">
             <a:avLst/>
@@ -7636,7 +11665,7 @@
     </p:spTree>
     <p:extLst>
       <p:ext uri="{BB962C8B-B14F-4D97-AF65-F5344CB8AC3E}">
-        <p14:creationId xmlns:p14="http://schemas.microsoft.com/office/powerpoint/2010/main" val="2791563643"/>
+        <p14:creationId xmlns:p14="http://schemas.microsoft.com/office/powerpoint/2010/main" val="468847988"/>
       </p:ext>
     </p:extLst>
   </p:cSld>
@@ -7646,7 +11675,7 @@
 </p:sld>
 </file>
 
-<file path=ppt/slides/slide4.xml><?xml version="1.0" encoding="utf-8"?>
+<file path=ppt/slides/slide3.xml><?xml version="1.0" encoding="utf-8"?>
 <p:sld xmlns:a="http://schemas.openxmlformats.org/drawingml/2006/main" xmlns:r="http://schemas.openxmlformats.org/officeDocument/2006/relationships" xmlns:p="http://schemas.openxmlformats.org/presentationml/2006/main">
   <p:cSld>
     <p:spTree>
@@ -7746,6 +11775,157 @@
         </p:spPr>
       </p:pic>
     </p:spTree>
+  </p:cSld>
+  <p:clrMapOvr>
+    <a:masterClrMapping/>
+  </p:clrMapOvr>
+</p:sld>
+</file>
+
+<file path=ppt/slides/slide4.xml><?xml version="1.0" encoding="utf-8"?>
+<p:sld xmlns:a="http://schemas.openxmlformats.org/drawingml/2006/main" xmlns:r="http://schemas.openxmlformats.org/officeDocument/2006/relationships" xmlns:p="http://schemas.openxmlformats.org/presentationml/2006/main">
+  <p:cSld>
+    <p:spTree>
+      <p:nvGrpSpPr>
+        <p:cNvPr id="1" name=""/>
+        <p:cNvGrpSpPr/>
+        <p:nvPr/>
+      </p:nvGrpSpPr>
+      <p:grpSpPr>
+        <a:xfrm>
+          <a:off x="0" y="0"/>
+          <a:ext cx="0" cy="0"/>
+          <a:chOff x="0" y="0"/>
+          <a:chExt cx="0" cy="0"/>
+        </a:xfrm>
+      </p:grpSpPr>
+      <p:sp>
+        <p:nvSpPr>
+          <p:cNvPr id="2" name="標題 1">
+            <a:extLst>
+              <a:ext uri="{FF2B5EF4-FFF2-40B4-BE49-F238E27FC236}">
+                <a16:creationId xmlns:a16="http://schemas.microsoft.com/office/drawing/2014/main" id="{EF082826-7261-4C12-9804-F2C7B24AB156}"/>
+              </a:ext>
+            </a:extLst>
+          </p:cNvPr>
+          <p:cNvSpPr>
+            <a:spLocks noGrp="1"/>
+          </p:cNvSpPr>
+          <p:nvPr>
+            <p:ph type="title"/>
+          </p:nvPr>
+        </p:nvSpPr>
+        <p:spPr>
+          <a:xfrm>
+            <a:off x="1002890" y="1400175"/>
+            <a:ext cx="8141110" cy="581025"/>
+          </a:xfrm>
+        </p:spPr>
+        <p:txBody>
+          <a:bodyPr/>
+          <a:lstStyle/>
+          <a:p>
+            <a:r>
+              <a:rPr lang="en-US" altLang="zh-TW" sz="3200" dirty="0"/>
+              <a:t>Satellite-Terrestrial Networks With Caching </a:t>
+            </a:r>
+            <a:endParaRPr lang="zh-TW" altLang="en-US" sz="3200" dirty="0"/>
+          </a:p>
+        </p:txBody>
+      </p:sp>
+      <p:sp>
+        <p:nvSpPr>
+          <p:cNvPr id="3" name="內容版面配置區 2">
+            <a:extLst>
+              <a:ext uri="{FF2B5EF4-FFF2-40B4-BE49-F238E27FC236}">
+                <a16:creationId xmlns:a16="http://schemas.microsoft.com/office/drawing/2014/main" id="{687F8752-3CAE-47A0-B056-53348614E571}"/>
+              </a:ext>
+            </a:extLst>
+          </p:cNvPr>
+          <p:cNvSpPr>
+            <a:spLocks noGrp="1"/>
+          </p:cNvSpPr>
+          <p:nvPr>
+            <p:ph idx="1"/>
+          </p:nvPr>
+        </p:nvSpPr>
+        <p:spPr/>
+        <p:txBody>
+          <a:bodyPr/>
+          <a:lstStyle/>
+          <a:p>
+            <a:r>
+              <a:rPr lang="en-US" altLang="zh-TW" dirty="0"/>
+              <a:t>Host-centric </a:t>
+            </a:r>
+            <a:r>
+              <a:rPr lang="en-US" altLang="zh-TW" dirty="0" err="1"/>
+              <a:t>v.s</a:t>
+            </a:r>
+            <a:r>
+              <a:rPr lang="en-US" altLang="zh-TW" dirty="0"/>
+              <a:t>. Information-centric networking</a:t>
+            </a:r>
+          </a:p>
+          <a:p>
+            <a:endParaRPr lang="en-US" altLang="zh-TW" dirty="0"/>
+          </a:p>
+          <a:p>
+            <a:r>
+              <a:rPr lang="en-US" altLang="zh-TW" dirty="0"/>
+              <a:t>in-network caching </a:t>
+            </a:r>
+          </a:p>
+          <a:p>
+            <a:endParaRPr lang="en-US" altLang="zh-TW" dirty="0"/>
+          </a:p>
+          <a:p>
+            <a:endParaRPr lang="zh-TW" altLang="en-US" dirty="0"/>
+          </a:p>
+        </p:txBody>
+      </p:sp>
+      <p:pic>
+        <p:nvPicPr>
+          <p:cNvPr id="6" name="圖片 5">
+            <a:extLst>
+              <a:ext uri="{FF2B5EF4-FFF2-40B4-BE49-F238E27FC236}">
+                <a16:creationId xmlns:a16="http://schemas.microsoft.com/office/drawing/2014/main" id="{89EE5D0C-DAFB-4A4D-B781-C46A341D611C}"/>
+              </a:ext>
+            </a:extLst>
+          </p:cNvPr>
+          <p:cNvPicPr>
+            <a:picLocks noChangeAspect="1"/>
+          </p:cNvPicPr>
+          <p:nvPr/>
+        </p:nvPicPr>
+        <p:blipFill>
+          <a:blip r:embed="rId3">
+            <a:extLst>
+              <a:ext uri="{28A0092B-C50C-407E-A947-70E740481C1C}">
+                <a14:useLocalDpi xmlns:a14="http://schemas.microsoft.com/office/drawing/2010/main" val="0"/>
+              </a:ext>
+            </a:extLst>
+          </a:blip>
+          <a:stretch>
+            <a:fillRect/>
+          </a:stretch>
+        </p:blipFill>
+        <p:spPr>
+          <a:xfrm>
+            <a:off x="1581871" y="3537669"/>
+            <a:ext cx="4651781" cy="3068714"/>
+          </a:xfrm>
+          <a:prstGeom prst="rect">
+            <a:avLst/>
+          </a:prstGeom>
+        </p:spPr>
+      </p:pic>
+    </p:spTree>
+    <p:extLst>
+      <p:ext uri="{BB962C8B-B14F-4D97-AF65-F5344CB8AC3E}">
+        <p14:creationId xmlns:p14="http://schemas.microsoft.com/office/powerpoint/2010/main" val="2791563643"/>
+      </p:ext>
+    </p:extLst>
   </p:cSld>
   <p:clrMapOvr>
     <a:masterClrMapping/>
@@ -8596,6 +12776,105 @@
     <p:extLst>
       <p:ext uri="{BB962C8B-B14F-4D97-AF65-F5344CB8AC3E}">
         <p14:creationId xmlns:p14="http://schemas.microsoft.com/office/powerpoint/2010/main" val="1604107386"/>
+      </p:ext>
+    </p:extLst>
+  </p:cSld>
+  <p:clrMapOvr>
+    <a:masterClrMapping/>
+  </p:clrMapOvr>
+</p:sld>
+</file>
+
+<file path=ppt/slides/slide9.xml><?xml version="1.0" encoding="utf-8"?>
+<p:sld xmlns:a="http://schemas.openxmlformats.org/drawingml/2006/main" xmlns:r="http://schemas.openxmlformats.org/officeDocument/2006/relationships" xmlns:p="http://schemas.openxmlformats.org/presentationml/2006/main">
+  <p:cSld>
+    <p:spTree>
+      <p:nvGrpSpPr>
+        <p:cNvPr id="1" name=""/>
+        <p:cNvGrpSpPr/>
+        <p:nvPr/>
+      </p:nvGrpSpPr>
+      <p:grpSpPr>
+        <a:xfrm>
+          <a:off x="0" y="0"/>
+          <a:ext cx="0" cy="0"/>
+          <a:chOff x="0" y="0"/>
+          <a:chExt cx="0" cy="0"/>
+        </a:xfrm>
+      </p:grpSpPr>
+      <p:sp>
+        <p:nvSpPr>
+          <p:cNvPr id="2" name="標題 1">
+            <a:extLst>
+              <a:ext uri="{FF2B5EF4-FFF2-40B4-BE49-F238E27FC236}">
+                <a16:creationId xmlns:a16="http://schemas.microsoft.com/office/drawing/2014/main" id="{3C9667FA-47FF-43CA-835E-692C71C12E5F}"/>
+              </a:ext>
+            </a:extLst>
+          </p:cNvPr>
+          <p:cNvSpPr>
+            <a:spLocks noGrp="1"/>
+          </p:cNvSpPr>
+          <p:nvPr>
+            <p:ph type="title"/>
+          </p:nvPr>
+        </p:nvSpPr>
+        <p:spPr>
+          <a:xfrm>
+            <a:off x="993058" y="1150375"/>
+            <a:ext cx="8150942" cy="830826"/>
+          </a:xfrm>
+        </p:spPr>
+        <p:txBody>
+          <a:bodyPr/>
+          <a:lstStyle/>
+          <a:p>
+            <a:r>
+              <a:rPr lang="en-US" altLang="zh-TW" sz="2400" dirty="0"/>
+              <a:t>The interaction of the agent and the environment in Q-learning</a:t>
+            </a:r>
+            <a:endParaRPr lang="zh-TW" altLang="en-US" sz="2400" dirty="0"/>
+          </a:p>
+        </p:txBody>
+      </p:sp>
+      <p:pic>
+        <p:nvPicPr>
+          <p:cNvPr id="5" name="內容版面配置區 4">
+            <a:extLst>
+              <a:ext uri="{FF2B5EF4-FFF2-40B4-BE49-F238E27FC236}">
+                <a16:creationId xmlns:a16="http://schemas.microsoft.com/office/drawing/2014/main" id="{79110EBB-9EE5-487C-83A2-20E481171594}"/>
+              </a:ext>
+            </a:extLst>
+          </p:cNvPr>
+          <p:cNvPicPr>
+            <a:picLocks noGrp="1" noChangeAspect="1"/>
+          </p:cNvPicPr>
+          <p:nvPr>
+            <p:ph idx="1"/>
+          </p:nvPr>
+        </p:nvPicPr>
+        <p:blipFill>
+          <a:blip r:embed="rId3">
+            <a:extLst>
+              <a:ext uri="{28A0092B-C50C-407E-A947-70E740481C1C}">
+                <a14:useLocalDpi xmlns:a14="http://schemas.microsoft.com/office/drawing/2010/main" val="0"/>
+              </a:ext>
+            </a:extLst>
+          </a:blip>
+          <a:stretch>
+            <a:fillRect/>
+          </a:stretch>
+        </p:blipFill>
+        <p:spPr>
+          <a:xfrm>
+            <a:off x="1651819" y="2133599"/>
+            <a:ext cx="6856128" cy="4469241"/>
+          </a:xfrm>
+        </p:spPr>
+      </p:pic>
+    </p:spTree>
+    <p:extLst>
+      <p:ext uri="{BB962C8B-B14F-4D97-AF65-F5344CB8AC3E}">
+        <p14:creationId xmlns:p14="http://schemas.microsoft.com/office/powerpoint/2010/main" val="983482568"/>
       </p:ext>
     </p:extLst>
   </p:cSld>
